--- a/doc/Agenda Lab Example - Visual Agenda.pptx
+++ b/doc/Agenda Lab Example - Visual Agenda.pptx
@@ -4,32 +4,35 @@
   <p:sldMasterIdLst>
     <p:sldMasterId id="2147483648" r:id="rId1"/>
   </p:sldMasterIdLst>
+  <p:notesMasterIdLst>
+    <p:notesMasterId r:id="rId27"/>
+  </p:notesMasterIdLst>
   <p:sldIdLst>
-    <p:sldId id="263" r:id="rId2"/>
+    <p:sldId id="294" r:id="rId2"/>
     <p:sldId id="256" r:id="rId3"/>
-    <p:sldId id="273" r:id="rId4"/>
-    <p:sldId id="300" r:id="rId5"/>
+    <p:sldId id="295" r:id="rId4"/>
+    <p:sldId id="302" r:id="rId5"/>
     <p:sldId id="257" r:id="rId6"/>
     <p:sldId id="291" r:id="rId7"/>
     <p:sldId id="292" r:id="rId8"/>
     <p:sldId id="293" r:id="rId9"/>
     <p:sldId id="258" r:id="rId10"/>
-    <p:sldId id="298" r:id="rId11"/>
-    <p:sldId id="270" r:id="rId12"/>
-    <p:sldId id="299" r:id="rId13"/>
+    <p:sldId id="303" r:id="rId11"/>
+    <p:sldId id="297" r:id="rId12"/>
+    <p:sldId id="304" r:id="rId13"/>
     <p:sldId id="259" r:id="rId14"/>
     <p:sldId id="281" r:id="rId15"/>
     <p:sldId id="282" r:id="rId16"/>
     <p:sldId id="283" r:id="rId17"/>
     <p:sldId id="262" r:id="rId18"/>
-    <p:sldId id="296" r:id="rId19"/>
-    <p:sldId id="267" r:id="rId20"/>
-    <p:sldId id="297" r:id="rId21"/>
+    <p:sldId id="305" r:id="rId19"/>
+    <p:sldId id="300" r:id="rId20"/>
+    <p:sldId id="306" r:id="rId21"/>
     <p:sldId id="260" r:id="rId22"/>
     <p:sldId id="261" r:id="rId23"/>
-    <p:sldId id="294" r:id="rId24"/>
-    <p:sldId id="264" r:id="rId25"/>
-    <p:sldId id="295" r:id="rId26"/>
+    <p:sldId id="307" r:id="rId24"/>
+    <p:sldId id="301" r:id="rId25"/>
+    <p:sldId id="308" r:id="rId26"/>
   </p:sldIdLst>
   <p:sldSz cx="9144000" cy="6858000" type="screen4x3"/>
   <p:notesSz cx="6858000" cy="9144000"/>
@@ -133,18 +136,14 @@
       <p14:sectionLst xmlns:p14="http://schemas.microsoft.com/office/powerpoint/2010/main">
         <p14:section name="Intro" id="{C3F46055-7502-42B9-9A3E-BFBA34161CDA}">
           <p14:sldIdLst>
-            <p14:sldId id="263"/>
+            <p14:sldId id="294"/>
             <p14:sldId id="256"/>
-          </p14:sldIdLst>
-        </p14:section>
-        <p14:section name="PptLabsAgendaVisualSection" id="{1714F763-3BB2-451F-BCA4-E68A76299958}">
-          <p14:sldIdLst>
-            <p14:sldId id="273"/>
-            <p14:sldId id="300"/>
           </p14:sldIdLst>
         </p14:section>
         <p14:section name="Topic A" id="{B64985A9-05A0-43FD-A400-8315A4E2DF68}">
           <p14:sldIdLst>
+            <p14:sldId id="295"/>
+            <p14:sldId id="302"/>
             <p14:sldId id="257"/>
             <p14:sldId id="291"/>
             <p14:sldId id="292"/>
@@ -152,15 +151,11 @@
             <p14:sldId id="258"/>
           </p14:sldIdLst>
         </p14:section>
-        <p14:section name="PptLabsAgendaVisualSection" id="{DAEDA6DB-95B5-4977-8240-8303614DA439}">
-          <p14:sldIdLst>
-            <p14:sldId id="298"/>
-            <p14:sldId id="270"/>
-            <p14:sldId id="299"/>
-          </p14:sldIdLst>
-        </p14:section>
         <p14:section name="Topic B" id="{762C5EAF-0031-4ABA-A6DC-C2E1FFCF29AA}">
           <p14:sldIdLst>
+            <p14:sldId id="303"/>
+            <p14:sldId id="297"/>
+            <p14:sldId id="304"/>
             <p14:sldId id="259"/>
             <p14:sldId id="281"/>
             <p14:sldId id="282"/>
@@ -168,30 +163,460 @@
             <p14:sldId id="262"/>
           </p14:sldIdLst>
         </p14:section>
-        <p14:section name="PptLabsAgendaVisualSection" id="{4573FCFF-7922-4993-8265-3F95B07A62AC}">
-          <p14:sldIdLst>
-            <p14:sldId id="296"/>
-            <p14:sldId id="267"/>
-            <p14:sldId id="297"/>
-          </p14:sldIdLst>
-        </p14:section>
         <p14:section name="Topic C" id="{536B48B7-E19C-4BDE-9D79-EC0A9D413904}">
           <p14:sldIdLst>
+            <p14:sldId id="305"/>
+            <p14:sldId id="300"/>
+            <p14:sldId id="306"/>
             <p14:sldId id="260"/>
             <p14:sldId id="261"/>
-          </p14:sldIdLst>
-        </p14:section>
-        <p14:section name="PptLabsAgendaVisualSection" id="{396772C0-8214-4220-88FE-7CDB2EDAD372}">
-          <p14:sldIdLst>
-            <p14:sldId id="294"/>
-            <p14:sldId id="264"/>
-            <p14:sldId id="295"/>
+            <p14:sldId id="307"/>
+            <p14:sldId id="301"/>
+            <p14:sldId id="308"/>
           </p14:sldIdLst>
         </p14:section>
       </p14:sectionLst>
     </p:ext>
   </p:extLst>
 </p:presentation>
+</file>
+
+<file path=ppt/notesMasters/notesMaster1.xml><?xml version="1.0" encoding="utf-8"?>
+<p:notesMaster xmlns:a="http://schemas.openxmlformats.org/drawingml/2006/main" xmlns:r="http://schemas.openxmlformats.org/officeDocument/2006/relationships" xmlns:p="http://schemas.openxmlformats.org/presentationml/2006/main">
+  <p:cSld>
+    <p:bg>
+      <p:bgRef idx="1001">
+        <a:schemeClr val="bg1"/>
+      </p:bgRef>
+    </p:bg>
+    <p:spTree>
+      <p:nvGrpSpPr>
+        <p:cNvPr id="1" name=""/>
+        <p:cNvGrpSpPr/>
+        <p:nvPr/>
+      </p:nvGrpSpPr>
+      <p:grpSpPr>
+        <a:xfrm>
+          <a:off x="0" y="0"/>
+          <a:ext cx="0" cy="0"/>
+          <a:chOff x="0" y="0"/>
+          <a:chExt cx="0" cy="0"/>
+        </a:xfrm>
+      </p:grpSpPr>
+      <p:sp>
+        <p:nvSpPr>
+          <p:cNvPr id="2" name="Header Placeholder 1"/>
+          <p:cNvSpPr>
+            <a:spLocks noGrp="1"/>
+          </p:cNvSpPr>
+          <p:nvPr>
+            <p:ph type="hdr" sz="quarter"/>
+          </p:nvPr>
+        </p:nvSpPr>
+        <p:spPr>
+          <a:xfrm>
+            <a:off x="0" y="0"/>
+            <a:ext cx="2971800" cy="457200"/>
+          </a:xfrm>
+          <a:prstGeom prst="rect">
+            <a:avLst/>
+          </a:prstGeom>
+        </p:spPr>
+        <p:txBody>
+          <a:bodyPr vert="horz" lIns="91440" tIns="45720" rIns="91440" bIns="45720" rtlCol="0"/>
+          <a:lstStyle>
+            <a:lvl1pPr algn="l">
+              <a:defRPr sz="1200"/>
+            </a:lvl1pPr>
+          </a:lstStyle>
+          <a:p>
+            <a:endParaRPr lang="en-SG"/>
+          </a:p>
+        </p:txBody>
+      </p:sp>
+      <p:sp>
+        <p:nvSpPr>
+          <p:cNvPr id="3" name="Date Placeholder 2"/>
+          <p:cNvSpPr>
+            <a:spLocks noGrp="1"/>
+          </p:cNvSpPr>
+          <p:nvPr>
+            <p:ph type="dt" idx="1"/>
+          </p:nvPr>
+        </p:nvSpPr>
+        <p:spPr>
+          <a:xfrm>
+            <a:off x="3884613" y="0"/>
+            <a:ext cx="2971800" cy="457200"/>
+          </a:xfrm>
+          <a:prstGeom prst="rect">
+            <a:avLst/>
+          </a:prstGeom>
+        </p:spPr>
+        <p:txBody>
+          <a:bodyPr vert="horz" lIns="91440" tIns="45720" rIns="91440" bIns="45720" rtlCol="0"/>
+          <a:lstStyle>
+            <a:lvl1pPr algn="r">
+              <a:defRPr sz="1200"/>
+            </a:lvl1pPr>
+          </a:lstStyle>
+          <a:p>
+            <a:fld id="{672627BE-A05D-4ACA-8E33-EA05D522C849}" type="datetimeFigureOut">
+              <a:rPr lang="en-SG" smtClean="0"/>
+              <a:t>29/6/2015</a:t>
+            </a:fld>
+            <a:endParaRPr lang="en-SG"/>
+          </a:p>
+        </p:txBody>
+      </p:sp>
+      <p:sp>
+        <p:nvSpPr>
+          <p:cNvPr id="4" name="Slide Image Placeholder 3"/>
+          <p:cNvSpPr>
+            <a:spLocks noGrp="1" noRot="1" noChangeAspect="1"/>
+          </p:cNvSpPr>
+          <p:nvPr>
+            <p:ph type="sldImg" idx="2"/>
+          </p:nvPr>
+        </p:nvSpPr>
+        <p:spPr>
+          <a:xfrm>
+            <a:off x="1143000" y="685800"/>
+            <a:ext cx="4572000" cy="3429000"/>
+          </a:xfrm>
+          <a:prstGeom prst="rect">
+            <a:avLst/>
+          </a:prstGeom>
+          <a:noFill/>
+          <a:ln w="12700">
+            <a:solidFill>
+              <a:prstClr val="black"/>
+            </a:solidFill>
+          </a:ln>
+        </p:spPr>
+        <p:txBody>
+          <a:bodyPr vert="horz" lIns="91440" tIns="45720" rIns="91440" bIns="45720" rtlCol="0" anchor="ctr"/>
+          <a:lstStyle/>
+          <a:p>
+            <a:endParaRPr lang="en-SG"/>
+          </a:p>
+        </p:txBody>
+      </p:sp>
+      <p:sp>
+        <p:nvSpPr>
+          <p:cNvPr id="5" name="Notes Placeholder 4"/>
+          <p:cNvSpPr>
+            <a:spLocks noGrp="1"/>
+          </p:cNvSpPr>
+          <p:nvPr>
+            <p:ph type="body" sz="quarter" idx="3"/>
+          </p:nvPr>
+        </p:nvSpPr>
+        <p:spPr>
+          <a:xfrm>
+            <a:off x="685800" y="4343400"/>
+            <a:ext cx="5486400" cy="4114800"/>
+          </a:xfrm>
+          <a:prstGeom prst="rect">
+            <a:avLst/>
+          </a:prstGeom>
+        </p:spPr>
+        <p:txBody>
+          <a:bodyPr vert="horz" lIns="91440" tIns="45720" rIns="91440" bIns="45720" rtlCol="0"/>
+          <a:lstStyle/>
+          <a:p>
+            <a:pPr lvl="0"/>
+            <a:r>
+              <a:rPr lang="en-US" smtClean="0"/>
+              <a:t>Click to edit Master text styles</a:t>
+            </a:r>
+          </a:p>
+          <a:p>
+            <a:pPr lvl="1"/>
+            <a:r>
+              <a:rPr lang="en-US" smtClean="0"/>
+              <a:t>Second level</a:t>
+            </a:r>
+          </a:p>
+          <a:p>
+            <a:pPr lvl="2"/>
+            <a:r>
+              <a:rPr lang="en-US" smtClean="0"/>
+              <a:t>Third level</a:t>
+            </a:r>
+          </a:p>
+          <a:p>
+            <a:pPr lvl="3"/>
+            <a:r>
+              <a:rPr lang="en-US" smtClean="0"/>
+              <a:t>Fourth level</a:t>
+            </a:r>
+          </a:p>
+          <a:p>
+            <a:pPr lvl="4"/>
+            <a:r>
+              <a:rPr lang="en-US" smtClean="0"/>
+              <a:t>Fifth level</a:t>
+            </a:r>
+            <a:endParaRPr lang="en-SG"/>
+          </a:p>
+        </p:txBody>
+      </p:sp>
+      <p:sp>
+        <p:nvSpPr>
+          <p:cNvPr id="6" name="Footer Placeholder 5"/>
+          <p:cNvSpPr>
+            <a:spLocks noGrp="1"/>
+          </p:cNvSpPr>
+          <p:nvPr>
+            <p:ph type="ftr" sz="quarter" idx="4"/>
+          </p:nvPr>
+        </p:nvSpPr>
+        <p:spPr>
+          <a:xfrm>
+            <a:off x="0" y="8685213"/>
+            <a:ext cx="2971800" cy="457200"/>
+          </a:xfrm>
+          <a:prstGeom prst="rect">
+            <a:avLst/>
+          </a:prstGeom>
+        </p:spPr>
+        <p:txBody>
+          <a:bodyPr vert="horz" lIns="91440" tIns="45720" rIns="91440" bIns="45720" rtlCol="0" anchor="b"/>
+          <a:lstStyle>
+            <a:lvl1pPr algn="l">
+              <a:defRPr sz="1200"/>
+            </a:lvl1pPr>
+          </a:lstStyle>
+          <a:p>
+            <a:endParaRPr lang="en-SG"/>
+          </a:p>
+        </p:txBody>
+      </p:sp>
+      <p:sp>
+        <p:nvSpPr>
+          <p:cNvPr id="7" name="Slide Number Placeholder 6"/>
+          <p:cNvSpPr>
+            <a:spLocks noGrp="1"/>
+          </p:cNvSpPr>
+          <p:nvPr>
+            <p:ph type="sldNum" sz="quarter" idx="5"/>
+          </p:nvPr>
+        </p:nvSpPr>
+        <p:spPr>
+          <a:xfrm>
+            <a:off x="3884613" y="8685213"/>
+            <a:ext cx="2971800" cy="457200"/>
+          </a:xfrm>
+          <a:prstGeom prst="rect">
+            <a:avLst/>
+          </a:prstGeom>
+        </p:spPr>
+        <p:txBody>
+          <a:bodyPr vert="horz" lIns="91440" tIns="45720" rIns="91440" bIns="45720" rtlCol="0" anchor="b"/>
+          <a:lstStyle>
+            <a:lvl1pPr algn="r">
+              <a:defRPr sz="1200"/>
+            </a:lvl1pPr>
+          </a:lstStyle>
+          <a:p>
+            <a:fld id="{8E78C41B-5481-4BC3-8140-58AED22942D8}" type="slidenum">
+              <a:rPr lang="en-SG" smtClean="0"/>
+              <a:t>‹#›</a:t>
+            </a:fld>
+            <a:endParaRPr lang="en-SG"/>
+          </a:p>
+        </p:txBody>
+      </p:sp>
+    </p:spTree>
+    <p:extLst>
+      <p:ext uri="{BB962C8B-B14F-4D97-AF65-F5344CB8AC3E}">
+        <p14:creationId xmlns:p14="http://schemas.microsoft.com/office/powerpoint/2010/main" val="3445801831"/>
+      </p:ext>
+    </p:extLst>
+  </p:cSld>
+  <p:clrMap bg1="lt1" tx1="dk1" bg2="lt2" tx2="dk2" accent1="accent1" accent2="accent2" accent3="accent3" accent4="accent4" accent5="accent5" accent6="accent6" hlink="hlink" folHlink="folHlink"/>
+  <p:notesStyle>
+    <a:lvl1pPr marL="0" algn="l" defTabSz="914400" rtl="0" eaLnBrk="1" latinLnBrk="0" hangingPunct="1">
+      <a:defRPr sz="1200" kern="1200">
+        <a:solidFill>
+          <a:schemeClr val="tx1"/>
+        </a:solidFill>
+        <a:latin typeface="+mn-lt"/>
+        <a:ea typeface="+mn-ea"/>
+        <a:cs typeface="+mn-cs"/>
+      </a:defRPr>
+    </a:lvl1pPr>
+    <a:lvl2pPr marL="457200" algn="l" defTabSz="914400" rtl="0" eaLnBrk="1" latinLnBrk="0" hangingPunct="1">
+      <a:defRPr sz="1200" kern="1200">
+        <a:solidFill>
+          <a:schemeClr val="tx1"/>
+        </a:solidFill>
+        <a:latin typeface="+mn-lt"/>
+        <a:ea typeface="+mn-ea"/>
+        <a:cs typeface="+mn-cs"/>
+      </a:defRPr>
+    </a:lvl2pPr>
+    <a:lvl3pPr marL="914400" algn="l" defTabSz="914400" rtl="0" eaLnBrk="1" latinLnBrk="0" hangingPunct="1">
+      <a:defRPr sz="1200" kern="1200">
+        <a:solidFill>
+          <a:schemeClr val="tx1"/>
+        </a:solidFill>
+        <a:latin typeface="+mn-lt"/>
+        <a:ea typeface="+mn-ea"/>
+        <a:cs typeface="+mn-cs"/>
+      </a:defRPr>
+    </a:lvl3pPr>
+    <a:lvl4pPr marL="1371600" algn="l" defTabSz="914400" rtl="0" eaLnBrk="1" latinLnBrk="0" hangingPunct="1">
+      <a:defRPr sz="1200" kern="1200">
+        <a:solidFill>
+          <a:schemeClr val="tx1"/>
+        </a:solidFill>
+        <a:latin typeface="+mn-lt"/>
+        <a:ea typeface="+mn-ea"/>
+        <a:cs typeface="+mn-cs"/>
+      </a:defRPr>
+    </a:lvl4pPr>
+    <a:lvl5pPr marL="1828800" algn="l" defTabSz="914400" rtl="0" eaLnBrk="1" latinLnBrk="0" hangingPunct="1">
+      <a:defRPr sz="1200" kern="1200">
+        <a:solidFill>
+          <a:schemeClr val="tx1"/>
+        </a:solidFill>
+        <a:latin typeface="+mn-lt"/>
+        <a:ea typeface="+mn-ea"/>
+        <a:cs typeface="+mn-cs"/>
+      </a:defRPr>
+    </a:lvl5pPr>
+    <a:lvl6pPr marL="2286000" algn="l" defTabSz="914400" rtl="0" eaLnBrk="1" latinLnBrk="0" hangingPunct="1">
+      <a:defRPr sz="1200" kern="1200">
+        <a:solidFill>
+          <a:schemeClr val="tx1"/>
+        </a:solidFill>
+        <a:latin typeface="+mn-lt"/>
+        <a:ea typeface="+mn-ea"/>
+        <a:cs typeface="+mn-cs"/>
+      </a:defRPr>
+    </a:lvl6pPr>
+    <a:lvl7pPr marL="2743200" algn="l" defTabSz="914400" rtl="0" eaLnBrk="1" latinLnBrk="0" hangingPunct="1">
+      <a:defRPr sz="1200" kern="1200">
+        <a:solidFill>
+          <a:schemeClr val="tx1"/>
+        </a:solidFill>
+        <a:latin typeface="+mn-lt"/>
+        <a:ea typeface="+mn-ea"/>
+        <a:cs typeface="+mn-cs"/>
+      </a:defRPr>
+    </a:lvl7pPr>
+    <a:lvl8pPr marL="3200400" algn="l" defTabSz="914400" rtl="0" eaLnBrk="1" latinLnBrk="0" hangingPunct="1">
+      <a:defRPr sz="1200" kern="1200">
+        <a:solidFill>
+          <a:schemeClr val="tx1"/>
+        </a:solidFill>
+        <a:latin typeface="+mn-lt"/>
+        <a:ea typeface="+mn-ea"/>
+        <a:cs typeface="+mn-cs"/>
+      </a:defRPr>
+    </a:lvl8pPr>
+    <a:lvl9pPr marL="3657600" algn="l" defTabSz="914400" rtl="0" eaLnBrk="1" latinLnBrk="0" hangingPunct="1">
+      <a:defRPr sz="1200" kern="1200">
+        <a:solidFill>
+          <a:schemeClr val="tx1"/>
+        </a:solidFill>
+        <a:latin typeface="+mn-lt"/>
+        <a:ea typeface="+mn-ea"/>
+        <a:cs typeface="+mn-cs"/>
+      </a:defRPr>
+    </a:lvl9pPr>
+  </p:notesStyle>
+</p:notesMaster>
+</file>
+
+<file path=ppt/notesSlides/notesSlide1.xml><?xml version="1.0" encoding="utf-8"?>
+<p:notes xmlns:a="http://schemas.openxmlformats.org/drawingml/2006/main" xmlns:r="http://schemas.openxmlformats.org/officeDocument/2006/relationships" xmlns:p="http://schemas.openxmlformats.org/presentationml/2006/main">
+  <p:cSld>
+    <p:spTree>
+      <p:nvGrpSpPr>
+        <p:cNvPr id="1" name=""/>
+        <p:cNvGrpSpPr/>
+        <p:nvPr/>
+      </p:nvGrpSpPr>
+      <p:grpSpPr>
+        <a:xfrm>
+          <a:off x="0" y="0"/>
+          <a:ext cx="0" cy="0"/>
+          <a:chOff x="0" y="0"/>
+          <a:chExt cx="0" cy="0"/>
+        </a:xfrm>
+      </p:grpSpPr>
+      <p:sp>
+        <p:nvSpPr>
+          <p:cNvPr id="2" name="Slide Image Placeholder 1"/>
+          <p:cNvSpPr>
+            <a:spLocks noGrp="1" noRot="1" noChangeAspect="1"/>
+          </p:cNvSpPr>
+          <p:nvPr>
+            <p:ph type="sldImg"/>
+          </p:nvPr>
+        </p:nvSpPr>
+        <p:spPr/>
+      </p:sp>
+      <p:sp>
+        <p:nvSpPr>
+          <p:cNvPr id="3" name="Notes Placeholder 2"/>
+          <p:cNvSpPr>
+            <a:spLocks noGrp="1"/>
+          </p:cNvSpPr>
+          <p:nvPr>
+            <p:ph type="body" idx="1"/>
+          </p:nvPr>
+        </p:nvSpPr>
+        <p:spPr/>
+        <p:txBody>
+          <a:bodyPr/>
+          <a:lstStyle/>
+          <a:p>
+            <a:r>
+              <a:rPr lang="en-SG" smtClean="0"/>
+              <a:t>This notes page is used to store data - Do not edit the notes. UFBUVGVtcGxhdGVNYXJrZXI=@VGl0bGUgMQ==@VW5uYW1lZCBTaGFwZSAyMDE1MDYyODE5MzIxNjU3MjA1@VW5uYW1lZCBTaGFwZSAyMDE1MDYyODE5MzIxNjU3MjA2@UHB0TGFic0FnZW5kYV8mXkBWaXN1YWxBZ2VuZGFJbWFnZV8mXkBUb3BpYyBBXzI=@UHB0TGFic0FnZW5kYV8mXkBWaXN1YWxBZ2VuZGFJbWFnZV8mXkBUb3BpYyBCXzM=@UHB0TGFic0FnZW5kYV8mXkBWaXN1YWxBZ2VuZGFJbWFnZV8mXkBUb3BpYyBDXzQ=@2737605893</a:t>
+            </a:r>
+            <a:endParaRPr lang="en-SG"/>
+          </a:p>
+        </p:txBody>
+      </p:sp>
+      <p:sp>
+        <p:nvSpPr>
+          <p:cNvPr id="4" name="Slide Number Placeholder 3"/>
+          <p:cNvSpPr>
+            <a:spLocks noGrp="1"/>
+          </p:cNvSpPr>
+          <p:nvPr>
+            <p:ph type="sldNum" sz="quarter" idx="10"/>
+          </p:nvPr>
+        </p:nvSpPr>
+        <p:spPr/>
+        <p:txBody>
+          <a:bodyPr/>
+          <a:lstStyle/>
+          <a:p>
+            <a:fld id="{8E78C41B-5481-4BC3-8140-58AED22942D8}" type="slidenum">
+              <a:rPr lang="en-SG" smtClean="0"/>
+              <a:t>1</a:t>
+            </a:fld>
+            <a:endParaRPr lang="en-SG"/>
+          </a:p>
+        </p:txBody>
+      </p:sp>
+    </p:spTree>
+    <p:extLst>
+      <p:ext uri="{BB962C8B-B14F-4D97-AF65-F5344CB8AC3E}">
+        <p14:creationId xmlns:p14="http://schemas.microsoft.com/office/powerpoint/2010/main" val="3724833318"/>
+      </p:ext>
+    </p:extLst>
+  </p:cSld>
+  <p:clrMapOvr>
+    <a:masterClrMapping/>
+  </p:clrMapOvr>
+</p:notes>
 </file>
 
 <file path=ppt/slideLayouts/slideLayout1.xml><?xml version="1.0" encoding="utf-8"?>
@@ -375,7 +800,7 @@
           <a:p>
             <a:fld id="{9EC42EEE-3E5D-4D0F-A5A1-DBE4DDAAFE18}" type="datetimeFigureOut">
               <a:rPr lang="en-SG" smtClean="0"/>
-              <a:t>24/5/2015</a:t>
+              <a:t>29/6/2015</a:t>
             </a:fld>
             <a:endParaRPr lang="en-SG"/>
           </a:p>
@@ -545,7 +970,7 @@
           <a:p>
             <a:fld id="{9EC42EEE-3E5D-4D0F-A5A1-DBE4DDAAFE18}" type="datetimeFigureOut">
               <a:rPr lang="en-SG" smtClean="0"/>
-              <a:t>24/5/2015</a:t>
+              <a:t>29/6/2015</a:t>
             </a:fld>
             <a:endParaRPr lang="en-SG"/>
           </a:p>
@@ -725,7 +1150,7 @@
           <a:p>
             <a:fld id="{9EC42EEE-3E5D-4D0F-A5A1-DBE4DDAAFE18}" type="datetimeFigureOut">
               <a:rPr lang="en-SG" smtClean="0"/>
-              <a:t>24/5/2015</a:t>
+              <a:t>29/6/2015</a:t>
             </a:fld>
             <a:endParaRPr lang="en-SG"/>
           </a:p>
@@ -895,7 +1320,7 @@
           <a:p>
             <a:fld id="{9EC42EEE-3E5D-4D0F-A5A1-DBE4DDAAFE18}" type="datetimeFigureOut">
               <a:rPr lang="en-SG" smtClean="0"/>
-              <a:t>24/5/2015</a:t>
+              <a:t>29/6/2015</a:t>
             </a:fld>
             <a:endParaRPr lang="en-SG"/>
           </a:p>
@@ -1141,7 +1566,7 @@
           <a:p>
             <a:fld id="{9EC42EEE-3E5D-4D0F-A5A1-DBE4DDAAFE18}" type="datetimeFigureOut">
               <a:rPr lang="en-SG" smtClean="0"/>
-              <a:t>24/5/2015</a:t>
+              <a:t>29/6/2015</a:t>
             </a:fld>
             <a:endParaRPr lang="en-SG"/>
           </a:p>
@@ -1429,7 +1854,7 @@
           <a:p>
             <a:fld id="{9EC42EEE-3E5D-4D0F-A5A1-DBE4DDAAFE18}" type="datetimeFigureOut">
               <a:rPr lang="en-SG" smtClean="0"/>
-              <a:t>24/5/2015</a:t>
+              <a:t>29/6/2015</a:t>
             </a:fld>
             <a:endParaRPr lang="en-SG"/>
           </a:p>
@@ -1851,7 +2276,7 @@
           <a:p>
             <a:fld id="{9EC42EEE-3E5D-4D0F-A5A1-DBE4DDAAFE18}" type="datetimeFigureOut">
               <a:rPr lang="en-SG" smtClean="0"/>
-              <a:t>24/5/2015</a:t>
+              <a:t>29/6/2015</a:t>
             </a:fld>
             <a:endParaRPr lang="en-SG"/>
           </a:p>
@@ -1969,7 +2394,7 @@
           <a:p>
             <a:fld id="{9EC42EEE-3E5D-4D0F-A5A1-DBE4DDAAFE18}" type="datetimeFigureOut">
               <a:rPr lang="en-SG" smtClean="0"/>
-              <a:t>24/5/2015</a:t>
+              <a:t>29/6/2015</a:t>
             </a:fld>
             <a:endParaRPr lang="en-SG"/>
           </a:p>
@@ -2064,7 +2489,7 @@
           <a:p>
             <a:fld id="{9EC42EEE-3E5D-4D0F-A5A1-DBE4DDAAFE18}" type="datetimeFigureOut">
               <a:rPr lang="en-SG" smtClean="0"/>
-              <a:t>24/5/2015</a:t>
+              <a:t>29/6/2015</a:t>
             </a:fld>
             <a:endParaRPr lang="en-SG"/>
           </a:p>
@@ -2341,7 +2766,7 @@
           <a:p>
             <a:fld id="{9EC42EEE-3E5D-4D0F-A5A1-DBE4DDAAFE18}" type="datetimeFigureOut">
               <a:rPr lang="en-SG" smtClean="0"/>
-              <a:t>24/5/2015</a:t>
+              <a:t>29/6/2015</a:t>
             </a:fld>
             <a:endParaRPr lang="en-SG"/>
           </a:p>
@@ -2594,7 +3019,7 @@
           <a:p>
             <a:fld id="{9EC42EEE-3E5D-4D0F-A5A1-DBE4DDAAFE18}" type="datetimeFigureOut">
               <a:rPr lang="en-SG" smtClean="0"/>
-              <a:t>24/5/2015</a:t>
+              <a:t>29/6/2015</a:t>
             </a:fld>
             <a:endParaRPr lang="en-SG"/>
           </a:p>
@@ -2807,7 +3232,7 @@
           <a:p>
             <a:fld id="{9EC42EEE-3E5D-4D0F-A5A1-DBE4DDAAFE18}" type="datetimeFigureOut">
               <a:rPr lang="en-SG" smtClean="0"/>
-              <a:t>24/5/2015</a:t>
+              <a:t>29/6/2015</a:t>
             </a:fld>
             <a:endParaRPr lang="en-SG"/>
           </a:p>
@@ -3167,7 +3592,7 @@
 
 <file path=ppt/slides/slide1.xml><?xml version="1.0" encoding="utf-8"?>
 <p:sld xmlns:a="http://schemas.openxmlformats.org/drawingml/2006/main" xmlns:r="http://schemas.openxmlformats.org/officeDocument/2006/relationships" xmlns:p="http://schemas.openxmlformats.org/presentationml/2006/main" show="0">
-  <p:cSld name="PptLabsAgendaSlideReference">
+  <p:cSld name="PptLabsAgenda_&amp;^@Visual_&amp;^@Reference_&amp;^@2015062819300932900">
     <p:spTree>
       <p:nvGrpSpPr>
         <p:cNvPr id="1" name=""/>
@@ -3184,7 +3609,59 @@
       </p:grpSpPr>
       <p:sp>
         <p:nvSpPr>
-          <p:cNvPr id="2" name="PptLabsAgendaTitle"/>
+          <p:cNvPr id="3" name="PPTTemplateMarker"/>
+          <p:cNvSpPr txBox="1"/>
+          <p:nvPr/>
+        </p:nvSpPr>
+        <p:spPr>
+          <a:xfrm>
+            <a:off x="0" y="5934670"/>
+            <a:ext cx="9144000" cy="923330"/>
+          </a:xfrm>
+          <a:prstGeom prst="rect">
+            <a:avLst/>
+          </a:prstGeom>
+          <a:solidFill>
+            <a:srgbClr val="C00000"/>
+          </a:solidFill>
+        </p:spPr>
+        <p:txBody>
+          <a:bodyPr vert="horz" rtlCol="0">
+            <a:normAutofit/>
+          </a:bodyPr>
+          <a:lstStyle/>
+          <a:p>
+            <a:pPr algn="ctr"/>
+            <a:r>
+              <a:rPr lang="en-SG" b="1" smtClean="0">
+                <a:solidFill>
+                  <a:srgbClr val="FFFF00"/>
+                </a:solidFill>
+              </a:rPr>
+              <a:t>This slide is used as a ‘Template' for generating agenda slides. Please do not delete this slide.</a:t>
+            </a:r>
+          </a:p>
+          <a:p>
+            <a:pPr algn="ctr"/>
+            <a:r>
+              <a:rPr lang="en-SG" smtClean="0">
+                <a:solidFill>
+                  <a:srgbClr val="FFFFFF"/>
+                </a:solidFill>
+              </a:rPr>
+              <a:t>Adjust the design of this slide and click the 'Sync Agenda' (in Agenda Lab) to replicate the design in the other slides.</a:t>
+            </a:r>
+            <a:endParaRPr lang="en-SG">
+              <a:solidFill>
+                <a:srgbClr val="FFFFFF"/>
+              </a:solidFill>
+            </a:endParaRPr>
+          </a:p>
+        </p:txBody>
+      </p:sp>
+      <p:sp>
+        <p:nvSpPr>
+          <p:cNvPr id="2" name="Title 1"/>
           <p:cNvSpPr>
             <a:spLocks noGrp="1"/>
           </p:cNvSpPr>
@@ -3198,226 +3675,23 @@
           <a:lstStyle/>
           <a:p>
             <a:r>
-              <a:rPr lang="en-SG" dirty="0" smtClean="0">
-                <a:solidFill>
-                  <a:srgbClr val="0070C0"/>
-                </a:solidFill>
-              </a:rPr>
-              <a:t>Strategy Proposal</a:t>
-            </a:r>
-            <a:endParaRPr lang="en-SG" dirty="0">
-              <a:solidFill>
-                <a:srgbClr val="0070C0"/>
-              </a:solidFill>
-            </a:endParaRPr>
+              <a:rPr lang="en-SG" dirty="0" smtClean="0"/>
+              <a:t>Merger Analysis</a:t>
+            </a:r>
+            <a:endParaRPr lang="en-SG" dirty="0"/>
           </a:p>
         </p:txBody>
       </p:sp>
       <p:sp>
         <p:nvSpPr>
-          <p:cNvPr id="3" name="PptLabsAgendaVisualItemTopic A"/>
-          <p:cNvSpPr>
-            <a:spLocks noChangeAspect="1"/>
-          </p:cNvSpPr>
-          <p:nvPr/>
-        </p:nvSpPr>
-        <p:spPr>
-          <a:xfrm>
-            <a:off x="467544" y="2636912"/>
-            <a:ext cx="2468880" cy="1851660"/>
-          </a:xfrm>
-          <a:prstGeom prst="rect">
-            <a:avLst/>
-          </a:prstGeom>
-          <a:blipFill>
-            <a:blip r:embed="rId2"/>
-            <a:stretch>
-              <a:fillRect/>
-            </a:stretch>
-          </a:blipFill>
-          <a:ln w="25400" cap="flat" cmpd="sng" algn="ctr">
-            <a:noFill/>
-            <a:prstDash val="solid"/>
-          </a:ln>
-          <a:effectLst/>
-          <a:extLst>
-            <a:ext uri="{91240B29-F687-4F45-9708-019B960494DF}">
-              <a14:hiddenLine xmlns:a14="http://schemas.microsoft.com/office/drawing/2010/main" w="25400" cap="flat" cmpd="sng" algn="ctr">
-                <a:solidFill>
-                  <a:schemeClr val="accent1">
-                    <a:shade val="50000"/>
-                  </a:schemeClr>
-                </a:solidFill>
-                <a:prstDash val="solid"/>
-              </a14:hiddenLine>
-            </a:ext>
-          </a:extLst>
-        </p:spPr>
-        <p:style>
-          <a:lnRef idx="2">
-            <a:schemeClr val="accent1">
-              <a:shade val="50000"/>
-            </a:schemeClr>
-          </a:lnRef>
-          <a:fillRef idx="1">
-            <a:schemeClr val="accent1"/>
-          </a:fillRef>
-          <a:effectRef idx="0">
-            <a:schemeClr val="accent1"/>
-          </a:effectRef>
-          <a:fontRef idx="minor">
-            <a:schemeClr val="lt1"/>
-          </a:fontRef>
-        </p:style>
-        <p:txBody>
-          <a:bodyPr rtlCol="0" anchor="ctr"/>
-          <a:lstStyle/>
-          <a:p>
-            <a:pPr algn="ctr"/>
-            <a:endParaRPr lang="en-SG"/>
-          </a:p>
-        </p:txBody>
-      </p:sp>
-      <p:sp>
-        <p:nvSpPr>
-          <p:cNvPr id="4" name="PptLabsAgendaVisualItemTopic B"/>
-          <p:cNvSpPr>
-            <a:spLocks noChangeAspect="1"/>
-          </p:cNvSpPr>
-          <p:nvPr/>
-        </p:nvSpPr>
-        <p:spPr>
-          <a:xfrm>
-            <a:off x="3337560" y="2636912"/>
-            <a:ext cx="2468880" cy="1851660"/>
-          </a:xfrm>
-          <a:prstGeom prst="rect">
-            <a:avLst/>
-          </a:prstGeom>
-          <a:blipFill>
-            <a:blip r:embed="rId3"/>
-            <a:stretch>
-              <a:fillRect/>
-            </a:stretch>
-          </a:blipFill>
-          <a:ln w="25400" cap="flat" cmpd="sng" algn="ctr">
-            <a:noFill/>
-            <a:prstDash val="solid"/>
-          </a:ln>
-          <a:effectLst/>
-          <a:extLst>
-            <a:ext uri="{91240B29-F687-4F45-9708-019B960494DF}">
-              <a14:hiddenLine xmlns:a14="http://schemas.microsoft.com/office/drawing/2010/main" w="25400" cap="flat" cmpd="sng" algn="ctr">
-                <a:solidFill>
-                  <a:schemeClr val="accent1">
-                    <a:shade val="50000"/>
-                  </a:schemeClr>
-                </a:solidFill>
-                <a:prstDash val="solid"/>
-              </a14:hiddenLine>
-            </a:ext>
-          </a:extLst>
-        </p:spPr>
-        <p:style>
-          <a:lnRef idx="2">
-            <a:schemeClr val="accent1">
-              <a:shade val="50000"/>
-            </a:schemeClr>
-          </a:lnRef>
-          <a:fillRef idx="1">
-            <a:schemeClr val="accent1"/>
-          </a:fillRef>
-          <a:effectRef idx="0">
-            <a:schemeClr val="accent1"/>
-          </a:effectRef>
-          <a:fontRef idx="minor">
-            <a:schemeClr val="lt1"/>
-          </a:fontRef>
-        </p:style>
-        <p:txBody>
-          <a:bodyPr rtlCol="0" anchor="ctr"/>
-          <a:lstStyle/>
-          <a:p>
-            <a:pPr algn="ctr"/>
-            <a:endParaRPr lang="en-SG"/>
-          </a:p>
-        </p:txBody>
-      </p:sp>
-      <p:sp>
-        <p:nvSpPr>
-          <p:cNvPr id="5" name="PptLabsAgendaVisualItemTopic C"/>
-          <p:cNvSpPr>
-            <a:spLocks noChangeAspect="1"/>
-          </p:cNvSpPr>
-          <p:nvPr/>
-        </p:nvSpPr>
-        <p:spPr>
-          <a:xfrm>
-            <a:off x="6207577" y="2636912"/>
-            <a:ext cx="2468879" cy="1851660"/>
-          </a:xfrm>
-          <a:prstGeom prst="rect">
-            <a:avLst/>
-          </a:prstGeom>
-          <a:blipFill>
-            <a:blip r:embed="rId4"/>
-            <a:stretch>
-              <a:fillRect/>
-            </a:stretch>
-          </a:blipFill>
-          <a:ln w="25400" cap="flat" cmpd="sng" algn="ctr">
-            <a:noFill/>
-            <a:prstDash val="solid"/>
-          </a:ln>
-          <a:effectLst/>
-          <a:extLst>
-            <a:ext uri="{91240B29-F687-4F45-9708-019B960494DF}">
-              <a14:hiddenLine xmlns:a14="http://schemas.microsoft.com/office/drawing/2010/main" w="25400" cap="flat" cmpd="sng" algn="ctr">
-                <a:solidFill>
-                  <a:schemeClr val="accent1">
-                    <a:shade val="50000"/>
-                  </a:schemeClr>
-                </a:solidFill>
-                <a:prstDash val="solid"/>
-              </a14:hiddenLine>
-            </a:ext>
-          </a:extLst>
-        </p:spPr>
-        <p:style>
-          <a:lnRef idx="2">
-            <a:schemeClr val="accent1">
-              <a:shade val="50000"/>
-            </a:schemeClr>
-          </a:lnRef>
-          <a:fillRef idx="1">
-            <a:schemeClr val="accent1"/>
-          </a:fillRef>
-          <a:effectRef idx="0">
-            <a:schemeClr val="accent1"/>
-          </a:effectRef>
-          <a:fontRef idx="minor">
-            <a:schemeClr val="lt1"/>
-          </a:fontRef>
-        </p:style>
-        <p:txBody>
-          <a:bodyPr rtlCol="0" anchor="ctr"/>
-          <a:lstStyle/>
-          <a:p>
-            <a:pPr algn="ctr"/>
-            <a:endParaRPr lang="en-SG"/>
-          </a:p>
-        </p:txBody>
-      </p:sp>
-      <p:sp>
-        <p:nvSpPr>
-          <p:cNvPr id="6" name="TextBox 5"/>
+          <p:cNvPr id="4" name="Unnamed Shape 2015062819321657205"/>
           <p:cNvSpPr txBox="1"/>
           <p:nvPr/>
         </p:nvSpPr>
         <p:spPr>
           <a:xfrm>
-            <a:off x="2861008" y="3068960"/>
-            <a:ext cx="576064" cy="923330"/>
+            <a:off x="2555776" y="2852936"/>
+            <a:ext cx="915496" cy="1323439"/>
           </a:xfrm>
           <a:prstGeom prst="rect">
             <a:avLst/>
@@ -3431,7 +3705,7 @@
           <a:lstStyle/>
           <a:p>
             <a:r>
-              <a:rPr lang="en-US" sz="5400" b="1" dirty="0" smtClean="0">
+              <a:rPr lang="en-US" sz="8000" b="1" dirty="0" smtClean="0">
                 <a:solidFill>
                   <a:schemeClr val="bg1">
                     <a:lumMod val="65000"/>
@@ -3440,7 +3714,7 @@
               </a:rPr>
               <a:t>+</a:t>
             </a:r>
-            <a:endParaRPr lang="en-SG" sz="5400" b="1" dirty="0">
+            <a:endParaRPr lang="en-SG" sz="8000" b="1" dirty="0">
               <a:solidFill>
                 <a:schemeClr val="bg1">
                   <a:lumMod val="65000"/>
@@ -3452,14 +3726,14 @@
       </p:sp>
       <p:sp>
         <p:nvSpPr>
-          <p:cNvPr id="7" name="TextBox 7"/>
+          <p:cNvPr id="21" name="Unnamed Shape 2015062819321657206"/>
           <p:cNvSpPr txBox="1"/>
           <p:nvPr/>
         </p:nvSpPr>
         <p:spPr>
           <a:xfrm>
-            <a:off x="5724128" y="2996952"/>
-            <a:ext cx="576064" cy="923330"/>
+            <a:off x="6012160" y="2901214"/>
+            <a:ext cx="915496" cy="1323439"/>
           </a:xfrm>
           <a:prstGeom prst="rect">
             <a:avLst/>
@@ -3473,7 +3747,7 @@
           <a:lstStyle/>
           <a:p>
             <a:r>
-              <a:rPr lang="en-US" sz="5400" b="1" dirty="0" smtClean="0">
+              <a:rPr lang="en-US" sz="8000" b="1" dirty="0" smtClean="0">
                 <a:solidFill>
                   <a:schemeClr val="bg1">
                     <a:lumMod val="65000"/>
@@ -3482,7 +3756,7 @@
               </a:rPr>
               <a:t>=</a:t>
             </a:r>
-            <a:endParaRPr lang="en-SG" sz="5400" b="1" dirty="0">
+            <a:endParaRPr lang="en-SG" sz="8000" b="1" dirty="0">
               <a:solidFill>
                 <a:schemeClr val="bg1">
                   <a:lumMod val="65000"/>
@@ -3492,37 +3766,331 @@
           </a:p>
         </p:txBody>
       </p:sp>
+      <p:pic>
+        <p:nvPicPr>
+          <p:cNvPr id="5" name="PptLabsAgenda_&amp;^@VisualAgendaImage_&amp;^@Topic A_2"/>
+          <p:cNvPicPr>
+            <a:picLocks noChangeAspect="1" noChangeArrowheads="1"/>
+          </p:cNvPicPr>
+          <p:nvPr/>
+        </p:nvPicPr>
+        <p:blipFill>
+          <a:blip r:embed="rId3">
+            <a:extLst>
+              <a:ext uri="{28A0092B-C50C-407E-A947-70E740481C1C}">
+                <a14:useLocalDpi xmlns:a14="http://schemas.microsoft.com/office/drawing/2010/main" val="0"/>
+              </a:ext>
+            </a:extLst>
+          </a:blip>
+          <a:srcRect/>
+          <a:stretch>
+            <a:fillRect/>
+          </a:stretch>
+        </p:blipFill>
+        <p:spPr bwMode="auto">
+          <a:xfrm>
+            <a:off x="107504" y="2657460"/>
+            <a:ext cx="2468880" cy="1851660"/>
+          </a:xfrm>
+          <a:prstGeom prst="rect">
+            <a:avLst/>
+          </a:prstGeom>
+          <a:noFill/>
+          <a:ln>
+            <a:noFill/>
+          </a:ln>
+          <a:effectLst/>
+          <a:extLst>
+            <a:ext uri="{909E8E84-426E-40DD-AFC4-6F175D3DCCD1}">
+              <a14:hiddenFill xmlns:a14="http://schemas.microsoft.com/office/drawing/2010/main">
+                <a:solidFill>
+                  <a:schemeClr val="accent1"/>
+                </a:solidFill>
+              </a14:hiddenFill>
+            </a:ext>
+            <a:ext uri="{91240B29-F687-4F45-9708-019B960494DF}">
+              <a14:hiddenLine xmlns:a14="http://schemas.microsoft.com/office/drawing/2010/main" w="9525">
+                <a:solidFill>
+                  <a:schemeClr val="tx1"/>
+                </a:solidFill>
+                <a:miter lim="800000"/>
+                <a:headEnd/>
+                <a:tailEnd/>
+              </a14:hiddenLine>
+            </a:ext>
+            <a:ext uri="{AF507438-7753-43E0-B8FC-AC1667EBCBE1}">
+              <a14:hiddenEffects xmlns:a14="http://schemas.microsoft.com/office/drawing/2010/main">
+                <a:effectLst>
+                  <a:outerShdw dist="35921" dir="2700000" algn="ctr" rotWithShape="0">
+                    <a:schemeClr val="bg2"/>
+                  </a:outerShdw>
+                </a:effectLst>
+              </a14:hiddenEffects>
+            </a:ext>
+          </a:extLst>
+        </p:spPr>
+      </p:pic>
+      <p:pic>
+        <p:nvPicPr>
+          <p:cNvPr id="6" name="PptLabsAgenda_&amp;^@VisualAgendaImage_&amp;^@Topic B_3"/>
+          <p:cNvPicPr>
+            <a:picLocks noChangeAspect="1" noChangeArrowheads="1"/>
+          </p:cNvPicPr>
+          <p:nvPr/>
+        </p:nvPicPr>
+        <p:blipFill>
+          <a:blip r:embed="rId4">
+            <a:extLst>
+              <a:ext uri="{28A0092B-C50C-407E-A947-70E740481C1C}">
+                <a14:useLocalDpi xmlns:a14="http://schemas.microsoft.com/office/drawing/2010/main" val="0"/>
+              </a:ext>
+            </a:extLst>
+          </a:blip>
+          <a:srcRect/>
+          <a:stretch>
+            <a:fillRect/>
+          </a:stretch>
+        </p:blipFill>
+        <p:spPr bwMode="auto">
+          <a:xfrm>
+            <a:off x="3327256" y="2637104"/>
+            <a:ext cx="2468880" cy="1851660"/>
+          </a:xfrm>
+          <a:prstGeom prst="rect">
+            <a:avLst/>
+          </a:prstGeom>
+          <a:noFill/>
+          <a:ln>
+            <a:noFill/>
+          </a:ln>
+          <a:effectLst/>
+          <a:extLst>
+            <a:ext uri="{909E8E84-426E-40DD-AFC4-6F175D3DCCD1}">
+              <a14:hiddenFill xmlns:a14="http://schemas.microsoft.com/office/drawing/2010/main">
+                <a:solidFill>
+                  <a:schemeClr val="accent1"/>
+                </a:solidFill>
+              </a14:hiddenFill>
+            </a:ext>
+            <a:ext uri="{91240B29-F687-4F45-9708-019B960494DF}">
+              <a14:hiddenLine xmlns:a14="http://schemas.microsoft.com/office/drawing/2010/main" w="9525">
+                <a:solidFill>
+                  <a:schemeClr val="tx1"/>
+                </a:solidFill>
+                <a:miter lim="800000"/>
+                <a:headEnd/>
+                <a:tailEnd/>
+              </a14:hiddenLine>
+            </a:ext>
+            <a:ext uri="{AF507438-7753-43E0-B8FC-AC1667EBCBE1}">
+              <a14:hiddenEffects xmlns:a14="http://schemas.microsoft.com/office/drawing/2010/main">
+                <a:effectLst>
+                  <a:outerShdw dist="35921" dir="2700000" algn="ctr" rotWithShape="0">
+                    <a:schemeClr val="bg2"/>
+                  </a:outerShdw>
+                </a:effectLst>
+              </a14:hiddenEffects>
+            </a:ext>
+          </a:extLst>
+        </p:spPr>
+      </p:pic>
+      <p:pic>
+        <p:nvPicPr>
+          <p:cNvPr id="7" name="PptLabsAgenda_&amp;^@VisualAgendaImage_&amp;^@Topic C_4"/>
+          <p:cNvPicPr>
+            <a:picLocks noChangeAspect="1" noChangeArrowheads="1"/>
+          </p:cNvPicPr>
+          <p:nvPr/>
+        </p:nvPicPr>
+        <p:blipFill>
+          <a:blip r:embed="rId5">
+            <a:extLst>
+              <a:ext uri="{28A0092B-C50C-407E-A947-70E740481C1C}">
+                <a14:useLocalDpi xmlns:a14="http://schemas.microsoft.com/office/drawing/2010/main" val="0"/>
+              </a:ext>
+            </a:extLst>
+          </a:blip>
+          <a:srcRect/>
+          <a:stretch>
+            <a:fillRect/>
+          </a:stretch>
+        </p:blipFill>
+        <p:spPr bwMode="auto">
+          <a:xfrm>
+            <a:off x="6639624" y="2637104"/>
+            <a:ext cx="2468880" cy="1851660"/>
+          </a:xfrm>
+          <a:prstGeom prst="rect">
+            <a:avLst/>
+          </a:prstGeom>
+          <a:noFill/>
+          <a:ln>
+            <a:noFill/>
+          </a:ln>
+          <a:effectLst/>
+          <a:extLst>
+            <a:ext uri="{909E8E84-426E-40DD-AFC4-6F175D3DCCD1}">
+              <a14:hiddenFill xmlns:a14="http://schemas.microsoft.com/office/drawing/2010/main">
+                <a:solidFill>
+                  <a:schemeClr val="accent1"/>
+                </a:solidFill>
+              </a14:hiddenFill>
+            </a:ext>
+            <a:ext uri="{91240B29-F687-4F45-9708-019B960494DF}">
+              <a14:hiddenLine xmlns:a14="http://schemas.microsoft.com/office/drawing/2010/main" w="9525">
+                <a:solidFill>
+                  <a:schemeClr val="tx1"/>
+                </a:solidFill>
+                <a:miter lim="800000"/>
+                <a:headEnd/>
+                <a:tailEnd/>
+              </a14:hiddenLine>
+            </a:ext>
+            <a:ext uri="{AF507438-7753-43E0-B8FC-AC1667EBCBE1}">
+              <a14:hiddenEffects xmlns:a14="http://schemas.microsoft.com/office/drawing/2010/main">
+                <a:effectLst>
+                  <a:outerShdw dist="35921" dir="2700000" algn="ctr" rotWithShape="0">
+                    <a:schemeClr val="bg2"/>
+                  </a:outerShdw>
+                </a:effectLst>
+              </a14:hiddenEffects>
+            </a:ext>
+          </a:extLst>
+        </p:spPr>
+      </p:pic>
     </p:spTree>
     <p:extLst>
       <p:ext uri="{BB962C8B-B14F-4D97-AF65-F5344CB8AC3E}">
-        <p14:creationId xmlns:p14="http://schemas.microsoft.com/office/powerpoint/2010/main" val="2466978627"/>
+        <p14:creationId xmlns:p14="http://schemas.microsoft.com/office/powerpoint/2010/main" val="1632692694"/>
       </p:ext>
     </p:extLst>
   </p:cSld>
   <p:clrMapOvr>
     <a:masterClrMapping/>
   </p:clrMapOvr>
-  <mc:AlternateContent xmlns:mc="http://schemas.openxmlformats.org/markup-compatibility/2006">
-    <mc:Choice xmlns:p14="http://schemas.microsoft.com/office/powerpoint/2010/main" Requires="p14">
+  <mc:AlternateContent xmlns:mc="http://schemas.openxmlformats.org/markup-compatibility/2006" xmlns:p14="http://schemas.microsoft.com/office/powerpoint/2010/main">
+    <mc:Choice Requires="p14">
       <p:transition spd="slow" p14:dur="2000"/>
     </mc:Choice>
-    <mc:Fallback>
+    <mc:Fallback xmlns="">
       <p:transition spd="slow"/>
     </mc:Fallback>
   </mc:AlternateContent>
   <p:timing>
     <p:tnLst>
       <p:par>
-        <p:cTn id="1" dur="indefinite" restart="never" nodeType="tmRoot"/>
+        <p:cTn id="1" dur="indefinite" restart="never" nodeType="tmRoot">
+          <p:childTnLst>
+            <p:seq concurrent="1" nextAc="seek">
+              <p:cTn id="2" dur="indefinite" nodeType="mainSeq">
+                <p:childTnLst>
+                  <p:par>
+                    <p:cTn id="3" fill="hold">
+                      <p:stCondLst>
+                        <p:cond delay="indefinite"/>
+                        <p:cond evt="onBegin" delay="0">
+                          <p:tn val="2"/>
+                        </p:cond>
+                      </p:stCondLst>
+                      <p:childTnLst>
+                        <p:par>
+                          <p:cTn id="4" fill="hold">
+                            <p:stCondLst>
+                              <p:cond delay="0"/>
+                            </p:stCondLst>
+                            <p:childTnLst>
+                              <p:par>
+                                <p:cTn id="5" presetID="1" presetClass="entr" presetSubtype="0" fill="hold" grpId="0" nodeType="withEffect">
+                                  <p:stCondLst>
+                                    <p:cond delay="0"/>
+                                  </p:stCondLst>
+                                  <p:childTnLst>
+                                    <p:set>
+                                      <p:cBhvr>
+                                        <p:cTn id="6" dur="1" fill="hold">
+                                          <p:stCondLst>
+                                            <p:cond delay="0"/>
+                                          </p:stCondLst>
+                                        </p:cTn>
+                                        <p:tgtEl>
+                                          <p:spTgt spid="3"/>
+                                        </p:tgtEl>
+                                        <p:attrNameLst>
+                                          <p:attrName>style.visibility</p:attrName>
+                                        </p:attrNameLst>
+                                      </p:cBhvr>
+                                      <p:to>
+                                        <p:strVal val="visible"/>
+                                      </p:to>
+                                    </p:set>
+                                  </p:childTnLst>
+                                </p:cTn>
+                              </p:par>
+                              <p:par>
+                                <p:cTn id="7" presetID="1" presetClass="exit" presetSubtype="0" fill="hold" grpId="1" nodeType="withEffect">
+                                  <p:stCondLst>
+                                    <p:cond delay="0"/>
+                                  </p:stCondLst>
+                                  <p:childTnLst>
+                                    <p:set>
+                                      <p:cBhvr>
+                                        <p:cTn id="8" dur="1" fill="hold">
+                                          <p:stCondLst>
+                                            <p:cond delay="0"/>
+                                          </p:stCondLst>
+                                        </p:cTn>
+                                        <p:tgtEl>
+                                          <p:spTgt spid="3"/>
+                                        </p:tgtEl>
+                                        <p:attrNameLst>
+                                          <p:attrName>style.visibility</p:attrName>
+                                        </p:attrNameLst>
+                                      </p:cBhvr>
+                                      <p:to>
+                                        <p:strVal val="hidden"/>
+                                      </p:to>
+                                    </p:set>
+                                  </p:childTnLst>
+                                </p:cTn>
+                              </p:par>
+                            </p:childTnLst>
+                          </p:cTn>
+                        </p:par>
+                      </p:childTnLst>
+                    </p:cTn>
+                  </p:par>
+                </p:childTnLst>
+              </p:cTn>
+              <p:prevCondLst>
+                <p:cond evt="onPrev" delay="0">
+                  <p:tgtEl>
+                    <p:sldTgt/>
+                  </p:tgtEl>
+                </p:cond>
+              </p:prevCondLst>
+              <p:nextCondLst>
+                <p:cond evt="onNext" delay="0">
+                  <p:tgtEl>
+                    <p:sldTgt/>
+                  </p:tgtEl>
+                </p:cond>
+              </p:nextCondLst>
+            </p:seq>
+          </p:childTnLst>
+        </p:cTn>
       </p:par>
     </p:tnLst>
+    <p:bldLst>
+      <p:bldP spid="3" grpId="0" animBg="1"/>
+      <p:bldP spid="3" grpId="1" animBg="1"/>
+    </p:bldLst>
   </p:timing>
 </p:sld>
 </file>
 
 <file path=ppt/slides/slide10.xml><?xml version="1.0" encoding="utf-8"?>
 <p:sld xmlns:a="http://schemas.openxmlformats.org/drawingml/2006/main" xmlns:r="http://schemas.openxmlformats.org/officeDocument/2006/relationships" xmlns:p="http://schemas.openxmlformats.org/presentationml/2006/main">
-  <p:cSld name="PPTLabsZoomOut201505241734588383">
+  <p:cSld name="PptLabsAgenda_&amp;^@Visual_&amp;^@ZoomOut_&amp;^@Topic B_3">
     <p:spTree>
       <p:nvGrpSpPr>
         <p:cNvPr id="1" name=""/>
@@ -3539,7 +4107,7 @@
       </p:grpSpPr>
       <p:pic>
         <p:nvPicPr>
-          <p:cNvPr id="88066" name="PPTZoomOutShape201505241734588863"/>
+          <p:cNvPr id="44034" name="PPTZoomOutShape201506291833322499"/>
           <p:cNvPicPr>
             <a:picLocks noChangeArrowheads="1"/>
           </p:cNvPicPr>
@@ -3603,7 +4171,7 @@
       </p:pic>
       <p:pic>
         <p:nvPicPr>
-          <p:cNvPr id="5" name="PPTZoomOutShape201505241734588383"/>
+          <p:cNvPr id="5" name="PPTZoomOutShape201506291833322219"/>
           <p:cNvPicPr>
             <a:picLocks noChangeArrowheads="1"/>
           </p:cNvPicPr>
@@ -3630,15 +4198,9 @@
           <a:prstGeom prst="rect">
             <a:avLst/>
           </a:prstGeom>
-          <a:blipFill>
-            <a:blip r:embed="rId4"/>
-            <a:stretch>
-              <a:fillRect/>
-            </a:stretch>
-          </a:blipFill>
-          <a:ln w="25400" cap="flat" cmpd="sng" algn="ctr">
+          <a:noFill/>
+          <a:ln>
             <a:noFill/>
-            <a:prstDash val="solid"/>
           </a:ln>
           <a:effectLst/>
           <a:extLst>
@@ -3673,7 +4235,7 @@
       </p:pic>
       <p:pic>
         <p:nvPicPr>
-          <p:cNvPr id="7" name="PPTZoomOutShape201505241734588383"/>
+          <p:cNvPr id="7" name="PPTZoomOutShape201506291833322219"/>
           <p:cNvPicPr>
             <a:picLocks noChangeArrowheads="1"/>
           </p:cNvPicPr>
@@ -3700,15 +4262,9 @@
           <a:prstGeom prst="rect">
             <a:avLst/>
           </a:prstGeom>
-          <a:blipFill>
-            <a:blip r:embed="rId4"/>
-            <a:stretch>
-              <a:fillRect/>
-            </a:stretch>
-          </a:blipFill>
-          <a:ln w="25400" cap="flat" cmpd="sng" algn="ctr">
+          <a:noFill/>
+          <a:ln>
             <a:noFill/>
-            <a:prstDash val="solid"/>
           </a:ln>
           <a:effectLst/>
           <a:extLst>
@@ -3743,14 +4299,14 @@
       </p:pic>
       <p:pic>
         <p:nvPicPr>
-          <p:cNvPr id="3" name="PPIndicator201505241734589063"/>
+          <p:cNvPr id="3" name="PPTIndicator201506291833322699"/>
           <p:cNvPicPr>
             <a:picLocks/>
           </p:cNvPicPr>
           <p:nvPr/>
         </p:nvPicPr>
         <p:blipFill>
-          <a:blip r:embed="rId5" cstate="print">
+          <a:blip r:embed="rId4" cstate="print">
             <a:extLst>
               <a:ext uri="{28A0092B-C50C-407E-A947-70E740481C1C}">
                 <a14:useLocalDpi xmlns:a14="http://schemas.microsoft.com/office/drawing/2010/main" val="0"/>
@@ -3774,7 +4330,7 @@
     </p:spTree>
     <p:extLst>
       <p:ext uri="{BB962C8B-B14F-4D97-AF65-F5344CB8AC3E}">
-        <p14:creationId xmlns:p14="http://schemas.microsoft.com/office/powerpoint/2010/main" val="3162452030"/>
+        <p14:creationId xmlns:p14="http://schemas.microsoft.com/office/powerpoint/2010/main" val="3942801958"/>
       </p:ext>
     </p:extLst>
   </p:cSld>
@@ -3900,7 +4456,7 @@
                                     <p:cond delay="0"/>
                                   </p:stCondLst>
                                   <p:childTnLst>
-                                    <p:animMotion origin="layout" path="M 0 0 C -0.1569344 0.00975079 -0.1569344 0.00975079 -0.3138688 0.01950158 E" pathEditMode="relative" ptsTypes="">
+                                    <p:animMotion origin="layout" path="M 0 0 C -0.1766216 0.01124892 -0.1766216 0.01124892 -0.3532432 0.02249784 E" pathEditMode="relative" ptsTypes="">
                                       <p:cBhvr>
                                         <p:cTn id="13" dur="500" fill="hold"/>
                                         <p:tgtEl>
@@ -3939,11 +4495,11 @@
                                     <p:cond delay="0"/>
                                   </p:stCondLst>
                                   <p:childTnLst>
-                                    <p:animMotion origin="layout" path="M 0 0 C 0.5812385 -0.03611405 0.5812385 -0.03611405 1.162477 -0.0722281 E" pathEditMode="relative" ptsTypes="">
+                                    <p:animMotion origin="layout" path="M 0 0 C 0.6541541 -0.0416626 0.6541541 -0.0416626 1.308308 -0.08332519 E" pathEditMode="relative" ptsTypes="">
                                       <p:cBhvr>
                                         <p:cTn id="17" dur="1" fill="hold"/>
                                         <p:tgtEl>
-                                          <p:spTgt spid="88066"/>
+                                          <p:spTgt spid="44034"/>
                                         </p:tgtEl>
                                         <p:attrNameLst>
                                           <p:attrName>ppt_x</p:attrName>
@@ -3964,7 +4520,7 @@
                                       <p:cBhvr>
                                         <p:cTn id="19" dur="1" fill="hold"/>
                                         <p:tgtEl>
-                                          <p:spTgt spid="88066"/>
+                                          <p:spTgt spid="44034"/>
                                         </p:tgtEl>
                                       </p:cBhvr>
                                       <p:by x="370370" y="370370"/>
@@ -3978,11 +4534,11 @@
                                     <p:cond delay="0"/>
                                   </p:stCondLst>
                                   <p:childTnLst>
-                                    <p:animMotion origin="layout" path="M 1.162477 -0.0722281 C 0.5812386 -0.03611405 0.5812386 -0.03611405 0 0 E" pathEditMode="relative" ptsTypes="">
+                                    <p:animMotion origin="layout" path="M 1.308308 -0.08332519 C 0.6541541 -0.04166259 0.6541541 -0.04166259 2.384186E-07 0 E" pathEditMode="relative" ptsTypes="">
                                       <p:cBhvr>
                                         <p:cTn id="21" dur="500" fill="hold"/>
                                         <p:tgtEl>
-                                          <p:spTgt spid="88066"/>
+                                          <p:spTgt spid="44034"/>
                                         </p:tgtEl>
                                         <p:attrNameLst>
                                           <p:attrName>ppt_x</p:attrName>
@@ -4003,7 +4559,7 @@
                                       <p:cBhvr>
                                         <p:cTn id="23" dur="500" fill="hold"/>
                                         <p:tgtEl>
-                                          <p:spTgt spid="88066"/>
+                                          <p:spTgt spid="44034"/>
                                         </p:tgtEl>
                                       </p:cBhvr>
                                       <p:by x="27000" y="27000"/>
@@ -4044,7 +4600,7 @@
 
 <file path=ppt/slides/slide11.xml><?xml version="1.0" encoding="utf-8"?>
 <p:sld xmlns:a="http://schemas.openxmlformats.org/drawingml/2006/main" xmlns:r="http://schemas.openxmlformats.org/officeDocument/2006/relationships" xmlns:p="http://schemas.openxmlformats.org/presentationml/2006/main">
-  <p:cSld name="PptLabsVisualAgendaSlide Topic B">
+  <p:cSld name="PptLabsAgenda_&amp;^@Visual_&amp;^@VisualAgendaSection_&amp;^@Topic B_3">
     <p:spTree>
       <p:nvGrpSpPr>
         <p:cNvPr id="1" name=""/>
@@ -4059,243 +4615,39 @@
           <a:chExt cx="0" cy="0"/>
         </a:xfrm>
       </p:grpSpPr>
-      <p:sp>
-        <p:nvSpPr>
-          <p:cNvPr id="2" name="PptLabsAgendaTitle"/>
-          <p:cNvSpPr>
-            <a:spLocks noGrp="1"/>
-          </p:cNvSpPr>
-          <p:nvPr>
-            <p:ph type="title"/>
-          </p:nvPr>
-        </p:nvSpPr>
+      <p:pic>
+        <p:nvPicPr>
+          <p:cNvPr id="2" name="PPTIndicator201506281930097970"/>
+          <p:cNvPicPr>
+            <a:picLocks/>
+          </p:cNvPicPr>
+          <p:nvPr/>
+        </p:nvPicPr>
+        <p:blipFill>
+          <a:blip r:embed="rId2" cstate="print">
+            <a:extLst>
+              <a:ext uri="{28A0092B-C50C-407E-A947-70E740481C1C}">
+                <a14:useLocalDpi xmlns:a14="http://schemas.microsoft.com/office/drawing/2010/main" val="0"/>
+              </a:ext>
+            </a:extLst>
+          </a:blip>
+          <a:stretch>
+            <a:fillRect/>
+          </a:stretch>
+        </p:blipFill>
         <p:spPr>
           <a:xfrm>
-            <a:off x="457200" y="274638"/>
-            <a:ext cx="8229600" cy="1143000"/>
-          </a:xfrm>
-        </p:spPr>
-        <p:txBody>
-          <a:bodyPr vert="horz" lIns="91440" tIns="45720" rIns="91440" bIns="45720" rtlCol="0" anchor="ctr">
-            <a:normAutofit/>
-          </a:bodyPr>
-          <a:lstStyle/>
-          <a:p>
-            <a:r>
-              <a:rPr lang="en-SG">
-                <a:solidFill>
-                  <a:srgbClr val="0070C0"/>
-                </a:solidFill>
-              </a:rPr>
-              <a:t>Strategy Proposal</a:t>
-            </a:r>
-          </a:p>
-        </p:txBody>
-      </p:sp>
-      <p:sp>
-        <p:nvSpPr>
-          <p:cNvPr id="3" name="PptLabsAgendaVisualItemTopic A">
-            <a:hlinkClick r:id="rId2" action="ppaction://hlinksldjump"/>
-          </p:cNvPr>
-          <p:cNvSpPr>
-            <a:spLocks noChangeAspect="1"/>
-          </p:cNvSpPr>
-          <p:nvPr/>
-        </p:nvSpPr>
-        <p:spPr>
-          <a:xfrm>
-            <a:off x="467544" y="2636912"/>
-            <a:ext cx="2468880" cy="1851660"/>
+            <a:off x="7620000" y="0"/>
+            <a:ext cx="1524000" cy="1066800"/>
           </a:xfrm>
           <a:prstGeom prst="rect">
             <a:avLst/>
           </a:prstGeom>
-          <a:blipFill>
-            <a:blip r:embed="rId3"/>
-            <a:stretch>
-              <a:fillRect/>
-            </a:stretch>
-          </a:blipFill>
-          <a:ln w="25400" cap="flat" cmpd="sng" algn="ctr">
-            <a:noFill/>
-            <a:prstDash val="solid"/>
-          </a:ln>
-          <a:effectLst/>
-          <a:extLst>
-            <a:ext uri="{91240B29-F687-4F45-9708-019B960494DF}">
-              <a14:hiddenLine xmlns:a14="http://schemas.microsoft.com/office/drawing/2010/main" w="25400" cap="flat" cmpd="sng" algn="ctr">
-                <a:solidFill>
-                  <a:schemeClr val="accent1">
-                    <a:shade val="50000"/>
-                  </a:schemeClr>
-                </a:solidFill>
-                <a:prstDash val="solid"/>
-              </a14:hiddenLine>
-            </a:ext>
-          </a:extLst>
         </p:spPr>
-        <p:style>
-          <a:lnRef idx="2">
-            <a:schemeClr val="accent1">
-              <a:shade val="50000"/>
-            </a:schemeClr>
-          </a:lnRef>
-          <a:fillRef idx="1">
-            <a:schemeClr val="accent1"/>
-          </a:fillRef>
-          <a:effectRef idx="0">
-            <a:schemeClr val="accent1"/>
-          </a:effectRef>
-          <a:fontRef idx="minor">
-            <a:schemeClr val="lt1"/>
-          </a:fontRef>
-        </p:style>
-        <p:txBody>
-          <a:bodyPr rtlCol="0" anchor="ctr"/>
-          <a:lstStyle/>
-          <a:p>
-            <a:pPr algn="ctr"/>
-            <a:endParaRPr lang="en-SG"/>
-          </a:p>
-        </p:txBody>
-      </p:sp>
+      </p:pic>
       <p:sp>
         <p:nvSpPr>
-          <p:cNvPr id="4" name="PptLabsAgendaVisualItemTopic B">
-            <a:hlinkClick r:id="rId4" action="ppaction://hlinksldjump"/>
-          </p:cNvPr>
-          <p:cNvSpPr>
-            <a:spLocks noChangeAspect="1"/>
-          </p:cNvSpPr>
-          <p:nvPr/>
-        </p:nvSpPr>
-        <p:spPr>
-          <a:xfrm>
-            <a:off x="3337560" y="2636912"/>
-            <a:ext cx="2468880" cy="1851660"/>
-          </a:xfrm>
-          <a:prstGeom prst="rect">
-            <a:avLst/>
-          </a:prstGeom>
-          <a:blipFill>
-            <a:blip r:embed="rId5"/>
-            <a:stretch>
-              <a:fillRect/>
-            </a:stretch>
-          </a:blipFill>
-          <a:ln w="25400" cap="flat" cmpd="sng" algn="ctr">
-            <a:noFill/>
-            <a:prstDash val="solid"/>
-          </a:ln>
-          <a:effectLst/>
-          <a:extLst>
-            <a:ext uri="{91240B29-F687-4F45-9708-019B960494DF}">
-              <a14:hiddenLine xmlns:a14="http://schemas.microsoft.com/office/drawing/2010/main" w="25400" cap="flat" cmpd="sng" algn="ctr">
-                <a:solidFill>
-                  <a:schemeClr val="accent1">
-                    <a:shade val="50000"/>
-                  </a:schemeClr>
-                </a:solidFill>
-                <a:prstDash val="solid"/>
-              </a14:hiddenLine>
-            </a:ext>
-          </a:extLst>
-        </p:spPr>
-        <p:style>
-          <a:lnRef idx="2">
-            <a:schemeClr val="accent1">
-              <a:shade val="50000"/>
-            </a:schemeClr>
-          </a:lnRef>
-          <a:fillRef idx="1">
-            <a:schemeClr val="accent1"/>
-          </a:fillRef>
-          <a:effectRef idx="0">
-            <a:schemeClr val="accent1"/>
-          </a:effectRef>
-          <a:fontRef idx="minor">
-            <a:schemeClr val="lt1"/>
-          </a:fontRef>
-        </p:style>
-        <p:txBody>
-          <a:bodyPr rtlCol="0" anchor="ctr"/>
-          <a:lstStyle/>
-          <a:p>
-            <a:pPr algn="ctr"/>
-            <a:endParaRPr lang="en-SG"/>
-          </a:p>
-        </p:txBody>
-      </p:sp>
-      <p:sp>
-        <p:nvSpPr>
-          <p:cNvPr id="5" name="PptLabsAgendaVisualItemTopic C">
-            <a:hlinkClick r:id="rId6" action="ppaction://hlinksldjump"/>
-          </p:cNvPr>
-          <p:cNvSpPr>
-            <a:spLocks noChangeAspect="1"/>
-          </p:cNvSpPr>
-          <p:nvPr/>
-        </p:nvSpPr>
-        <p:spPr>
-          <a:xfrm>
-            <a:off x="6207577" y="2636912"/>
-            <a:ext cx="2468879" cy="1851660"/>
-          </a:xfrm>
-          <a:prstGeom prst="rect">
-            <a:avLst/>
-          </a:prstGeom>
-          <a:blipFill>
-            <a:blip r:embed="rId7"/>
-            <a:stretch>
-              <a:fillRect/>
-            </a:stretch>
-          </a:blipFill>
-          <a:ln w="25400" cap="flat" cmpd="sng" algn="ctr">
-            <a:noFill/>
-            <a:prstDash val="solid"/>
-          </a:ln>
-          <a:effectLst/>
-          <a:extLst>
-            <a:ext uri="{91240B29-F687-4F45-9708-019B960494DF}">
-              <a14:hiddenLine xmlns:a14="http://schemas.microsoft.com/office/drawing/2010/main" w="25400" cap="flat" cmpd="sng" algn="ctr">
-                <a:solidFill>
-                  <a:schemeClr val="accent1">
-                    <a:shade val="50000"/>
-                  </a:schemeClr>
-                </a:solidFill>
-                <a:prstDash val="solid"/>
-              </a14:hiddenLine>
-            </a:ext>
-          </a:extLst>
-        </p:spPr>
-        <p:style>
-          <a:lnRef idx="2">
-            <a:schemeClr val="accent1">
-              <a:shade val="50000"/>
-            </a:schemeClr>
-          </a:lnRef>
-          <a:fillRef idx="1">
-            <a:schemeClr val="accent1"/>
-          </a:fillRef>
-          <a:effectRef idx="0">
-            <a:schemeClr val="accent1"/>
-          </a:effectRef>
-          <a:fontRef idx="minor">
-            <a:schemeClr val="lt1"/>
-          </a:fontRef>
-        </p:style>
-        <p:txBody>
-          <a:bodyPr rtlCol="0" anchor="ctr"/>
-          <a:lstStyle/>
-          <a:p>
-            <a:pPr algn="ctr"/>
-            <a:endParaRPr lang="en-SG"/>
-          </a:p>
-        </p:txBody>
-      </p:sp>
-      <p:sp>
-        <p:nvSpPr>
-          <p:cNvPr id="10" name="TextBox 5"/>
+          <p:cNvPr id="4" name="Title 1"/>
           <p:cNvSpPr txBox="1">
             <a:spLocks/>
           </p:cNvSpPr>
@@ -4303,8 +4655,55 @@
         </p:nvSpPr>
         <p:spPr>
           <a:xfrm>
-            <a:off x="2861008" y="3068960"/>
-            <a:ext cx="576064" cy="923330"/>
+            <a:off x="457200" y="274638"/>
+            <a:ext cx="8229600" cy="1143000"/>
+          </a:xfrm>
+          <a:prstGeom prst="rect">
+            <a:avLst/>
+          </a:prstGeom>
+        </p:spPr>
+        <p:txBody>
+          <a:bodyPr vert="horz" lIns="91440" tIns="45720" rIns="91440" bIns="45720" rtlCol="0" anchor="ctr">
+            <a:normAutofit/>
+          </a:bodyPr>
+          <a:lstStyle>
+            <a:lvl1pPr algn="ctr">
+              <a:spcBef>
+                <a:spcPct val="0"/>
+              </a:spcBef>
+              <a:buNone/>
+              <a:defRPr sz="4400">
+                <a:latin typeface="+mj-lt"/>
+                <a:ea typeface="+mj-ea"/>
+                <a:cs typeface="+mj-cs"/>
+              </a:defRPr>
+            </a:lvl1pPr>
+          </a:lstStyle>
+          <a:p>
+            <a:r>
+              <a:rPr lang="en-SG">
+                <a:solidFill>
+                  <a:prstClr val="black"/>
+                </a:solidFill>
+              </a:rPr>
+              <a:t>Merger Analysis</a:t>
+            </a:r>
+            <a:endParaRPr lang="en-SG"/>
+          </a:p>
+        </p:txBody>
+      </p:sp>
+      <p:sp>
+        <p:nvSpPr>
+          <p:cNvPr id="19" name="Unnamed Shape 2015062819321657205"/>
+          <p:cNvSpPr txBox="1">
+            <a:spLocks/>
+          </p:cNvSpPr>
+          <p:nvPr/>
+        </p:nvSpPr>
+        <p:spPr>
+          <a:xfrm>
+            <a:off x="2555776" y="2852936"/>
+            <a:ext cx="915496" cy="1323439"/>
           </a:xfrm>
           <a:prstGeom prst="rect">
             <a:avLst/>
@@ -4320,7 +4719,7 @@
               <a:defRPr lang="en-US"/>
             </a:defPPr>
             <a:lvl1pPr>
-              <a:defRPr sz="5400" b="1">
+              <a:defRPr sz="8000" b="1">
                 <a:solidFill>
                   <a:schemeClr val="bg1">
                     <a:lumMod val="65000"/>
@@ -4331,7 +4730,13 @@
           </a:lstStyle>
           <a:p>
             <a:r>
-              <a:rPr lang="en-US"/>
+              <a:rPr lang="en-US">
+                <a:solidFill>
+                  <a:prstClr val="white">
+                    <a:lumMod val="65000"/>
+                  </a:prstClr>
+                </a:solidFill>
+              </a:rPr>
               <a:t>+</a:t>
             </a:r>
             <a:endParaRPr lang="en-SG" dirty="0"/>
@@ -4340,7 +4745,7 @@
       </p:sp>
       <p:sp>
         <p:nvSpPr>
-          <p:cNvPr id="11" name="TextBox 7"/>
+          <p:cNvPr id="20" name="Unnamed Shape 2015062819321657206"/>
           <p:cNvSpPr txBox="1">
             <a:spLocks/>
           </p:cNvSpPr>
@@ -4348,8 +4753,8 @@
         </p:nvSpPr>
         <p:spPr>
           <a:xfrm>
-            <a:off x="5724128" y="2996952"/>
-            <a:ext cx="576064" cy="923330"/>
+            <a:off x="6012160" y="2901214"/>
+            <a:ext cx="915496" cy="1323439"/>
           </a:xfrm>
           <a:prstGeom prst="rect">
             <a:avLst/>
@@ -4365,7 +4770,7 @@
               <a:defRPr lang="en-US"/>
             </a:defPPr>
             <a:lvl1pPr>
-              <a:defRPr sz="5400" b="1">
+              <a:defRPr sz="8000" b="1">
                 <a:solidFill>
                   <a:schemeClr val="bg1">
                     <a:lumMod val="65000"/>
@@ -4376,17 +4781,262 @@
           </a:lstStyle>
           <a:p>
             <a:r>
-              <a:rPr lang="en-US"/>
+              <a:rPr lang="en-US">
+                <a:solidFill>
+                  <a:prstClr val="white">
+                    <a:lumMod val="65000"/>
+                  </a:prstClr>
+                </a:solidFill>
+              </a:rPr>
               <a:t>=</a:t>
             </a:r>
             <a:endParaRPr lang="en-SG" dirty="0"/>
           </a:p>
         </p:txBody>
       </p:sp>
+      <p:sp>
+        <p:nvSpPr>
+          <p:cNvPr id="44" name="TextBox 8"/>
+          <p:cNvSpPr txBox="1"/>
+          <p:nvPr/>
+        </p:nvSpPr>
+        <p:spPr>
+          <a:xfrm>
+            <a:off x="1619672" y="5242778"/>
+            <a:ext cx="6000328" cy="523220"/>
+          </a:xfrm>
+          <a:prstGeom prst="rect">
+            <a:avLst/>
+          </a:prstGeom>
+          <a:noFill/>
+        </p:spPr>
+        <p:txBody>
+          <a:bodyPr wrap="square" rtlCol="0">
+            <a:spAutoFit/>
+          </a:bodyPr>
+          <a:lstStyle/>
+          <a:p>
+            <a:pPr algn="ctr"/>
+            <a:r>
+              <a:rPr lang="en-US" sz="2800" i="1" dirty="0" smtClean="0">
+                <a:solidFill>
+                  <a:srgbClr val="C00000"/>
+                </a:solidFill>
+              </a:rPr>
+              <a:t>Product A </a:t>
+            </a:r>
+            <a:r>
+              <a:rPr lang="en-US" sz="2800" dirty="0" smtClean="0">
+                <a:solidFill>
+                  <a:srgbClr val="C00000"/>
+                </a:solidFill>
+              </a:rPr>
+              <a:t>has 3 good features.</a:t>
+            </a:r>
+            <a:endParaRPr lang="en-SG" sz="2800" dirty="0">
+              <a:solidFill>
+                <a:srgbClr val="C00000"/>
+              </a:solidFill>
+            </a:endParaRPr>
+          </a:p>
+        </p:txBody>
+      </p:sp>
+      <p:pic>
+        <p:nvPicPr>
+          <p:cNvPr id="54" name="PptLabsAgenda_&amp;^@VisualAgendaImage_&amp;^@Topic B_3"/>
+          <p:cNvPicPr>
+            <a:picLocks noChangeAspect="1" noChangeArrowheads="1"/>
+          </p:cNvPicPr>
+          <p:nvPr/>
+        </p:nvPicPr>
+        <p:blipFill>
+          <a:blip r:embed="rId3">
+            <a:extLst>
+              <a:ext uri="{28A0092B-C50C-407E-A947-70E740481C1C}">
+                <a14:useLocalDpi xmlns:a14="http://schemas.microsoft.com/office/drawing/2010/main" val="0"/>
+              </a:ext>
+            </a:extLst>
+          </a:blip>
+          <a:srcRect/>
+          <a:stretch>
+            <a:fillRect/>
+          </a:stretch>
+        </p:blipFill>
+        <p:spPr bwMode="auto">
+          <a:xfrm>
+            <a:off x="3327256" y="2637104"/>
+            <a:ext cx="2468880" cy="1851660"/>
+          </a:xfrm>
+          <a:prstGeom prst="rect">
+            <a:avLst/>
+          </a:prstGeom>
+          <a:noFill/>
+          <a:ln>
+            <a:noFill/>
+          </a:ln>
+          <a:effectLst/>
+          <a:extLst>
+            <a:ext uri="{909E8E84-426E-40DD-AFC4-6F175D3DCCD1}">
+              <a14:hiddenFill xmlns:a14="http://schemas.microsoft.com/office/drawing/2010/main">
+                <a:solidFill>
+                  <a:schemeClr val="accent1"/>
+                </a:solidFill>
+              </a14:hiddenFill>
+            </a:ext>
+            <a:ext uri="{91240B29-F687-4F45-9708-019B960494DF}">
+              <a14:hiddenLine xmlns:a14="http://schemas.microsoft.com/office/drawing/2010/main" w="9525">
+                <a:solidFill>
+                  <a:schemeClr val="tx1"/>
+                </a:solidFill>
+                <a:miter lim="800000"/>
+                <a:headEnd/>
+                <a:tailEnd/>
+              </a14:hiddenLine>
+            </a:ext>
+            <a:ext uri="{AF507438-7753-43E0-B8FC-AC1667EBCBE1}">
+              <a14:hiddenEffects xmlns:a14="http://schemas.microsoft.com/office/drawing/2010/main">
+                <a:effectLst>
+                  <a:outerShdw dist="35921" dir="2700000" algn="ctr" rotWithShape="0">
+                    <a:schemeClr val="bg2"/>
+                  </a:outerShdw>
+                </a:effectLst>
+              </a14:hiddenEffects>
+            </a:ext>
+          </a:extLst>
+        </p:spPr>
+      </p:pic>
+      <p:pic>
+        <p:nvPicPr>
+          <p:cNvPr id="55" name="PptLabsAgenda_&amp;^@VisualAgendaImage_&amp;^@Topic C_4"/>
+          <p:cNvPicPr>
+            <a:picLocks noChangeAspect="1" noChangeArrowheads="1"/>
+          </p:cNvPicPr>
+          <p:nvPr/>
+        </p:nvPicPr>
+        <p:blipFill>
+          <a:blip r:embed="rId4">
+            <a:extLst>
+              <a:ext uri="{28A0092B-C50C-407E-A947-70E740481C1C}">
+                <a14:useLocalDpi xmlns:a14="http://schemas.microsoft.com/office/drawing/2010/main" val="0"/>
+              </a:ext>
+            </a:extLst>
+          </a:blip>
+          <a:srcRect/>
+          <a:stretch>
+            <a:fillRect/>
+          </a:stretch>
+        </p:blipFill>
+        <p:spPr bwMode="auto">
+          <a:xfrm>
+            <a:off x="6639624" y="2637104"/>
+            <a:ext cx="2468880" cy="1851660"/>
+          </a:xfrm>
+          <a:prstGeom prst="rect">
+            <a:avLst/>
+          </a:prstGeom>
+          <a:noFill/>
+          <a:ln>
+            <a:noFill/>
+          </a:ln>
+          <a:effectLst/>
+          <a:extLst>
+            <a:ext uri="{909E8E84-426E-40DD-AFC4-6F175D3DCCD1}">
+              <a14:hiddenFill xmlns:a14="http://schemas.microsoft.com/office/drawing/2010/main">
+                <a:solidFill>
+                  <a:schemeClr val="accent1"/>
+                </a:solidFill>
+              </a14:hiddenFill>
+            </a:ext>
+            <a:ext uri="{91240B29-F687-4F45-9708-019B960494DF}">
+              <a14:hiddenLine xmlns:a14="http://schemas.microsoft.com/office/drawing/2010/main" w="9525">
+                <a:solidFill>
+                  <a:schemeClr val="tx1"/>
+                </a:solidFill>
+                <a:miter lim="800000"/>
+                <a:headEnd/>
+                <a:tailEnd/>
+              </a14:hiddenLine>
+            </a:ext>
+            <a:ext uri="{AF507438-7753-43E0-B8FC-AC1667EBCBE1}">
+              <a14:hiddenEffects xmlns:a14="http://schemas.microsoft.com/office/drawing/2010/main">
+                <a:effectLst>
+                  <a:outerShdw dist="35921" dir="2700000" algn="ctr" rotWithShape="0">
+                    <a:schemeClr val="bg2"/>
+                  </a:outerShdw>
+                </a:effectLst>
+              </a14:hiddenEffects>
+            </a:ext>
+          </a:extLst>
+        </p:spPr>
+      </p:pic>
+      <p:pic>
+        <p:nvPicPr>
+          <p:cNvPr id="14" name="PptLabsAgenda_&amp;^@VisualAgendaImage_&amp;^@Topic A_2"/>
+          <p:cNvPicPr>
+            <a:picLocks noChangeAspect="1" noChangeArrowheads="1"/>
+          </p:cNvPicPr>
+          <p:nvPr/>
+        </p:nvPicPr>
+        <p:blipFill>
+          <a:blip r:embed="rId5">
+            <a:extLst>
+              <a:ext uri="{28A0092B-C50C-407E-A947-70E740481C1C}">
+                <a14:useLocalDpi xmlns:a14="http://schemas.microsoft.com/office/drawing/2010/main" val="0"/>
+              </a:ext>
+            </a:extLst>
+          </a:blip>
+          <a:srcRect/>
+          <a:stretch>
+            <a:fillRect/>
+          </a:stretch>
+        </p:blipFill>
+        <p:spPr bwMode="auto">
+          <a:xfrm>
+            <a:off x="107504" y="2657460"/>
+            <a:ext cx="2468880" cy="1851660"/>
+          </a:xfrm>
+          <a:prstGeom prst="rect">
+            <a:avLst/>
+          </a:prstGeom>
+          <a:noFill/>
+          <a:ln>
+            <a:noFill/>
+          </a:ln>
+          <a:effectLst/>
+          <a:extLst>
+            <a:ext uri="{909E8E84-426E-40DD-AFC4-6F175D3DCCD1}">
+              <a14:hiddenFill xmlns:a14="http://schemas.microsoft.com/office/drawing/2010/main">
+                <a:solidFill>
+                  <a:schemeClr val="accent1"/>
+                </a:solidFill>
+              </a14:hiddenFill>
+            </a:ext>
+            <a:ext uri="{91240B29-F687-4F45-9708-019B960494DF}">
+              <a14:hiddenLine xmlns:a14="http://schemas.microsoft.com/office/drawing/2010/main" w="9525">
+                <a:solidFill>
+                  <a:schemeClr val="tx1"/>
+                </a:solidFill>
+                <a:miter lim="800000"/>
+                <a:headEnd/>
+                <a:tailEnd/>
+              </a14:hiddenLine>
+            </a:ext>
+            <a:ext uri="{AF507438-7753-43E0-B8FC-AC1667EBCBE1}">
+              <a14:hiddenEffects xmlns:a14="http://schemas.microsoft.com/office/drawing/2010/main">
+                <a:effectLst>
+                  <a:outerShdw dist="35921" dir="2700000" algn="ctr" rotWithShape="0">
+                    <a:schemeClr val="bg2"/>
+                  </a:outerShdw>
+                </a:effectLst>
+              </a14:hiddenEffects>
+            </a:ext>
+          </a:extLst>
+        </p:spPr>
+      </p:pic>
     </p:spTree>
     <p:extLst>
       <p:ext uri="{BB962C8B-B14F-4D97-AF65-F5344CB8AC3E}">
-        <p14:creationId xmlns:p14="http://schemas.microsoft.com/office/powerpoint/2010/main" val="3602531170"/>
+        <p14:creationId xmlns:p14="http://schemas.microsoft.com/office/powerpoint/2010/main" val="1675584063"/>
       </p:ext>
     </p:extLst>
   </p:cSld>
@@ -4408,7 +5058,105 @@
   <p:timing>
     <p:tnLst>
       <p:par>
-        <p:cTn id="1" dur="indefinite" restart="never" nodeType="tmRoot"/>
+        <p:cTn id="1" dur="indefinite" restart="never" nodeType="tmRoot">
+          <p:childTnLst>
+            <p:seq concurrent="1" nextAc="seek">
+              <p:cTn id="2" dur="indefinite" nodeType="mainSeq">
+                <p:childTnLst>
+                  <p:par>
+                    <p:cTn id="3" fill="hold">
+                      <p:stCondLst>
+                        <p:cond delay="indefinite"/>
+                        <p:cond evt="onBegin" delay="0">
+                          <p:tn val="2"/>
+                        </p:cond>
+                      </p:stCondLst>
+                      <p:childTnLst>
+                        <p:par>
+                          <p:cTn id="4" fill="hold">
+                            <p:stCondLst>
+                              <p:cond delay="0"/>
+                            </p:stCondLst>
+                            <p:childTnLst>
+                              <p:par>
+                                <p:cTn id="5" presetID="1" presetClass="entr" presetSubtype="0" fill="hold" nodeType="withEffect">
+                                  <p:stCondLst>
+                                    <p:cond delay="0"/>
+                                  </p:stCondLst>
+                                  <p:childTnLst>
+                                    <p:set>
+                                      <p:cBhvr>
+                                        <p:cTn id="6" dur="1" fill="hold">
+                                          <p:stCondLst>
+                                            <p:cond delay="0"/>
+                                          </p:stCondLst>
+                                        </p:cTn>
+                                        <p:tgtEl>
+                                          <p:spTgt spid="2"/>
+                                        </p:tgtEl>
+                                        <p:attrNameLst>
+                                          <p:attrName>style.visibility</p:attrName>
+                                        </p:attrNameLst>
+                                      </p:cBhvr>
+                                      <p:to>
+                                        <p:strVal val="visible"/>
+                                      </p:to>
+                                    </p:set>
+                                  </p:childTnLst>
+                                </p:cTn>
+                              </p:par>
+                              <p:par>
+                                <p:cTn id="7" presetID="1" presetClass="exit" presetSubtype="0" fill="hold" nodeType="withEffect">
+                                  <p:stCondLst>
+                                    <p:cond delay="0"/>
+                                  </p:stCondLst>
+                                  <p:childTnLst>
+                                    <p:set>
+                                      <p:cBhvr>
+                                        <p:cTn id="8" dur="1" fill="hold">
+                                          <p:stCondLst>
+                                            <p:cond delay="0"/>
+                                          </p:stCondLst>
+                                        </p:cTn>
+                                        <p:tgtEl>
+                                          <p:spTgt spid="2"/>
+                                        </p:tgtEl>
+                                        <p:attrNameLst>
+                                          <p:attrName>style.visibility</p:attrName>
+                                        </p:attrNameLst>
+                                      </p:cBhvr>
+                                      <p:to>
+                                        <p:strVal val="hidden"/>
+                                      </p:to>
+                                    </p:set>
+                                  </p:childTnLst>
+                                </p:cTn>
+                              </p:par>
+                            </p:childTnLst>
+                          </p:cTn>
+                        </p:par>
+                      </p:childTnLst>
+                    </p:cTn>
+                  </p:par>
+                </p:childTnLst>
+              </p:cTn>
+              <p:prevCondLst>
+                <p:cond evt="onPrev" delay="0">
+                  <p:tgtEl>
+                    <p:sldTgt/>
+                  </p:tgtEl>
+                </p:cond>
+              </p:prevCondLst>
+              <p:nextCondLst>
+                <p:cond evt="onNext" delay="0">
+                  <p:tgtEl>
+                    <p:sldTgt/>
+                  </p:tgtEl>
+                </p:cond>
+              </p:nextCondLst>
+            </p:seq>
+          </p:childTnLst>
+        </p:cTn>
       </p:par>
     </p:tnLst>
   </p:timing>
@@ -4417,7 +5165,7 @@
 
 <file path=ppt/slides/slide12.xml><?xml version="1.0" encoding="utf-8"?>
 <p:sld xmlns:a="http://schemas.openxmlformats.org/drawingml/2006/main" xmlns:r="http://schemas.openxmlformats.org/officeDocument/2006/relationships" xmlns:p="http://schemas.openxmlformats.org/presentationml/2006/main">
-  <p:cSld name="PPTLabsZoomIn201505241734589323">
+  <p:cSld name="PptLabsAgenda_&amp;^@Visual_&amp;^@ZoomIn_&amp;^@Topic B_3">
     <p:spTree>
       <p:nvGrpSpPr>
         <p:cNvPr id="1" name=""/>
@@ -4432,28 +5180,9 @@
           <a:chExt cx="0" cy="0"/>
         </a:xfrm>
       </p:grpSpPr>
-      <p:sp>
-        <p:nvSpPr>
-          <p:cNvPr id="6" name="Title 5"/>
-          <p:cNvSpPr>
-            <a:spLocks noGrp="1"/>
-          </p:cNvSpPr>
-          <p:nvPr>
-            <p:ph type="title"/>
-          </p:nvPr>
-        </p:nvSpPr>
-        <p:spPr/>
-        <p:txBody>
-          <a:bodyPr/>
-          <a:lstStyle/>
-          <a:p>
-            <a:endParaRPr lang="en-SG"/>
-          </a:p>
-        </p:txBody>
-      </p:sp>
       <p:pic>
         <p:nvPicPr>
-          <p:cNvPr id="89090" name="PPTZoomInShape201505241734589803"/>
+          <p:cNvPr id="45058" name="PPTZoomInShape201506291833323309"/>
           <p:cNvPicPr>
             <a:picLocks noChangeArrowheads="1"/>
           </p:cNvPicPr>
@@ -4480,15 +5209,9 @@
           <a:prstGeom prst="rect">
             <a:avLst/>
           </a:prstGeom>
-          <a:blipFill>
-            <a:blip r:embed="rId3"/>
-            <a:stretch>
-              <a:fillRect/>
-            </a:stretch>
-          </a:blipFill>
-          <a:ln w="25400" cap="flat" cmpd="sng" algn="ctr">
+          <a:noFill/>
+          <a:ln>
             <a:noFill/>
-            <a:prstDash val="solid"/>
           </a:ln>
           <a:effectLst/>
           <a:extLst>
@@ -4523,14 +5246,14 @@
       </p:pic>
       <p:pic>
         <p:nvPicPr>
-          <p:cNvPr id="12" name="PPTZoomInShape201505241734589313"/>
+          <p:cNvPr id="12" name="PPTZoomInShape201506291833322949"/>
           <p:cNvPicPr>
             <a:picLocks noChangeArrowheads="1"/>
           </p:cNvPicPr>
           <p:nvPr/>
         </p:nvPicPr>
         <p:blipFill>
-          <a:blip r:embed="rId4">
+          <a:blip r:embed="rId3">
             <a:extLst>
               <a:ext uri="{28A0092B-C50C-407E-A947-70E740481C1C}">
                 <a14:useLocalDpi xmlns:a14="http://schemas.microsoft.com/office/drawing/2010/main" val="0"/>
@@ -4550,15 +5273,9 @@
           <a:prstGeom prst="rect">
             <a:avLst/>
           </a:prstGeom>
-          <a:blipFill>
-            <a:blip r:embed="rId3"/>
-            <a:stretch>
-              <a:fillRect/>
-            </a:stretch>
-          </a:blipFill>
-          <a:ln w="25400" cap="flat" cmpd="sng" algn="ctr">
+          <a:noFill/>
+          <a:ln>
             <a:noFill/>
-            <a:prstDash val="solid"/>
           </a:ln>
           <a:effectLst/>
           <a:extLst>
@@ -4593,7 +5310,7 @@
       </p:pic>
       <p:pic>
         <p:nvPicPr>
-          <p:cNvPr id="13" name="PPTZoomInShape201505241734589803"/>
+          <p:cNvPr id="15" name="PPTZoomInShape201506291833323309"/>
           <p:cNvPicPr>
             <a:picLocks noChangeArrowheads="1"/>
           </p:cNvPicPr>
@@ -4620,15 +5337,9 @@
           <a:prstGeom prst="rect">
             <a:avLst/>
           </a:prstGeom>
-          <a:blipFill>
-            <a:blip r:embed="rId3"/>
-            <a:stretch>
-              <a:fillRect/>
-            </a:stretch>
-          </a:blipFill>
-          <a:ln w="25400" cap="flat" cmpd="sng" algn="ctr">
+          <a:noFill/>
+          <a:ln>
             <a:noFill/>
-            <a:prstDash val="solid"/>
           </a:ln>
           <a:effectLst/>
           <a:extLst>
@@ -4663,14 +5374,14 @@
       </p:pic>
       <p:pic>
         <p:nvPicPr>
-          <p:cNvPr id="7" name="PPIndicator201505241734589933"/>
+          <p:cNvPr id="3" name="PPTIndicator201506291833323449"/>
           <p:cNvPicPr>
             <a:picLocks/>
           </p:cNvPicPr>
           <p:nvPr/>
         </p:nvPicPr>
         <p:blipFill>
-          <a:blip r:embed="rId5" cstate="print">
+          <a:blip r:embed="rId4" cstate="print">
             <a:extLst>
               <a:ext uri="{28A0092B-C50C-407E-A947-70E740481C1C}">
                 <a14:useLocalDpi xmlns:a14="http://schemas.microsoft.com/office/drawing/2010/main" val="0"/>
@@ -4694,7 +5405,7 @@
     </p:spTree>
     <p:extLst>
       <p:ext uri="{BB962C8B-B14F-4D97-AF65-F5344CB8AC3E}">
-        <p14:creationId xmlns:p14="http://schemas.microsoft.com/office/powerpoint/2010/main" val="259809458"/>
+        <p14:creationId xmlns:p14="http://schemas.microsoft.com/office/powerpoint/2010/main" val="2056372738"/>
       </p:ext>
     </p:extLst>
   </p:cSld>
@@ -4742,7 +5453,7 @@
                                       <p:cBhvr>
                                         <p:cTn id="6" dur="10"/>
                                         <p:tgtEl>
-                                          <p:spTgt spid="13"/>
+                                          <p:spTgt spid="15"/>
                                         </p:tgtEl>
                                       </p:cBhvr>
                                     </p:animEffect>
@@ -4754,7 +5465,7 @@
                                           </p:stCondLst>
                                         </p:cTn>
                                         <p:tgtEl>
-                                          <p:spTgt spid="13"/>
+                                          <p:spTgt spid="15"/>
                                         </p:tgtEl>
                                         <p:attrNameLst>
                                           <p:attrName>style.visibility</p:attrName>
@@ -4781,7 +5492,7 @@
                                           </p:stCondLst>
                                         </p:cTn>
                                         <p:tgtEl>
-                                          <p:spTgt spid="7"/>
+                                          <p:spTgt spid="3"/>
                                         </p:tgtEl>
                                         <p:attrNameLst>
                                           <p:attrName>style.visibility</p:attrName>
@@ -4808,7 +5519,7 @@
                                           </p:stCondLst>
                                         </p:cTn>
                                         <p:tgtEl>
-                                          <p:spTgt spid="7"/>
+                                          <p:spTgt spid="3"/>
                                         </p:tgtEl>
                                         <p:attrNameLst>
                                           <p:attrName>style.visibility</p:attrName>
@@ -4827,11 +5538,11 @@
                                     <p:cond delay="0"/>
                                   </p:stCondLst>
                                   <p:childTnLst>
-                                    <p:animMotion origin="layout" path="M 0 0 C 0 -0.03611405 0 -0.03611405 0 -0.0722281 E" pathEditMode="relative" ptsTypes="">
+                                    <p:animMotion origin="layout" path="M 0 0 C 0.002086809 -0.03616593 0.002086809 -0.03616593 0.004173618 -0.07233186 E" pathEditMode="relative" ptsTypes="">
                                       <p:cBhvr>
                                         <p:cTn id="13" dur="500" fill="hold"/>
                                         <p:tgtEl>
-                                          <p:spTgt spid="89090"/>
+                                          <p:spTgt spid="45058"/>
                                         </p:tgtEl>
                                         <p:attrNameLst>
                                           <p:attrName>ppt_x</p:attrName>
@@ -4852,7 +5563,7 @@
                                       <p:cBhvr>
                                         <p:cTn id="15" dur="500" fill="hold"/>
                                         <p:tgtEl>
-                                          <p:spTgt spid="89090"/>
+                                          <p:spTgt spid="45058"/>
                                         </p:tgtEl>
                                       </p:cBhvr>
                                       <p:by x="370370" y="370370"/>
@@ -4866,7 +5577,7 @@
                                     <p:cond delay="0"/>
                                   </p:stCondLst>
                                   <p:childTnLst>
-                                    <p:animMotion origin="layout" path="M 0 0 C 1.059638E-08 0.009750797 1.059638E-08 0.009750797 2.119276E-08 0.01950159 E" pathEditMode="relative" ptsTypes="">
+                                    <p:animMotion origin="layout" path="M 0 0 C -0.0005634202 0.009764799 -0.0005634202 0.009764799 -0.00112684 0.0195296 E" pathEditMode="relative" ptsTypes="">
                                       <p:cBhvr>
                                         <p:cTn id="17" dur="1" fill="hold"/>
                                         <p:tgtEl>
@@ -4905,7 +5616,7 @@
                                     <p:cond delay="0"/>
                                   </p:stCondLst>
                                   <p:childTnLst>
-                                    <p:animMotion origin="layout" path="M 2.119276E-08 0.01950159 C 2.119276E-08 0.009750805 2.119276E-08 0.009750805 2.119276E-08 1.490116E-08 E" pathEditMode="relative" ptsTypes="">
+                                    <p:animMotion origin="layout" path="M -0.00112684 0.0195296 C -0.0005634096 0.009764792 -0.0005634096 0.009764792 2.165325E-08 -1.303852E-08 E" pathEditMode="relative" ptsTypes="">
                                       <p:cBhvr>
                                         <p:cTn id="21" dur="500" fill="hold"/>
                                         <p:tgtEl>
@@ -5050,6 +5761,48 @@
           </a:p>
         </p:txBody>
       </p:sp>
+      <p:sp>
+        <p:nvSpPr>
+          <p:cNvPr id="2" name="TextBox 1"/>
+          <p:cNvSpPr txBox="1"/>
+          <p:nvPr/>
+        </p:nvSpPr>
+        <p:spPr>
+          <a:xfrm>
+            <a:off x="2339752" y="1340768"/>
+            <a:ext cx="2952328" cy="1015663"/>
+          </a:xfrm>
+          <a:prstGeom prst="rect">
+            <a:avLst/>
+          </a:prstGeom>
+          <a:noFill/>
+        </p:spPr>
+        <p:txBody>
+          <a:bodyPr wrap="square" rtlCol="0">
+            <a:spAutoFit/>
+          </a:bodyPr>
+          <a:lstStyle/>
+          <a:p>
+            <a:r>
+              <a:rPr lang="en-US" sz="6000" b="1" dirty="0" smtClean="0">
+                <a:solidFill>
+                  <a:schemeClr val="accent6">
+                    <a:lumMod val="75000"/>
+                  </a:schemeClr>
+                </a:solidFill>
+              </a:rPr>
+              <a:t>Process</a:t>
+            </a:r>
+            <a:endParaRPr lang="en-SG" sz="6000" b="1" dirty="0">
+              <a:solidFill>
+                <a:schemeClr val="accent6">
+                  <a:lumMod val="75000"/>
+                </a:schemeClr>
+              </a:solidFill>
+            </a:endParaRPr>
+          </a:p>
+        </p:txBody>
+      </p:sp>
     </p:spTree>
     <p:extLst>
       <p:ext uri="{BB962C8B-B14F-4D97-AF65-F5344CB8AC3E}">
@@ -5163,13 +5916,13 @@
   <p:clrMapOvr>
     <a:masterClrMapping/>
   </p:clrMapOvr>
-  <mc:AlternateContent xmlns:mc="http://schemas.openxmlformats.org/markup-compatibility/2006">
-    <mc:Choice xmlns:p14="http://schemas.microsoft.com/office/powerpoint/2010/main" Requires="p14">
+  <mc:AlternateContent xmlns:mc="http://schemas.openxmlformats.org/markup-compatibility/2006" xmlns:p14="http://schemas.microsoft.com/office/powerpoint/2010/main">
+    <mc:Choice Requires="p14">
       <p:transition spd="med">
         <p14:window dir="vert"/>
       </p:transition>
     </mc:Choice>
-    <mc:Fallback>
+    <mc:Fallback xmlns="">
       <p:transition spd="med">
         <p:fade/>
       </p:transition>
@@ -5265,13 +6018,13 @@
   <p:clrMapOvr>
     <a:masterClrMapping/>
   </p:clrMapOvr>
-  <mc:AlternateContent xmlns:mc="http://schemas.openxmlformats.org/markup-compatibility/2006">
-    <mc:Choice xmlns:p14="http://schemas.microsoft.com/office/powerpoint/2010/main" Requires="p14">
+  <mc:AlternateContent xmlns:mc="http://schemas.openxmlformats.org/markup-compatibility/2006" xmlns:p14="http://schemas.microsoft.com/office/powerpoint/2010/main">
+    <mc:Choice Requires="p14">
       <p:transition spd="med" p14:dur="700">
         <p:fade/>
       </p:transition>
     </mc:Choice>
-    <mc:Fallback>
+    <mc:Fallback xmlns="">
       <p:transition spd="med">
         <p:fade/>
       </p:transition>
@@ -5367,13 +6120,13 @@
   <p:clrMapOvr>
     <a:masterClrMapping/>
   </p:clrMapOvr>
-  <mc:AlternateContent xmlns:mc="http://schemas.openxmlformats.org/markup-compatibility/2006">
-    <mc:Choice xmlns:p14="http://schemas.microsoft.com/office/powerpoint/2010/main" Requires="p14">
+  <mc:AlternateContent xmlns:mc="http://schemas.openxmlformats.org/markup-compatibility/2006" xmlns:p14="http://schemas.microsoft.com/office/powerpoint/2010/main">
+    <mc:Choice Requires="p14">
       <p:transition spd="med" p14:dur="700">
         <p:fade/>
       </p:transition>
     </mc:Choice>
-    <mc:Fallback>
+    <mc:Fallback xmlns="">
       <p:transition spd="med">
         <p:fade/>
       </p:transition>
@@ -5662,13 +6415,13 @@
   <p:clrMapOvr>
     <a:masterClrMapping/>
   </p:clrMapOvr>
-  <mc:AlternateContent xmlns:mc="http://schemas.openxmlformats.org/markup-compatibility/2006">
-    <mc:Choice xmlns:p14="http://schemas.microsoft.com/office/powerpoint/2010/main" Requires="p14">
+  <mc:AlternateContent xmlns:mc="http://schemas.openxmlformats.org/markup-compatibility/2006" xmlns:p14="http://schemas.microsoft.com/office/powerpoint/2010/main">
+    <mc:Choice Requires="p14">
       <p:transition spd="med">
         <p14:shred/>
       </p:transition>
     </mc:Choice>
-    <mc:Fallback>
+    <mc:Fallback xmlns="">
       <p:transition spd="med">
         <p:fade/>
       </p:transition>
@@ -5686,7 +6439,7 @@
 
 <file path=ppt/slides/slide18.xml><?xml version="1.0" encoding="utf-8"?>
 <p:sld xmlns:a="http://schemas.openxmlformats.org/drawingml/2006/main" xmlns:r="http://schemas.openxmlformats.org/officeDocument/2006/relationships" xmlns:p="http://schemas.openxmlformats.org/presentationml/2006/main">
-  <p:cSld name="PPTLabsZoomOut201505241734586043">
+  <p:cSld name="PptLabsAgenda_&amp;^@Visual_&amp;^@ZoomOut_&amp;^@Topic C_4">
     <p:spTree>
       <p:nvGrpSpPr>
         <p:cNvPr id="1" name=""/>
@@ -5703,7 +6456,7 @@
       </p:grpSpPr>
       <p:pic>
         <p:nvPicPr>
-          <p:cNvPr id="86018" name="PPTZoomOutShape201505241734586523"/>
+          <p:cNvPr id="46082" name="PPTZoomOutShape201506291833325039"/>
           <p:cNvPicPr>
             <a:picLocks noChangeArrowheads="1"/>
           </p:cNvPicPr>
@@ -5767,7 +6520,7 @@
       </p:pic>
       <p:pic>
         <p:nvPicPr>
-          <p:cNvPr id="8" name="PPTZoomOutShape201505241734586043"/>
+          <p:cNvPr id="8" name="PPTZoomOutShape201506291833324729"/>
           <p:cNvPicPr>
             <a:picLocks noChangeArrowheads="1"/>
           </p:cNvPicPr>
@@ -5794,15 +6547,9 @@
           <a:prstGeom prst="rect">
             <a:avLst/>
           </a:prstGeom>
-          <a:blipFill>
-            <a:blip r:embed="rId4"/>
-            <a:stretch>
-              <a:fillRect/>
-            </a:stretch>
-          </a:blipFill>
-          <a:ln w="25400" cap="flat" cmpd="sng" algn="ctr">
+          <a:noFill/>
+          <a:ln>
             <a:noFill/>
-            <a:prstDash val="solid"/>
           </a:ln>
           <a:effectLst/>
           <a:extLst>
@@ -5837,7 +6584,7 @@
       </p:pic>
       <p:pic>
         <p:nvPicPr>
-          <p:cNvPr id="9" name="PPTZoomOutShape201505241734586043"/>
+          <p:cNvPr id="9" name="PPTZoomOutShape201506291833324729"/>
           <p:cNvPicPr>
             <a:picLocks noChangeArrowheads="1"/>
           </p:cNvPicPr>
@@ -5864,15 +6611,9 @@
           <a:prstGeom prst="rect">
             <a:avLst/>
           </a:prstGeom>
-          <a:blipFill>
-            <a:blip r:embed="rId4"/>
-            <a:stretch>
-              <a:fillRect/>
-            </a:stretch>
-          </a:blipFill>
-          <a:ln w="25400" cap="flat" cmpd="sng" algn="ctr">
+          <a:noFill/>
+          <a:ln>
             <a:noFill/>
-            <a:prstDash val="solid"/>
           </a:ln>
           <a:effectLst/>
           <a:extLst>
@@ -5907,14 +6648,14 @@
       </p:pic>
       <p:pic>
         <p:nvPicPr>
-          <p:cNvPr id="2" name="PPIndicator201505241734586743"/>
+          <p:cNvPr id="2" name="PPTIndicator201506291833325249"/>
           <p:cNvPicPr>
             <a:picLocks/>
           </p:cNvPicPr>
           <p:nvPr/>
         </p:nvPicPr>
         <p:blipFill>
-          <a:blip r:embed="rId5" cstate="print">
+          <a:blip r:embed="rId4" cstate="print">
             <a:extLst>
               <a:ext uri="{28A0092B-C50C-407E-A947-70E740481C1C}">
                 <a14:useLocalDpi xmlns:a14="http://schemas.microsoft.com/office/drawing/2010/main" val="0"/>
@@ -5938,7 +6679,7 @@
     </p:spTree>
     <p:extLst>
       <p:ext uri="{BB962C8B-B14F-4D97-AF65-F5344CB8AC3E}">
-        <p14:creationId xmlns:p14="http://schemas.microsoft.com/office/powerpoint/2010/main" val="288486397"/>
+        <p14:creationId xmlns:p14="http://schemas.microsoft.com/office/powerpoint/2010/main" val="1743039727"/>
       </p:ext>
     </p:extLst>
   </p:cSld>
@@ -6064,7 +6805,7 @@
                                     <p:cond delay="0"/>
                                   </p:stCondLst>
                                   <p:childTnLst>
-                                    <p:animMotion origin="layout" path="M 0 0 C 0 0.00975079 0 0.00975079 0 0.01950158 E" pathEditMode="relative" ptsTypes="">
+                                    <p:animMotion origin="layout" path="M 0 0 C -0.0005634308 0.009764805 -0.0005634308 0.009764805 -0.001126862 0.01952961 E" pathEditMode="relative" ptsTypes="">
                                       <p:cBhvr>
                                         <p:cTn id="13" dur="500" fill="hold"/>
                                         <p:tgtEl>
@@ -6103,11 +6844,11 @@
                                     <p:cond delay="0"/>
                                   </p:stCondLst>
                                   <p:childTnLst>
-                                    <p:animMotion origin="layout" path="M 0 0 C 4.238553E-08 -0.03611405 4.238553E-08 -0.03611405 8.477105E-08 -0.0722281 E" pathEditMode="relative" ptsTypes="">
+                                    <p:animMotion origin="layout" path="M 0 0 C 0.002086809 -0.03616587 0.002086809 -0.03616587 0.004173618 -0.07233175 E" pathEditMode="relative" ptsTypes="">
                                       <p:cBhvr>
                                         <p:cTn id="17" dur="1" fill="hold"/>
                                         <p:tgtEl>
-                                          <p:spTgt spid="86018"/>
+                                          <p:spTgt spid="46082"/>
                                         </p:tgtEl>
                                         <p:attrNameLst>
                                           <p:attrName>ppt_x</p:attrName>
@@ -6128,7 +6869,7 @@
                                       <p:cBhvr>
                                         <p:cTn id="19" dur="1" fill="hold"/>
                                         <p:tgtEl>
-                                          <p:spTgt spid="86018"/>
+                                          <p:spTgt spid="46082"/>
                                         </p:tgtEl>
                                       </p:cBhvr>
                                       <p:by x="370370" y="370370"/>
@@ -6142,11 +6883,11 @@
                                     <p:cond delay="0"/>
                                   </p:stCondLst>
                                   <p:childTnLst>
-                                    <p:animMotion origin="layout" path="M 8.477105E-08 -0.0722281 C 4.238552E-08 -0.03611405 4.238552E-08 -0.03611405 0 0 E" pathEditMode="relative" ptsTypes="">
+                                    <p:animMotion origin="layout" path="M 0.004173618 -0.07233175 C 0.002086809 -0.03616588 0.002086809 -0.03616588 0 0 E" pathEditMode="relative" ptsTypes="">
                                       <p:cBhvr>
                                         <p:cTn id="21" dur="500" fill="hold"/>
                                         <p:tgtEl>
-                                          <p:spTgt spid="86018"/>
+                                          <p:spTgt spid="46082"/>
                                         </p:tgtEl>
                                         <p:attrNameLst>
                                           <p:attrName>ppt_x</p:attrName>
@@ -6167,7 +6908,7 @@
                                       <p:cBhvr>
                                         <p:cTn id="23" dur="500" fill="hold"/>
                                         <p:tgtEl>
-                                          <p:spTgt spid="86018"/>
+                                          <p:spTgt spid="46082"/>
                                         </p:tgtEl>
                                       </p:cBhvr>
                                       <p:by x="27000" y="27000"/>
@@ -6208,7 +6949,7 @@
 
 <file path=ppt/slides/slide19.xml><?xml version="1.0" encoding="utf-8"?>
 <p:sld xmlns:a="http://schemas.openxmlformats.org/drawingml/2006/main" xmlns:r="http://schemas.openxmlformats.org/officeDocument/2006/relationships" xmlns:p="http://schemas.openxmlformats.org/presentationml/2006/main">
-  <p:cSld name="PptLabsVisualAgendaSlide Topic C">
+  <p:cSld name="PptLabsAgenda_&amp;^@Visual_&amp;^@VisualAgendaSection_&amp;^@Topic C_4">
     <p:spTree>
       <p:nvGrpSpPr>
         <p:cNvPr id="1" name=""/>
@@ -6223,243 +6964,39 @@
           <a:chExt cx="0" cy="0"/>
         </a:xfrm>
       </p:grpSpPr>
-      <p:sp>
-        <p:nvSpPr>
-          <p:cNvPr id="2" name="PptLabsAgendaTitle"/>
-          <p:cNvSpPr>
-            <a:spLocks noGrp="1"/>
-          </p:cNvSpPr>
-          <p:nvPr>
-            <p:ph type="title"/>
-          </p:nvPr>
-        </p:nvSpPr>
+      <p:pic>
+        <p:nvPicPr>
+          <p:cNvPr id="2" name="PPTIndicator201506281930100390"/>
+          <p:cNvPicPr>
+            <a:picLocks/>
+          </p:cNvPicPr>
+          <p:nvPr/>
+        </p:nvPicPr>
+        <p:blipFill>
+          <a:blip r:embed="rId2" cstate="print">
+            <a:extLst>
+              <a:ext uri="{28A0092B-C50C-407E-A947-70E740481C1C}">
+                <a14:useLocalDpi xmlns:a14="http://schemas.microsoft.com/office/drawing/2010/main" val="0"/>
+              </a:ext>
+            </a:extLst>
+          </a:blip>
+          <a:stretch>
+            <a:fillRect/>
+          </a:stretch>
+        </p:blipFill>
         <p:spPr>
           <a:xfrm>
-            <a:off x="457200" y="274638"/>
-            <a:ext cx="8229600" cy="1143000"/>
-          </a:xfrm>
-        </p:spPr>
-        <p:txBody>
-          <a:bodyPr vert="horz" lIns="91440" tIns="45720" rIns="91440" bIns="45720" rtlCol="0" anchor="ctr">
-            <a:normAutofit/>
-          </a:bodyPr>
-          <a:lstStyle/>
-          <a:p>
-            <a:r>
-              <a:rPr lang="en-SG">
-                <a:solidFill>
-                  <a:srgbClr val="0070C0"/>
-                </a:solidFill>
-              </a:rPr>
-              <a:t>Strategy Proposal</a:t>
-            </a:r>
-          </a:p>
-        </p:txBody>
-      </p:sp>
-      <p:sp>
-        <p:nvSpPr>
-          <p:cNvPr id="3" name="PptLabsAgendaVisualItemTopic A">
-            <a:hlinkClick r:id="rId2" action="ppaction://hlinksldjump"/>
-          </p:cNvPr>
-          <p:cNvSpPr>
-            <a:spLocks noChangeAspect="1"/>
-          </p:cNvSpPr>
-          <p:nvPr/>
-        </p:nvSpPr>
-        <p:spPr>
-          <a:xfrm>
-            <a:off x="467544" y="2636912"/>
-            <a:ext cx="2468880" cy="1851660"/>
+            <a:off x="7620000" y="0"/>
+            <a:ext cx="1524000" cy="1066800"/>
           </a:xfrm>
           <a:prstGeom prst="rect">
             <a:avLst/>
           </a:prstGeom>
-          <a:blipFill>
-            <a:blip r:embed="rId3"/>
-            <a:stretch>
-              <a:fillRect/>
-            </a:stretch>
-          </a:blipFill>
-          <a:ln w="25400" cap="flat" cmpd="sng" algn="ctr">
-            <a:noFill/>
-            <a:prstDash val="solid"/>
-          </a:ln>
-          <a:effectLst/>
-          <a:extLst>
-            <a:ext uri="{91240B29-F687-4F45-9708-019B960494DF}">
-              <a14:hiddenLine xmlns:a14="http://schemas.microsoft.com/office/drawing/2010/main" w="25400" cap="flat" cmpd="sng" algn="ctr">
-                <a:solidFill>
-                  <a:schemeClr val="accent1">
-                    <a:shade val="50000"/>
-                  </a:schemeClr>
-                </a:solidFill>
-                <a:prstDash val="solid"/>
-              </a14:hiddenLine>
-            </a:ext>
-          </a:extLst>
         </p:spPr>
-        <p:style>
-          <a:lnRef idx="2">
-            <a:schemeClr val="accent1">
-              <a:shade val="50000"/>
-            </a:schemeClr>
-          </a:lnRef>
-          <a:fillRef idx="1">
-            <a:schemeClr val="accent1"/>
-          </a:fillRef>
-          <a:effectRef idx="0">
-            <a:schemeClr val="accent1"/>
-          </a:effectRef>
-          <a:fontRef idx="minor">
-            <a:schemeClr val="lt1"/>
-          </a:fontRef>
-        </p:style>
-        <p:txBody>
-          <a:bodyPr rtlCol="0" anchor="ctr"/>
-          <a:lstStyle/>
-          <a:p>
-            <a:pPr algn="ctr"/>
-            <a:endParaRPr lang="en-SG"/>
-          </a:p>
-        </p:txBody>
-      </p:sp>
+      </p:pic>
       <p:sp>
         <p:nvSpPr>
-          <p:cNvPr id="4" name="PptLabsAgendaVisualItemTopic B">
-            <a:hlinkClick r:id="rId4" action="ppaction://hlinksldjump"/>
-          </p:cNvPr>
-          <p:cNvSpPr>
-            <a:spLocks noChangeAspect="1"/>
-          </p:cNvSpPr>
-          <p:nvPr/>
-        </p:nvSpPr>
-        <p:spPr>
-          <a:xfrm>
-            <a:off x="3337560" y="2636912"/>
-            <a:ext cx="2468880" cy="1851660"/>
-          </a:xfrm>
-          <a:prstGeom prst="rect">
-            <a:avLst/>
-          </a:prstGeom>
-          <a:blipFill>
-            <a:blip r:embed="rId5"/>
-            <a:stretch>
-              <a:fillRect/>
-            </a:stretch>
-          </a:blipFill>
-          <a:ln w="25400" cap="flat" cmpd="sng" algn="ctr">
-            <a:noFill/>
-            <a:prstDash val="solid"/>
-          </a:ln>
-          <a:effectLst/>
-          <a:extLst>
-            <a:ext uri="{91240B29-F687-4F45-9708-019B960494DF}">
-              <a14:hiddenLine xmlns:a14="http://schemas.microsoft.com/office/drawing/2010/main" w="25400" cap="flat" cmpd="sng" algn="ctr">
-                <a:solidFill>
-                  <a:schemeClr val="accent1">
-                    <a:shade val="50000"/>
-                  </a:schemeClr>
-                </a:solidFill>
-                <a:prstDash val="solid"/>
-              </a14:hiddenLine>
-            </a:ext>
-          </a:extLst>
-        </p:spPr>
-        <p:style>
-          <a:lnRef idx="2">
-            <a:schemeClr val="accent1">
-              <a:shade val="50000"/>
-            </a:schemeClr>
-          </a:lnRef>
-          <a:fillRef idx="1">
-            <a:schemeClr val="accent1"/>
-          </a:fillRef>
-          <a:effectRef idx="0">
-            <a:schemeClr val="accent1"/>
-          </a:effectRef>
-          <a:fontRef idx="minor">
-            <a:schemeClr val="lt1"/>
-          </a:fontRef>
-        </p:style>
-        <p:txBody>
-          <a:bodyPr rtlCol="0" anchor="ctr"/>
-          <a:lstStyle/>
-          <a:p>
-            <a:pPr algn="ctr"/>
-            <a:endParaRPr lang="en-SG"/>
-          </a:p>
-        </p:txBody>
-      </p:sp>
-      <p:sp>
-        <p:nvSpPr>
-          <p:cNvPr id="5" name="PptLabsAgendaVisualItemTopic C">
-            <a:hlinkClick r:id="rId6" action="ppaction://hlinksldjump"/>
-          </p:cNvPr>
-          <p:cNvSpPr>
-            <a:spLocks noChangeAspect="1"/>
-          </p:cNvSpPr>
-          <p:nvPr/>
-        </p:nvSpPr>
-        <p:spPr>
-          <a:xfrm>
-            <a:off x="6207577" y="2636912"/>
-            <a:ext cx="2468879" cy="1851660"/>
-          </a:xfrm>
-          <a:prstGeom prst="rect">
-            <a:avLst/>
-          </a:prstGeom>
-          <a:blipFill>
-            <a:blip r:embed="rId7"/>
-            <a:stretch>
-              <a:fillRect/>
-            </a:stretch>
-          </a:blipFill>
-          <a:ln w="25400" cap="flat" cmpd="sng" algn="ctr">
-            <a:noFill/>
-            <a:prstDash val="solid"/>
-          </a:ln>
-          <a:effectLst/>
-          <a:extLst>
-            <a:ext uri="{91240B29-F687-4F45-9708-019B960494DF}">
-              <a14:hiddenLine xmlns:a14="http://schemas.microsoft.com/office/drawing/2010/main" w="25400" cap="flat" cmpd="sng" algn="ctr">
-                <a:solidFill>
-                  <a:schemeClr val="accent1">
-                    <a:shade val="50000"/>
-                  </a:schemeClr>
-                </a:solidFill>
-                <a:prstDash val="solid"/>
-              </a14:hiddenLine>
-            </a:ext>
-          </a:extLst>
-        </p:spPr>
-        <p:style>
-          <a:lnRef idx="2">
-            <a:schemeClr val="accent1">
-              <a:shade val="50000"/>
-            </a:schemeClr>
-          </a:lnRef>
-          <a:fillRef idx="1">
-            <a:schemeClr val="accent1"/>
-          </a:fillRef>
-          <a:effectRef idx="0">
-            <a:schemeClr val="accent1"/>
-          </a:effectRef>
-          <a:fontRef idx="minor">
-            <a:schemeClr val="lt1"/>
-          </a:fontRef>
-        </p:style>
-        <p:txBody>
-          <a:bodyPr rtlCol="0" anchor="ctr"/>
-          <a:lstStyle/>
-          <a:p>
-            <a:pPr algn="ctr"/>
-            <a:endParaRPr lang="en-SG"/>
-          </a:p>
-        </p:txBody>
-      </p:sp>
-      <p:sp>
-        <p:nvSpPr>
-          <p:cNvPr id="10" name="TextBox 5"/>
+          <p:cNvPr id="4" name="Title 1"/>
           <p:cNvSpPr txBox="1">
             <a:spLocks/>
           </p:cNvSpPr>
@@ -6467,8 +7004,55 @@
         </p:nvSpPr>
         <p:spPr>
           <a:xfrm>
-            <a:off x="2861008" y="3068960"/>
-            <a:ext cx="576064" cy="923330"/>
+            <a:off x="457200" y="274638"/>
+            <a:ext cx="8229600" cy="1143000"/>
+          </a:xfrm>
+          <a:prstGeom prst="rect">
+            <a:avLst/>
+          </a:prstGeom>
+        </p:spPr>
+        <p:txBody>
+          <a:bodyPr vert="horz" lIns="91440" tIns="45720" rIns="91440" bIns="45720" rtlCol="0" anchor="ctr">
+            <a:normAutofit/>
+          </a:bodyPr>
+          <a:lstStyle>
+            <a:lvl1pPr algn="ctr">
+              <a:spcBef>
+                <a:spcPct val="0"/>
+              </a:spcBef>
+              <a:buNone/>
+              <a:defRPr sz="4400">
+                <a:latin typeface="+mj-lt"/>
+                <a:ea typeface="+mj-ea"/>
+                <a:cs typeface="+mj-cs"/>
+              </a:defRPr>
+            </a:lvl1pPr>
+          </a:lstStyle>
+          <a:p>
+            <a:r>
+              <a:rPr lang="en-SG">
+                <a:solidFill>
+                  <a:prstClr val="black"/>
+                </a:solidFill>
+              </a:rPr>
+              <a:t>Merger Analysis</a:t>
+            </a:r>
+            <a:endParaRPr lang="en-SG"/>
+          </a:p>
+        </p:txBody>
+      </p:sp>
+      <p:sp>
+        <p:nvSpPr>
+          <p:cNvPr id="21" name="Unnamed Shape 2015062819321657205"/>
+          <p:cNvSpPr txBox="1">
+            <a:spLocks/>
+          </p:cNvSpPr>
+          <p:nvPr/>
+        </p:nvSpPr>
+        <p:spPr>
+          <a:xfrm>
+            <a:off x="2555776" y="2852936"/>
+            <a:ext cx="915496" cy="1323439"/>
           </a:xfrm>
           <a:prstGeom prst="rect">
             <a:avLst/>
@@ -6484,7 +7068,7 @@
               <a:defRPr lang="en-US"/>
             </a:defPPr>
             <a:lvl1pPr>
-              <a:defRPr sz="5400" b="1">
+              <a:defRPr sz="8000" b="1">
                 <a:solidFill>
                   <a:schemeClr val="bg1">
                     <a:lumMod val="65000"/>
@@ -6495,7 +7079,13 @@
           </a:lstStyle>
           <a:p>
             <a:r>
-              <a:rPr lang="en-US"/>
+              <a:rPr lang="en-US">
+                <a:solidFill>
+                  <a:prstClr val="white">
+                    <a:lumMod val="65000"/>
+                  </a:prstClr>
+                </a:solidFill>
+              </a:rPr>
               <a:t>+</a:t>
             </a:r>
             <a:endParaRPr lang="en-SG" dirty="0"/>
@@ -6504,7 +7094,7 @@
       </p:sp>
       <p:sp>
         <p:nvSpPr>
-          <p:cNvPr id="11" name="TextBox 7"/>
+          <p:cNvPr id="22" name="Unnamed Shape 2015062819321657206"/>
           <p:cNvSpPr txBox="1">
             <a:spLocks/>
           </p:cNvSpPr>
@@ -6512,8 +7102,8 @@
         </p:nvSpPr>
         <p:spPr>
           <a:xfrm>
-            <a:off x="5724128" y="2996952"/>
-            <a:ext cx="576064" cy="923330"/>
+            <a:off x="6012160" y="2901214"/>
+            <a:ext cx="915496" cy="1323439"/>
           </a:xfrm>
           <a:prstGeom prst="rect">
             <a:avLst/>
@@ -6529,7 +7119,7 @@
               <a:defRPr lang="en-US"/>
             </a:defPPr>
             <a:lvl1pPr>
-              <a:defRPr sz="5400" b="1">
+              <a:defRPr sz="8000" b="1">
                 <a:solidFill>
                   <a:schemeClr val="bg1">
                     <a:lumMod val="65000"/>
@@ -6540,17 +7130,278 @@
           </a:lstStyle>
           <a:p>
             <a:r>
-              <a:rPr lang="en-US"/>
+              <a:rPr lang="en-US">
+                <a:solidFill>
+                  <a:prstClr val="white">
+                    <a:lumMod val="65000"/>
+                  </a:prstClr>
+                </a:solidFill>
+              </a:rPr>
               <a:t>=</a:t>
             </a:r>
             <a:endParaRPr lang="en-SG" dirty="0"/>
           </a:p>
         </p:txBody>
       </p:sp>
+      <p:sp>
+        <p:nvSpPr>
+          <p:cNvPr id="49" name="TextBox 8"/>
+          <p:cNvSpPr txBox="1"/>
+          <p:nvPr/>
+        </p:nvSpPr>
+        <p:spPr>
+          <a:xfrm>
+            <a:off x="971600" y="5242778"/>
+            <a:ext cx="7272808" cy="523220"/>
+          </a:xfrm>
+          <a:prstGeom prst="rect">
+            <a:avLst/>
+          </a:prstGeom>
+          <a:noFill/>
+        </p:spPr>
+        <p:txBody>
+          <a:bodyPr wrap="square" rtlCol="0">
+            <a:spAutoFit/>
+          </a:bodyPr>
+          <a:lstStyle/>
+          <a:p>
+            <a:pPr algn="ctr"/>
+            <a:r>
+              <a:rPr lang="en-US" sz="2800" i="1" dirty="0" smtClean="0">
+                <a:solidFill>
+                  <a:schemeClr val="accent6">
+                    <a:lumMod val="75000"/>
+                  </a:schemeClr>
+                </a:solidFill>
+              </a:rPr>
+              <a:t>Process B </a:t>
+            </a:r>
+            <a:r>
+              <a:rPr lang="en-US" sz="2800" dirty="0" smtClean="0">
+                <a:solidFill>
+                  <a:schemeClr val="accent6">
+                    <a:lumMod val="75000"/>
+                  </a:schemeClr>
+                </a:solidFill>
+              </a:rPr>
+              <a:t>has steps that are useful to </a:t>
+            </a:r>
+            <a:r>
+              <a:rPr lang="en-US" sz="2800" i="1" dirty="0" smtClean="0">
+                <a:solidFill>
+                  <a:schemeClr val="accent6">
+                    <a:lumMod val="75000"/>
+                  </a:schemeClr>
+                </a:solidFill>
+              </a:rPr>
+              <a:t>Product A</a:t>
+            </a:r>
+            <a:endParaRPr lang="en-SG" sz="2800" i="1" dirty="0">
+              <a:solidFill>
+                <a:schemeClr val="accent6">
+                  <a:lumMod val="75000"/>
+                </a:schemeClr>
+              </a:solidFill>
+            </a:endParaRPr>
+          </a:p>
+        </p:txBody>
+      </p:sp>
+      <p:pic>
+        <p:nvPicPr>
+          <p:cNvPr id="61" name="PptLabsAgenda_&amp;^@VisualAgendaImage_&amp;^@Topic C_4"/>
+          <p:cNvPicPr>
+            <a:picLocks noChangeAspect="1" noChangeArrowheads="1"/>
+          </p:cNvPicPr>
+          <p:nvPr/>
+        </p:nvPicPr>
+        <p:blipFill>
+          <a:blip r:embed="rId3">
+            <a:extLst>
+              <a:ext uri="{28A0092B-C50C-407E-A947-70E740481C1C}">
+                <a14:useLocalDpi xmlns:a14="http://schemas.microsoft.com/office/drawing/2010/main" val="0"/>
+              </a:ext>
+            </a:extLst>
+          </a:blip>
+          <a:srcRect/>
+          <a:stretch>
+            <a:fillRect/>
+          </a:stretch>
+        </p:blipFill>
+        <p:spPr bwMode="auto">
+          <a:xfrm>
+            <a:off x="6639624" y="2637104"/>
+            <a:ext cx="2468880" cy="1851660"/>
+          </a:xfrm>
+          <a:prstGeom prst="rect">
+            <a:avLst/>
+          </a:prstGeom>
+          <a:noFill/>
+          <a:ln>
+            <a:noFill/>
+          </a:ln>
+          <a:effectLst/>
+          <a:extLst>
+            <a:ext uri="{909E8E84-426E-40DD-AFC4-6F175D3DCCD1}">
+              <a14:hiddenFill xmlns:a14="http://schemas.microsoft.com/office/drawing/2010/main">
+                <a:solidFill>
+                  <a:schemeClr val="accent1"/>
+                </a:solidFill>
+              </a14:hiddenFill>
+            </a:ext>
+            <a:ext uri="{91240B29-F687-4F45-9708-019B960494DF}">
+              <a14:hiddenLine xmlns:a14="http://schemas.microsoft.com/office/drawing/2010/main" w="9525">
+                <a:solidFill>
+                  <a:schemeClr val="tx1"/>
+                </a:solidFill>
+                <a:miter lim="800000"/>
+                <a:headEnd/>
+                <a:tailEnd/>
+              </a14:hiddenLine>
+            </a:ext>
+            <a:ext uri="{AF507438-7753-43E0-B8FC-AC1667EBCBE1}">
+              <a14:hiddenEffects xmlns:a14="http://schemas.microsoft.com/office/drawing/2010/main">
+                <a:effectLst>
+                  <a:outerShdw dist="35921" dir="2700000" algn="ctr" rotWithShape="0">
+                    <a:schemeClr val="bg2"/>
+                  </a:outerShdw>
+                </a:effectLst>
+              </a14:hiddenEffects>
+            </a:ext>
+          </a:extLst>
+        </p:spPr>
+      </p:pic>
+      <p:pic>
+        <p:nvPicPr>
+          <p:cNvPr id="14" name="PptLabsAgenda_&amp;^@VisualAgendaImage_&amp;^@Topic A_2"/>
+          <p:cNvPicPr>
+            <a:picLocks noChangeAspect="1" noChangeArrowheads="1"/>
+          </p:cNvPicPr>
+          <p:nvPr/>
+        </p:nvPicPr>
+        <p:blipFill>
+          <a:blip r:embed="rId4">
+            <a:extLst>
+              <a:ext uri="{28A0092B-C50C-407E-A947-70E740481C1C}">
+                <a14:useLocalDpi xmlns:a14="http://schemas.microsoft.com/office/drawing/2010/main" val="0"/>
+              </a:ext>
+            </a:extLst>
+          </a:blip>
+          <a:srcRect/>
+          <a:stretch>
+            <a:fillRect/>
+          </a:stretch>
+        </p:blipFill>
+        <p:spPr bwMode="auto">
+          <a:xfrm>
+            <a:off x="107504" y="2657460"/>
+            <a:ext cx="2468880" cy="1851660"/>
+          </a:xfrm>
+          <a:prstGeom prst="rect">
+            <a:avLst/>
+          </a:prstGeom>
+          <a:noFill/>
+          <a:ln>
+            <a:noFill/>
+          </a:ln>
+          <a:effectLst/>
+          <a:extLst>
+            <a:ext uri="{909E8E84-426E-40DD-AFC4-6F175D3DCCD1}">
+              <a14:hiddenFill xmlns:a14="http://schemas.microsoft.com/office/drawing/2010/main">
+                <a:solidFill>
+                  <a:schemeClr val="accent1"/>
+                </a:solidFill>
+              </a14:hiddenFill>
+            </a:ext>
+            <a:ext uri="{91240B29-F687-4F45-9708-019B960494DF}">
+              <a14:hiddenLine xmlns:a14="http://schemas.microsoft.com/office/drawing/2010/main" w="9525">
+                <a:solidFill>
+                  <a:schemeClr val="tx1"/>
+                </a:solidFill>
+                <a:miter lim="800000"/>
+                <a:headEnd/>
+                <a:tailEnd/>
+              </a14:hiddenLine>
+            </a:ext>
+            <a:ext uri="{AF507438-7753-43E0-B8FC-AC1667EBCBE1}">
+              <a14:hiddenEffects xmlns:a14="http://schemas.microsoft.com/office/drawing/2010/main">
+                <a:effectLst>
+                  <a:outerShdw dist="35921" dir="2700000" algn="ctr" rotWithShape="0">
+                    <a:schemeClr val="bg2"/>
+                  </a:outerShdw>
+                </a:effectLst>
+              </a14:hiddenEffects>
+            </a:ext>
+          </a:extLst>
+        </p:spPr>
+      </p:pic>
+      <p:pic>
+        <p:nvPicPr>
+          <p:cNvPr id="15" name="PptLabsAgenda_&amp;^@VisualAgendaImage_&amp;^@Topic B_3"/>
+          <p:cNvPicPr>
+            <a:picLocks noChangeAspect="1" noChangeArrowheads="1"/>
+          </p:cNvPicPr>
+          <p:nvPr/>
+        </p:nvPicPr>
+        <p:blipFill>
+          <a:blip r:embed="rId5">
+            <a:extLst>
+              <a:ext uri="{28A0092B-C50C-407E-A947-70E740481C1C}">
+                <a14:useLocalDpi xmlns:a14="http://schemas.microsoft.com/office/drawing/2010/main" val="0"/>
+              </a:ext>
+            </a:extLst>
+          </a:blip>
+          <a:srcRect/>
+          <a:stretch>
+            <a:fillRect/>
+          </a:stretch>
+        </p:blipFill>
+        <p:spPr bwMode="auto">
+          <a:xfrm>
+            <a:off x="3327256" y="2637104"/>
+            <a:ext cx="2468880" cy="1851660"/>
+          </a:xfrm>
+          <a:prstGeom prst="rect">
+            <a:avLst/>
+          </a:prstGeom>
+          <a:noFill/>
+          <a:ln>
+            <a:noFill/>
+          </a:ln>
+          <a:effectLst/>
+          <a:extLst>
+            <a:ext uri="{909E8E84-426E-40DD-AFC4-6F175D3DCCD1}">
+              <a14:hiddenFill xmlns:a14="http://schemas.microsoft.com/office/drawing/2010/main">
+                <a:solidFill>
+                  <a:schemeClr val="accent1"/>
+                </a:solidFill>
+              </a14:hiddenFill>
+            </a:ext>
+            <a:ext uri="{91240B29-F687-4F45-9708-019B960494DF}">
+              <a14:hiddenLine xmlns:a14="http://schemas.microsoft.com/office/drawing/2010/main" w="9525">
+                <a:solidFill>
+                  <a:schemeClr val="tx1"/>
+                </a:solidFill>
+                <a:miter lim="800000"/>
+                <a:headEnd/>
+                <a:tailEnd/>
+              </a14:hiddenLine>
+            </a:ext>
+            <a:ext uri="{AF507438-7753-43E0-B8FC-AC1667EBCBE1}">
+              <a14:hiddenEffects xmlns:a14="http://schemas.microsoft.com/office/drawing/2010/main">
+                <a:effectLst>
+                  <a:outerShdw dist="35921" dir="2700000" algn="ctr" rotWithShape="0">
+                    <a:schemeClr val="bg2"/>
+                  </a:outerShdw>
+                </a:effectLst>
+              </a14:hiddenEffects>
+            </a:ext>
+          </a:extLst>
+        </p:spPr>
+      </p:pic>
     </p:spTree>
     <p:extLst>
       <p:ext uri="{BB962C8B-B14F-4D97-AF65-F5344CB8AC3E}">
-        <p14:creationId xmlns:p14="http://schemas.microsoft.com/office/powerpoint/2010/main" val="2242032546"/>
+        <p14:creationId xmlns:p14="http://schemas.microsoft.com/office/powerpoint/2010/main" val="530424204"/>
       </p:ext>
     </p:extLst>
   </p:cSld>
@@ -6572,7 +7423,105 @@
   <p:timing>
     <p:tnLst>
       <p:par>
-        <p:cTn id="1" dur="indefinite" restart="never" nodeType="tmRoot"/>
+        <p:cTn id="1" dur="indefinite" restart="never" nodeType="tmRoot">
+          <p:childTnLst>
+            <p:seq concurrent="1" nextAc="seek">
+              <p:cTn id="2" dur="indefinite" nodeType="mainSeq">
+                <p:childTnLst>
+                  <p:par>
+                    <p:cTn id="3" fill="hold">
+                      <p:stCondLst>
+                        <p:cond delay="indefinite"/>
+                        <p:cond evt="onBegin" delay="0">
+                          <p:tn val="2"/>
+                        </p:cond>
+                      </p:stCondLst>
+                      <p:childTnLst>
+                        <p:par>
+                          <p:cTn id="4" fill="hold">
+                            <p:stCondLst>
+                              <p:cond delay="0"/>
+                            </p:stCondLst>
+                            <p:childTnLst>
+                              <p:par>
+                                <p:cTn id="5" presetID="1" presetClass="entr" presetSubtype="0" fill="hold" nodeType="withEffect">
+                                  <p:stCondLst>
+                                    <p:cond delay="0"/>
+                                  </p:stCondLst>
+                                  <p:childTnLst>
+                                    <p:set>
+                                      <p:cBhvr>
+                                        <p:cTn id="6" dur="1" fill="hold">
+                                          <p:stCondLst>
+                                            <p:cond delay="0"/>
+                                          </p:stCondLst>
+                                        </p:cTn>
+                                        <p:tgtEl>
+                                          <p:spTgt spid="2"/>
+                                        </p:tgtEl>
+                                        <p:attrNameLst>
+                                          <p:attrName>style.visibility</p:attrName>
+                                        </p:attrNameLst>
+                                      </p:cBhvr>
+                                      <p:to>
+                                        <p:strVal val="visible"/>
+                                      </p:to>
+                                    </p:set>
+                                  </p:childTnLst>
+                                </p:cTn>
+                              </p:par>
+                              <p:par>
+                                <p:cTn id="7" presetID="1" presetClass="exit" presetSubtype="0" fill="hold" nodeType="withEffect">
+                                  <p:stCondLst>
+                                    <p:cond delay="0"/>
+                                  </p:stCondLst>
+                                  <p:childTnLst>
+                                    <p:set>
+                                      <p:cBhvr>
+                                        <p:cTn id="8" dur="1" fill="hold">
+                                          <p:stCondLst>
+                                            <p:cond delay="0"/>
+                                          </p:stCondLst>
+                                        </p:cTn>
+                                        <p:tgtEl>
+                                          <p:spTgt spid="2"/>
+                                        </p:tgtEl>
+                                        <p:attrNameLst>
+                                          <p:attrName>style.visibility</p:attrName>
+                                        </p:attrNameLst>
+                                      </p:cBhvr>
+                                      <p:to>
+                                        <p:strVal val="hidden"/>
+                                      </p:to>
+                                    </p:set>
+                                  </p:childTnLst>
+                                </p:cTn>
+                              </p:par>
+                            </p:childTnLst>
+                          </p:cTn>
+                        </p:par>
+                      </p:childTnLst>
+                    </p:cTn>
+                  </p:par>
+                </p:childTnLst>
+              </p:cTn>
+              <p:prevCondLst>
+                <p:cond evt="onPrev" delay="0">
+                  <p:tgtEl>
+                    <p:sldTgt/>
+                  </p:tgtEl>
+                </p:cond>
+              </p:prevCondLst>
+              <p:nextCondLst>
+                <p:cond evt="onNext" delay="0">
+                  <p:tgtEl>
+                    <p:sldTgt/>
+                  </p:tgtEl>
+                </p:cond>
+              </p:nextCondLst>
+            </p:seq>
+          </p:childTnLst>
+        </p:cTn>
       </p:par>
     </p:tnLst>
   </p:timing>
@@ -6703,7 +7652,7 @@
 
 <file path=ppt/slides/slide20.xml><?xml version="1.0" encoding="utf-8"?>
 <p:sld xmlns:a="http://schemas.openxmlformats.org/drawingml/2006/main" xmlns:r="http://schemas.openxmlformats.org/officeDocument/2006/relationships" xmlns:p="http://schemas.openxmlformats.org/presentationml/2006/main">
-  <p:cSld name="PPTLabsZoomIn201505241734587013">
+  <p:cSld name="PptLabsAgenda_&amp;^@Visual_&amp;^@ZoomIn_&amp;^@Topic C_4">
     <p:spTree>
       <p:nvGrpSpPr>
         <p:cNvPr id="1" name=""/>
@@ -6718,28 +7667,9 @@
           <a:chExt cx="0" cy="0"/>
         </a:xfrm>
       </p:grpSpPr>
-      <p:sp>
-        <p:nvSpPr>
-          <p:cNvPr id="6" name="Title 5"/>
-          <p:cNvSpPr>
-            <a:spLocks noGrp="1"/>
-          </p:cNvSpPr>
-          <p:nvPr>
-            <p:ph type="title"/>
-          </p:nvPr>
-        </p:nvSpPr>
-        <p:spPr/>
-        <p:txBody>
-          <a:bodyPr/>
-          <a:lstStyle/>
-          <a:p>
-            <a:endParaRPr lang="en-SG"/>
-          </a:p>
-        </p:txBody>
-      </p:sp>
       <p:pic>
         <p:nvPicPr>
-          <p:cNvPr id="87042" name="PPTZoomInShape201505241734587513"/>
+          <p:cNvPr id="47106" name="PPTZoomInShape201506291833325809"/>
           <p:cNvPicPr>
             <a:picLocks noChangeArrowheads="1"/>
           </p:cNvPicPr>
@@ -6766,15 +7696,9 @@
           <a:prstGeom prst="rect">
             <a:avLst/>
           </a:prstGeom>
-          <a:blipFill>
-            <a:blip r:embed="rId3"/>
-            <a:stretch>
-              <a:fillRect/>
-            </a:stretch>
-          </a:blipFill>
-          <a:ln w="25400" cap="flat" cmpd="sng" algn="ctr">
+          <a:noFill/>
+          <a:ln>
             <a:noFill/>
-            <a:prstDash val="solid"/>
           </a:ln>
           <a:effectLst/>
           <a:extLst>
@@ -6809,14 +7733,14 @@
       </p:pic>
       <p:pic>
         <p:nvPicPr>
-          <p:cNvPr id="12" name="PPTZoomInShape201505241734587003"/>
+          <p:cNvPr id="12" name="PPTZoomInShape201506291833325499"/>
           <p:cNvPicPr>
             <a:picLocks noChangeArrowheads="1"/>
           </p:cNvPicPr>
           <p:nvPr/>
         </p:nvPicPr>
         <p:blipFill>
-          <a:blip r:embed="rId4">
+          <a:blip r:embed="rId3">
             <a:extLst>
               <a:ext uri="{28A0092B-C50C-407E-A947-70E740481C1C}">
                 <a14:useLocalDpi xmlns:a14="http://schemas.microsoft.com/office/drawing/2010/main" val="0"/>
@@ -6836,15 +7760,9 @@
           <a:prstGeom prst="rect">
             <a:avLst/>
           </a:prstGeom>
-          <a:blipFill>
-            <a:blip r:embed="rId3"/>
-            <a:stretch>
-              <a:fillRect/>
-            </a:stretch>
-          </a:blipFill>
-          <a:ln w="25400" cap="flat" cmpd="sng" algn="ctr">
+          <a:noFill/>
+          <a:ln>
             <a:noFill/>
-            <a:prstDash val="solid"/>
           </a:ln>
           <a:effectLst/>
           <a:extLst>
@@ -6879,7 +7797,7 @@
       </p:pic>
       <p:pic>
         <p:nvPicPr>
-          <p:cNvPr id="13" name="PPTZoomInShape201505241734587513"/>
+          <p:cNvPr id="16" name="PPTZoomInShape201506291833325809"/>
           <p:cNvPicPr>
             <a:picLocks noChangeArrowheads="1"/>
           </p:cNvPicPr>
@@ -6906,15 +7824,9 @@
           <a:prstGeom prst="rect">
             <a:avLst/>
           </a:prstGeom>
-          <a:blipFill>
-            <a:blip r:embed="rId3"/>
-            <a:stretch>
-              <a:fillRect/>
-            </a:stretch>
-          </a:blipFill>
-          <a:ln w="25400" cap="flat" cmpd="sng" algn="ctr">
+          <a:noFill/>
+          <a:ln>
             <a:noFill/>
-            <a:prstDash val="solid"/>
           </a:ln>
           <a:effectLst/>
           <a:extLst>
@@ -6949,14 +7861,14 @@
       </p:pic>
       <p:pic>
         <p:nvPicPr>
-          <p:cNvPr id="7" name="PPIndicator201505241734587653"/>
+          <p:cNvPr id="3" name="PPTIndicator201506291833325939"/>
           <p:cNvPicPr>
             <a:picLocks/>
           </p:cNvPicPr>
           <p:nvPr/>
         </p:nvPicPr>
         <p:blipFill>
-          <a:blip r:embed="rId5" cstate="print">
+          <a:blip r:embed="rId4" cstate="print">
             <a:extLst>
               <a:ext uri="{28A0092B-C50C-407E-A947-70E740481C1C}">
                 <a14:useLocalDpi xmlns:a14="http://schemas.microsoft.com/office/drawing/2010/main" val="0"/>
@@ -6980,7 +7892,7 @@
     </p:spTree>
     <p:extLst>
       <p:ext uri="{BB962C8B-B14F-4D97-AF65-F5344CB8AC3E}">
-        <p14:creationId xmlns:p14="http://schemas.microsoft.com/office/powerpoint/2010/main" val="1945790091"/>
+        <p14:creationId xmlns:p14="http://schemas.microsoft.com/office/powerpoint/2010/main" val="3135891693"/>
       </p:ext>
     </p:extLst>
   </p:cSld>
@@ -7028,7 +7940,7 @@
                                       <p:cBhvr>
                                         <p:cTn id="6" dur="10"/>
                                         <p:tgtEl>
-                                          <p:spTgt spid="13"/>
+                                          <p:spTgt spid="16"/>
                                         </p:tgtEl>
                                       </p:cBhvr>
                                     </p:animEffect>
@@ -7040,7 +7952,7 @@
                                           </p:stCondLst>
                                         </p:cTn>
                                         <p:tgtEl>
-                                          <p:spTgt spid="13"/>
+                                          <p:spTgt spid="16"/>
                                         </p:tgtEl>
                                         <p:attrNameLst>
                                           <p:attrName>style.visibility</p:attrName>
@@ -7067,7 +7979,7 @@
                                           </p:stCondLst>
                                         </p:cTn>
                                         <p:tgtEl>
-                                          <p:spTgt spid="7"/>
+                                          <p:spTgt spid="3"/>
                                         </p:tgtEl>
                                         <p:attrNameLst>
                                           <p:attrName>style.visibility</p:attrName>
@@ -7094,7 +8006,7 @@
                                           </p:stCondLst>
                                         </p:cTn>
                                         <p:tgtEl>
-                                          <p:spTgt spid="7"/>
+                                          <p:spTgt spid="3"/>
                                         </p:tgtEl>
                                         <p:attrNameLst>
                                           <p:attrName>style.visibility</p:attrName>
@@ -7113,11 +8025,11 @@
                                     <p:cond delay="0"/>
                                   </p:stCondLst>
                                   <p:childTnLst>
-                                    <p:animMotion origin="layout" path="M 0 0 C -0.5812387 -0.03611405 -0.5812387 -0.03611405 -1.162477 -0.0722281 E" pathEditMode="relative" ptsTypes="">
+                                    <p:animMotion origin="layout" path="M 0 0 C -0.6687374 -0.03616593 -0.6687374 -0.03616593 -1.337475 -0.07233186 E" pathEditMode="relative" ptsTypes="">
                                       <p:cBhvr>
                                         <p:cTn id="13" dur="500" fill="hold"/>
                                         <p:tgtEl>
-                                          <p:spTgt spid="87042"/>
+                                          <p:spTgt spid="47106"/>
                                         </p:tgtEl>
                                         <p:attrNameLst>
                                           <p:attrName>ppt_x</p:attrName>
@@ -7138,7 +8050,7 @@
                                       <p:cBhvr>
                                         <p:cTn id="15" dur="500" fill="hold"/>
                                         <p:tgtEl>
-                                          <p:spTgt spid="87042"/>
+                                          <p:spTgt spid="47106"/>
                                         </p:tgtEl>
                                       </p:cBhvr>
                                       <p:by x="370370" y="370370"/>
@@ -7152,7 +8064,7 @@
                                     <p:cond delay="0"/>
                                   </p:stCondLst>
                                   <p:childTnLst>
-                                    <p:animMotion origin="layout" path="M 0 0 C 0.1569345 0.009750797 0.1569345 0.009750797 0.3138689 0.01950159 E" pathEditMode="relative" ptsTypes="">
+                                    <p:animMotion origin="layout" path="M 0 0 C 0.1805591 0.009764799 0.1805591 0.009764799 0.3611181 0.0195296 E" pathEditMode="relative" ptsTypes="">
                                       <p:cBhvr>
                                         <p:cTn id="17" dur="1" fill="hold"/>
                                         <p:tgtEl>
@@ -7191,7 +8103,7 @@
                                     <p:cond delay="0"/>
                                   </p:stCondLst>
                                   <p:childTnLst>
-                                    <p:animMotion origin="layout" path="M 0.3138689 0.01950159 C 0.1569345 0.009750805 0.1569345 0.009750805 0 1.490116E-08 E" pathEditMode="relative" ptsTypes="">
+                                    <p:animMotion origin="layout" path="M 0.3611181 0.0195296 C 0.180559 0.009764792 0.180559 0.009764792 2.980232E-08 -1.303852E-08 E" pathEditMode="relative" ptsTypes="">
                                       <p:cBhvr>
                                         <p:cTn id="21" dur="500" fill="hold"/>
                                         <p:tgtEl>
@@ -7435,8 +8347,8 @@
         </p:nvSpPr>
         <p:spPr>
           <a:xfrm>
-            <a:off x="3056992" y="1380458"/>
-            <a:ext cx="3116627" cy="1385167"/>
+            <a:off x="2267744" y="1380458"/>
+            <a:ext cx="4752528" cy="1385167"/>
           </a:xfrm>
           <a:prstGeom prst="roundRect">
             <a:avLst/>
@@ -7473,7 +8385,11 @@
             <a:pPr algn="ctr"/>
             <a:r>
               <a:rPr lang="en-US" sz="8000" dirty="0" smtClean="0"/>
-              <a:t>MAIN </a:t>
+              <a:t>Benefits</a:t>
+            </a:r>
+            <a:r>
+              <a:rPr lang="en-US" sz="8000" dirty="0" smtClean="0"/>
+              <a:t> </a:t>
             </a:r>
             <a:endParaRPr lang="en-SG" sz="8000" dirty="0"/>
           </a:p>
@@ -7487,8 +8403,8 @@
         </p:nvSpPr>
         <p:spPr>
           <a:xfrm>
-            <a:off x="1187624" y="3916040"/>
-            <a:ext cx="3116627" cy="1385167"/>
+            <a:off x="755576" y="3916040"/>
+            <a:ext cx="3548675" cy="1385167"/>
           </a:xfrm>
           <a:prstGeom prst="roundRect">
             <a:avLst/>
@@ -7525,7 +8441,7 @@
             <a:pPr algn="ctr"/>
             <a:r>
               <a:rPr lang="en-US" sz="8000" dirty="0" smtClean="0"/>
-              <a:t>SUB1</a:t>
+              <a:t>Profits</a:t>
             </a:r>
             <a:endParaRPr lang="en-SG" sz="8000" dirty="0"/>
           </a:p>
@@ -7542,8 +8458,8 @@
         </p:nvCxnSpPr>
         <p:spPr>
           <a:xfrm rot="5400000">
-            <a:off x="3105415" y="2406148"/>
-            <a:ext cx="1150415" cy="1869368"/>
+            <a:off x="3011754" y="2283785"/>
+            <a:ext cx="1150415" cy="2114094"/>
           </a:xfrm>
           <a:prstGeom prst="bentConnector3">
             <a:avLst/>
@@ -7583,7 +8499,7 @@
         <p:spPr>
           <a:xfrm>
             <a:off x="4911757" y="3916040"/>
-            <a:ext cx="3116627" cy="1385167"/>
+            <a:ext cx="3764699" cy="1385167"/>
           </a:xfrm>
           <a:prstGeom prst="roundRect">
             <a:avLst/>
@@ -7620,7 +8536,7 @@
             <a:pPr algn="ctr"/>
             <a:r>
               <a:rPr lang="en-US" sz="8000" dirty="0" smtClean="0"/>
-              <a:t>SUB2</a:t>
+              <a:t>Savings</a:t>
             </a:r>
             <a:endParaRPr lang="en-SG" sz="8000" dirty="0"/>
           </a:p>
@@ -7637,8 +8553,8 @@
         </p:nvCxnSpPr>
         <p:spPr>
           <a:xfrm rot="16200000" flipH="1">
-            <a:off x="4967481" y="2413449"/>
-            <a:ext cx="1150415" cy="1854765"/>
+            <a:off x="5143850" y="2265782"/>
+            <a:ext cx="1150415" cy="2150099"/>
           </a:xfrm>
           <a:prstGeom prst="bentConnector3">
             <a:avLst>
@@ -7681,13 +8597,13 @@
   <p:clrMapOvr>
     <a:masterClrMapping/>
   </p:clrMapOvr>
-  <mc:AlternateContent xmlns:mc="http://schemas.openxmlformats.org/markup-compatibility/2006">
-    <mc:Choice xmlns:p14="http://schemas.microsoft.com/office/powerpoint/2010/main" Requires="p14">
+  <mc:AlternateContent xmlns:mc="http://schemas.openxmlformats.org/markup-compatibility/2006" xmlns:p14="http://schemas.microsoft.com/office/powerpoint/2010/main">
+    <mc:Choice Requires="p14">
       <p:transition spd="med">
         <p14:window dir="vert"/>
       </p:transition>
     </mc:Choice>
-    <mc:Fallback>
+    <mc:Fallback xmlns="">
       <p:transition spd="med">
         <p:fade/>
       </p:transition>
@@ -7908,7 +8824,7 @@
 
 <file path=ppt/slides/slide23.xml><?xml version="1.0" encoding="utf-8"?>
 <p:sld xmlns:a="http://schemas.openxmlformats.org/drawingml/2006/main" xmlns:r="http://schemas.openxmlformats.org/officeDocument/2006/relationships" xmlns:p="http://schemas.openxmlformats.org/presentationml/2006/main">
-  <p:cSld name="PPTLabsZoomOut201505241734584463">
+  <p:cSld name="PptLabsAgenda_&amp;^@Visual_&amp;^@FinalZoomOut_&amp;^@Topic C_4">
     <p:spTree>
       <p:nvGrpSpPr>
         <p:cNvPr id="1" name=""/>
@@ -7925,7 +8841,7 @@
       </p:grpSpPr>
       <p:pic>
         <p:nvPicPr>
-          <p:cNvPr id="84994" name="PPTZoomOutShape201505241734584943"/>
+          <p:cNvPr id="48130" name="PPTZoomOutShape201506291833327730"/>
           <p:cNvPicPr>
             <a:picLocks noChangeArrowheads="1"/>
           </p:cNvPicPr>
@@ -7989,7 +8905,7 @@
       </p:pic>
       <p:pic>
         <p:nvPicPr>
-          <p:cNvPr id="9" name="PPTZoomOutShape201505241734584453"/>
+          <p:cNvPr id="9" name="PPTZoomOutShape201506291833327430"/>
           <p:cNvPicPr>
             <a:picLocks noChangeArrowheads="1"/>
           </p:cNvPicPr>
@@ -8016,15 +8932,9 @@
           <a:prstGeom prst="rect">
             <a:avLst/>
           </a:prstGeom>
-          <a:blipFill>
-            <a:blip r:embed="rId4"/>
-            <a:stretch>
-              <a:fillRect/>
-            </a:stretch>
-          </a:blipFill>
-          <a:ln w="25400" cap="flat" cmpd="sng" algn="ctr">
+          <a:noFill/>
+          <a:ln>
             <a:noFill/>
-            <a:prstDash val="solid"/>
           </a:ln>
           <a:effectLst/>
           <a:extLst>
@@ -8059,7 +8969,7 @@
       </p:pic>
       <p:pic>
         <p:nvPicPr>
-          <p:cNvPr id="11" name="PPTZoomOutShape201505241734584453"/>
+          <p:cNvPr id="11" name="PPTZoomOutShape201506291833327430"/>
           <p:cNvPicPr>
             <a:picLocks noChangeArrowheads="1"/>
           </p:cNvPicPr>
@@ -8086,15 +8996,9 @@
           <a:prstGeom prst="rect">
             <a:avLst/>
           </a:prstGeom>
-          <a:blipFill>
-            <a:blip r:embed="rId4"/>
-            <a:stretch>
-              <a:fillRect/>
-            </a:stretch>
-          </a:blipFill>
-          <a:ln w="25400" cap="flat" cmpd="sng" algn="ctr">
+          <a:noFill/>
+          <a:ln>
             <a:noFill/>
-            <a:prstDash val="solid"/>
           </a:ln>
           <a:effectLst/>
           <a:extLst>
@@ -8129,14 +9033,14 @@
       </p:pic>
       <p:pic>
         <p:nvPicPr>
-          <p:cNvPr id="3" name="PPIndicator201505241734585163"/>
+          <p:cNvPr id="3" name="PPTIndicator201506291833327940"/>
           <p:cNvPicPr>
             <a:picLocks/>
           </p:cNvPicPr>
           <p:nvPr/>
         </p:nvPicPr>
         <p:blipFill>
-          <a:blip r:embed="rId5" cstate="print">
+          <a:blip r:embed="rId4" cstate="print">
             <a:extLst>
               <a:ext uri="{28A0092B-C50C-407E-A947-70E740481C1C}">
                 <a14:useLocalDpi xmlns:a14="http://schemas.microsoft.com/office/drawing/2010/main" val="0"/>
@@ -8160,7 +9064,7 @@
     </p:spTree>
     <p:extLst>
       <p:ext uri="{BB962C8B-B14F-4D97-AF65-F5344CB8AC3E}">
-        <p14:creationId xmlns:p14="http://schemas.microsoft.com/office/powerpoint/2010/main" val="3480090595"/>
+        <p14:creationId xmlns:p14="http://schemas.microsoft.com/office/powerpoint/2010/main" val="1614319909"/>
       </p:ext>
     </p:extLst>
   </p:cSld>
@@ -8286,7 +9190,7 @@
                                     <p:cond delay="0"/>
                                   </p:stCondLst>
                                   <p:childTnLst>
-                                    <p:animMotion origin="layout" path="M 0 0 C 0.1569344 0.00975079 0.1569344 0.00975079 0.3138689 0.01950158 E" pathEditMode="relative" ptsTypes="">
+                                    <p:animMotion origin="layout" path="M 0 0 C 0.1805591 0.009764805 0.1805591 0.009764805 0.3611181 0.01952961 E" pathEditMode="relative" ptsTypes="">
                                       <p:cBhvr>
                                         <p:cTn id="13" dur="500" fill="hold"/>
                                         <p:tgtEl>
@@ -8325,11 +9229,11 @@
                                     <p:cond delay="0"/>
                                   </p:stCondLst>
                                   <p:childTnLst>
-                                    <p:animMotion origin="layout" path="M 0 0 C -0.5812386 -0.03611405 -0.5812386 -0.03611405 -1.162477 -0.0722281 E" pathEditMode="relative" ptsTypes="">
+                                    <p:animMotion origin="layout" path="M 0 0 C -0.6687373 -0.03616587 -0.6687373 -0.03616587 -1.337475 -0.07233175 E" pathEditMode="relative" ptsTypes="">
                                       <p:cBhvr>
                                         <p:cTn id="17" dur="1" fill="hold"/>
                                         <p:tgtEl>
-                                          <p:spTgt spid="84994"/>
+                                          <p:spTgt spid="48130"/>
                                         </p:tgtEl>
                                         <p:attrNameLst>
                                           <p:attrName>ppt_x</p:attrName>
@@ -8350,7 +9254,7 @@
                                       <p:cBhvr>
                                         <p:cTn id="19" dur="1" fill="hold"/>
                                         <p:tgtEl>
-                                          <p:spTgt spid="84994"/>
+                                          <p:spTgt spid="48130"/>
                                         </p:tgtEl>
                                       </p:cBhvr>
                                       <p:by x="370370" y="370370"/>
@@ -8364,11 +9268,11 @@
                                     <p:cond delay="0"/>
                                   </p:stCondLst>
                                   <p:childTnLst>
-                                    <p:animMotion origin="layout" path="M -1.162477 -0.0722281 C -0.5812386 -0.03611405 -0.5812386 -0.03611405 -2.384186E-07 0 E" pathEditMode="relative" ptsTypes="">
+                                    <p:animMotion origin="layout" path="M -1.337475 -0.07233175 C -0.6687373 -0.03616588 -0.6687373 -0.03616588 3.576279E-07 0 E" pathEditMode="relative" ptsTypes="">
                                       <p:cBhvr>
                                         <p:cTn id="21" dur="500" fill="hold"/>
                                         <p:tgtEl>
-                                          <p:spTgt spid="84994"/>
+                                          <p:spTgt spid="48130"/>
                                         </p:tgtEl>
                                         <p:attrNameLst>
                                           <p:attrName>ppt_x</p:attrName>
@@ -8389,7 +9293,7 @@
                                       <p:cBhvr>
                                         <p:cTn id="23" dur="500" fill="hold"/>
                                         <p:tgtEl>
-                                          <p:spTgt spid="84994"/>
+                                          <p:spTgt spid="48130"/>
                                         </p:tgtEl>
                                       </p:cBhvr>
                                       <p:by x="27000" y="27000"/>
@@ -8430,7 +9334,7 @@
 
 <file path=ppt/slides/slide24.xml><?xml version="1.0" encoding="utf-8"?>
 <p:sld xmlns:a="http://schemas.openxmlformats.org/drawingml/2006/main" xmlns:r="http://schemas.openxmlformats.org/officeDocument/2006/relationships" xmlns:p="http://schemas.openxmlformats.org/presentationml/2006/main">
-  <p:cSld name="PptLabsVisualAgendaSlide EndOfAgenda">
+  <p:cSld name="PptLabsAgenda_&amp;^@Visual_&amp;^@EndOfVisualAgenda_&amp;^@Topic C_4">
     <p:spTree>
       <p:nvGrpSpPr>
         <p:cNvPr id="1" name=""/>
@@ -8445,243 +9349,39 @@
           <a:chExt cx="0" cy="0"/>
         </a:xfrm>
       </p:grpSpPr>
-      <p:sp>
-        <p:nvSpPr>
-          <p:cNvPr id="2" name="PptLabsAgendaTitle"/>
-          <p:cNvSpPr>
-            <a:spLocks noGrp="1"/>
-          </p:cNvSpPr>
-          <p:nvPr>
-            <p:ph type="title"/>
-          </p:nvPr>
-        </p:nvSpPr>
+      <p:pic>
+        <p:nvPicPr>
+          <p:cNvPr id="2" name="PPTIndicator201506281930100540"/>
+          <p:cNvPicPr>
+            <a:picLocks/>
+          </p:cNvPicPr>
+          <p:nvPr/>
+        </p:nvPicPr>
+        <p:blipFill>
+          <a:blip r:embed="rId2" cstate="print">
+            <a:extLst>
+              <a:ext uri="{28A0092B-C50C-407E-A947-70E740481C1C}">
+                <a14:useLocalDpi xmlns:a14="http://schemas.microsoft.com/office/drawing/2010/main" val="0"/>
+              </a:ext>
+            </a:extLst>
+          </a:blip>
+          <a:stretch>
+            <a:fillRect/>
+          </a:stretch>
+        </p:blipFill>
         <p:spPr>
           <a:xfrm>
-            <a:off x="457200" y="274638"/>
-            <a:ext cx="8229600" cy="1143000"/>
-          </a:xfrm>
-        </p:spPr>
-        <p:txBody>
-          <a:bodyPr vert="horz" lIns="91440" tIns="45720" rIns="91440" bIns="45720" rtlCol="0" anchor="ctr">
-            <a:normAutofit/>
-          </a:bodyPr>
-          <a:lstStyle/>
-          <a:p>
-            <a:r>
-              <a:rPr lang="en-SG">
-                <a:solidFill>
-                  <a:srgbClr val="0070C0"/>
-                </a:solidFill>
-              </a:rPr>
-              <a:t>Strategy Proposal</a:t>
-            </a:r>
-          </a:p>
-        </p:txBody>
-      </p:sp>
-      <p:sp>
-        <p:nvSpPr>
-          <p:cNvPr id="3" name="PptLabsAgendaVisualItemTopic A">
-            <a:hlinkClick r:id="rId2" action="ppaction://hlinksldjump"/>
-          </p:cNvPr>
-          <p:cNvSpPr>
-            <a:spLocks noChangeAspect="1"/>
-          </p:cNvSpPr>
-          <p:nvPr/>
-        </p:nvSpPr>
-        <p:spPr>
-          <a:xfrm>
-            <a:off x="467544" y="2636912"/>
-            <a:ext cx="2468880" cy="1851660"/>
+            <a:off x="7620000" y="0"/>
+            <a:ext cx="1524000" cy="1066800"/>
           </a:xfrm>
           <a:prstGeom prst="rect">
             <a:avLst/>
           </a:prstGeom>
-          <a:blipFill>
-            <a:blip r:embed="rId3"/>
-            <a:stretch>
-              <a:fillRect/>
-            </a:stretch>
-          </a:blipFill>
-          <a:ln w="25400" cap="flat" cmpd="sng" algn="ctr">
-            <a:noFill/>
-            <a:prstDash val="solid"/>
-          </a:ln>
-          <a:effectLst/>
-          <a:extLst>
-            <a:ext uri="{91240B29-F687-4F45-9708-019B960494DF}">
-              <a14:hiddenLine xmlns:a14="http://schemas.microsoft.com/office/drawing/2010/main" w="25400" cap="flat" cmpd="sng" algn="ctr">
-                <a:solidFill>
-                  <a:schemeClr val="accent1">
-                    <a:shade val="50000"/>
-                  </a:schemeClr>
-                </a:solidFill>
-                <a:prstDash val="solid"/>
-              </a14:hiddenLine>
-            </a:ext>
-          </a:extLst>
         </p:spPr>
-        <p:style>
-          <a:lnRef idx="2">
-            <a:schemeClr val="accent1">
-              <a:shade val="50000"/>
-            </a:schemeClr>
-          </a:lnRef>
-          <a:fillRef idx="1">
-            <a:schemeClr val="accent1"/>
-          </a:fillRef>
-          <a:effectRef idx="0">
-            <a:schemeClr val="accent1"/>
-          </a:effectRef>
-          <a:fontRef idx="minor">
-            <a:schemeClr val="lt1"/>
-          </a:fontRef>
-        </p:style>
-        <p:txBody>
-          <a:bodyPr rtlCol="0" anchor="ctr"/>
-          <a:lstStyle/>
-          <a:p>
-            <a:pPr algn="ctr"/>
-            <a:endParaRPr lang="en-SG"/>
-          </a:p>
-        </p:txBody>
-      </p:sp>
+      </p:pic>
       <p:sp>
         <p:nvSpPr>
-          <p:cNvPr id="4" name="PptLabsAgendaVisualItemTopic B">
-            <a:hlinkClick r:id="rId4" action="ppaction://hlinksldjump"/>
-          </p:cNvPr>
-          <p:cNvSpPr>
-            <a:spLocks noChangeAspect="1"/>
-          </p:cNvSpPr>
-          <p:nvPr/>
-        </p:nvSpPr>
-        <p:spPr>
-          <a:xfrm>
-            <a:off x="3337560" y="2636912"/>
-            <a:ext cx="2468880" cy="1851660"/>
-          </a:xfrm>
-          <a:prstGeom prst="rect">
-            <a:avLst/>
-          </a:prstGeom>
-          <a:blipFill>
-            <a:blip r:embed="rId5"/>
-            <a:stretch>
-              <a:fillRect/>
-            </a:stretch>
-          </a:blipFill>
-          <a:ln w="25400" cap="flat" cmpd="sng" algn="ctr">
-            <a:noFill/>
-            <a:prstDash val="solid"/>
-          </a:ln>
-          <a:effectLst/>
-          <a:extLst>
-            <a:ext uri="{91240B29-F687-4F45-9708-019B960494DF}">
-              <a14:hiddenLine xmlns:a14="http://schemas.microsoft.com/office/drawing/2010/main" w="25400" cap="flat" cmpd="sng" algn="ctr">
-                <a:solidFill>
-                  <a:schemeClr val="accent1">
-                    <a:shade val="50000"/>
-                  </a:schemeClr>
-                </a:solidFill>
-                <a:prstDash val="solid"/>
-              </a14:hiddenLine>
-            </a:ext>
-          </a:extLst>
-        </p:spPr>
-        <p:style>
-          <a:lnRef idx="2">
-            <a:schemeClr val="accent1">
-              <a:shade val="50000"/>
-            </a:schemeClr>
-          </a:lnRef>
-          <a:fillRef idx="1">
-            <a:schemeClr val="accent1"/>
-          </a:fillRef>
-          <a:effectRef idx="0">
-            <a:schemeClr val="accent1"/>
-          </a:effectRef>
-          <a:fontRef idx="minor">
-            <a:schemeClr val="lt1"/>
-          </a:fontRef>
-        </p:style>
-        <p:txBody>
-          <a:bodyPr rtlCol="0" anchor="ctr"/>
-          <a:lstStyle/>
-          <a:p>
-            <a:pPr algn="ctr"/>
-            <a:endParaRPr lang="en-SG"/>
-          </a:p>
-        </p:txBody>
-      </p:sp>
-      <p:sp>
-        <p:nvSpPr>
-          <p:cNvPr id="5" name="PptLabsAgendaVisualItemTopic C">
-            <a:hlinkClick r:id="rId6" action="ppaction://hlinksldjump"/>
-          </p:cNvPr>
-          <p:cNvSpPr>
-            <a:spLocks noChangeAspect="1"/>
-          </p:cNvSpPr>
-          <p:nvPr/>
-        </p:nvSpPr>
-        <p:spPr>
-          <a:xfrm>
-            <a:off x="6207577" y="2636912"/>
-            <a:ext cx="2468879" cy="1851660"/>
-          </a:xfrm>
-          <a:prstGeom prst="rect">
-            <a:avLst/>
-          </a:prstGeom>
-          <a:blipFill>
-            <a:blip r:embed="rId7"/>
-            <a:stretch>
-              <a:fillRect/>
-            </a:stretch>
-          </a:blipFill>
-          <a:ln w="25400" cap="flat" cmpd="sng" algn="ctr">
-            <a:noFill/>
-            <a:prstDash val="solid"/>
-          </a:ln>
-          <a:effectLst/>
-          <a:extLst>
-            <a:ext uri="{91240B29-F687-4F45-9708-019B960494DF}">
-              <a14:hiddenLine xmlns:a14="http://schemas.microsoft.com/office/drawing/2010/main" w="25400" cap="flat" cmpd="sng" algn="ctr">
-                <a:solidFill>
-                  <a:schemeClr val="accent1">
-                    <a:shade val="50000"/>
-                  </a:schemeClr>
-                </a:solidFill>
-                <a:prstDash val="solid"/>
-              </a14:hiddenLine>
-            </a:ext>
-          </a:extLst>
-        </p:spPr>
-        <p:style>
-          <a:lnRef idx="2">
-            <a:schemeClr val="accent1">
-              <a:shade val="50000"/>
-            </a:schemeClr>
-          </a:lnRef>
-          <a:fillRef idx="1">
-            <a:schemeClr val="accent1"/>
-          </a:fillRef>
-          <a:effectRef idx="0">
-            <a:schemeClr val="accent1"/>
-          </a:effectRef>
-          <a:fontRef idx="minor">
-            <a:schemeClr val="lt1"/>
-          </a:fontRef>
-        </p:style>
-        <p:txBody>
-          <a:bodyPr rtlCol="0" anchor="ctr"/>
-          <a:lstStyle/>
-          <a:p>
-            <a:pPr algn="ctr"/>
-            <a:endParaRPr lang="en-SG"/>
-          </a:p>
-        </p:txBody>
-      </p:sp>
-      <p:sp>
-        <p:nvSpPr>
-          <p:cNvPr id="8" name="TextBox 5"/>
+          <p:cNvPr id="4" name="Title 1"/>
           <p:cNvSpPr txBox="1">
             <a:spLocks/>
           </p:cNvSpPr>
@@ -8689,8 +9389,55 @@
         </p:nvSpPr>
         <p:spPr>
           <a:xfrm>
-            <a:off x="2861008" y="3068960"/>
-            <a:ext cx="576064" cy="923330"/>
+            <a:off x="457200" y="274638"/>
+            <a:ext cx="8229600" cy="1143000"/>
+          </a:xfrm>
+          <a:prstGeom prst="rect">
+            <a:avLst/>
+          </a:prstGeom>
+        </p:spPr>
+        <p:txBody>
+          <a:bodyPr vert="horz" lIns="91440" tIns="45720" rIns="91440" bIns="45720" rtlCol="0" anchor="ctr">
+            <a:normAutofit/>
+          </a:bodyPr>
+          <a:lstStyle>
+            <a:lvl1pPr algn="ctr">
+              <a:spcBef>
+                <a:spcPct val="0"/>
+              </a:spcBef>
+              <a:buNone/>
+              <a:defRPr sz="4400">
+                <a:latin typeface="+mj-lt"/>
+                <a:ea typeface="+mj-ea"/>
+                <a:cs typeface="+mj-cs"/>
+              </a:defRPr>
+            </a:lvl1pPr>
+          </a:lstStyle>
+          <a:p>
+            <a:r>
+              <a:rPr lang="en-SG">
+                <a:solidFill>
+                  <a:prstClr val="black"/>
+                </a:solidFill>
+              </a:rPr>
+              <a:t>Merger Analysis</a:t>
+            </a:r>
+            <a:endParaRPr lang="en-SG"/>
+          </a:p>
+        </p:txBody>
+      </p:sp>
+      <p:sp>
+        <p:nvSpPr>
+          <p:cNvPr id="21" name="Unnamed Shape 2015062819321657205"/>
+          <p:cNvSpPr txBox="1">
+            <a:spLocks/>
+          </p:cNvSpPr>
+          <p:nvPr/>
+        </p:nvSpPr>
+        <p:spPr>
+          <a:xfrm>
+            <a:off x="2555776" y="2852936"/>
+            <a:ext cx="915496" cy="1323439"/>
           </a:xfrm>
           <a:prstGeom prst="rect">
             <a:avLst/>
@@ -8706,7 +9453,7 @@
               <a:defRPr lang="en-US"/>
             </a:defPPr>
             <a:lvl1pPr>
-              <a:defRPr sz="5400" b="1">
+              <a:defRPr sz="8000" b="1">
                 <a:solidFill>
                   <a:schemeClr val="bg1">
                     <a:lumMod val="65000"/>
@@ -8717,7 +9464,13 @@
           </a:lstStyle>
           <a:p>
             <a:r>
-              <a:rPr lang="en-US"/>
+              <a:rPr lang="en-US">
+                <a:solidFill>
+                  <a:prstClr val="white">
+                    <a:lumMod val="65000"/>
+                  </a:prstClr>
+                </a:solidFill>
+              </a:rPr>
               <a:t>+</a:t>
             </a:r>
             <a:endParaRPr lang="en-SG" dirty="0"/>
@@ -8726,7 +9479,7 @@
       </p:sp>
       <p:sp>
         <p:nvSpPr>
-          <p:cNvPr id="9" name="TextBox 7"/>
+          <p:cNvPr id="22" name="Unnamed Shape 2015062819321657206"/>
           <p:cNvSpPr txBox="1">
             <a:spLocks/>
           </p:cNvSpPr>
@@ -8734,8 +9487,8 @@
         </p:nvSpPr>
         <p:spPr>
           <a:xfrm>
-            <a:off x="5724128" y="2996952"/>
-            <a:ext cx="576064" cy="923330"/>
+            <a:off x="6012160" y="2901214"/>
+            <a:ext cx="915496" cy="1323439"/>
           </a:xfrm>
           <a:prstGeom prst="rect">
             <a:avLst/>
@@ -8751,7 +9504,7 @@
               <a:defRPr lang="en-US"/>
             </a:defPPr>
             <a:lvl1pPr>
-              <a:defRPr sz="5400" b="1">
+              <a:defRPr sz="8000" b="1">
                 <a:solidFill>
                   <a:schemeClr val="bg1">
                     <a:lumMod val="65000"/>
@@ -8762,17 +9515,254 @@
           </a:lstStyle>
           <a:p>
             <a:r>
-              <a:rPr lang="en-US"/>
+              <a:rPr lang="en-US">
+                <a:solidFill>
+                  <a:prstClr val="white">
+                    <a:lumMod val="65000"/>
+                  </a:prstClr>
+                </a:solidFill>
+              </a:rPr>
               <a:t>=</a:t>
             </a:r>
             <a:endParaRPr lang="en-SG" dirty="0"/>
           </a:p>
         </p:txBody>
       </p:sp>
+      <p:sp>
+        <p:nvSpPr>
+          <p:cNvPr id="49" name="TextBox 8"/>
+          <p:cNvSpPr txBox="1"/>
+          <p:nvPr/>
+        </p:nvSpPr>
+        <p:spPr>
+          <a:xfrm>
+            <a:off x="1619672" y="5242778"/>
+            <a:ext cx="6000328" cy="523220"/>
+          </a:xfrm>
+          <a:prstGeom prst="rect">
+            <a:avLst/>
+          </a:prstGeom>
+          <a:noFill/>
+        </p:spPr>
+        <p:txBody>
+          <a:bodyPr wrap="square" rtlCol="0">
+            <a:spAutoFit/>
+          </a:bodyPr>
+          <a:lstStyle/>
+          <a:p>
+            <a:pPr algn="ctr"/>
+            <a:r>
+              <a:rPr lang="en-US" sz="2800" dirty="0" smtClean="0">
+                <a:solidFill>
+                  <a:srgbClr val="0070C0"/>
+                </a:solidFill>
+              </a:rPr>
+              <a:t>A merger can be beneficial to both.</a:t>
+            </a:r>
+            <a:endParaRPr lang="en-SG" sz="2800" dirty="0">
+              <a:solidFill>
+                <a:srgbClr val="0070C0"/>
+              </a:solidFill>
+            </a:endParaRPr>
+          </a:p>
+        </p:txBody>
+      </p:sp>
+      <p:pic>
+        <p:nvPicPr>
+          <p:cNvPr id="14" name="PptLabsAgenda_&amp;^@VisualAgendaImage_&amp;^@Topic A_2"/>
+          <p:cNvPicPr>
+            <a:picLocks noChangeAspect="1" noChangeArrowheads="1"/>
+          </p:cNvPicPr>
+          <p:nvPr/>
+        </p:nvPicPr>
+        <p:blipFill>
+          <a:blip r:embed="rId3">
+            <a:extLst>
+              <a:ext uri="{28A0092B-C50C-407E-A947-70E740481C1C}">
+                <a14:useLocalDpi xmlns:a14="http://schemas.microsoft.com/office/drawing/2010/main" val="0"/>
+              </a:ext>
+            </a:extLst>
+          </a:blip>
+          <a:srcRect/>
+          <a:stretch>
+            <a:fillRect/>
+          </a:stretch>
+        </p:blipFill>
+        <p:spPr bwMode="auto">
+          <a:xfrm>
+            <a:off x="107504" y="2657460"/>
+            <a:ext cx="2468880" cy="1851660"/>
+          </a:xfrm>
+          <a:prstGeom prst="rect">
+            <a:avLst/>
+          </a:prstGeom>
+          <a:noFill/>
+          <a:ln>
+            <a:noFill/>
+          </a:ln>
+          <a:effectLst/>
+          <a:extLst>
+            <a:ext uri="{909E8E84-426E-40DD-AFC4-6F175D3DCCD1}">
+              <a14:hiddenFill xmlns:a14="http://schemas.microsoft.com/office/drawing/2010/main">
+                <a:solidFill>
+                  <a:schemeClr val="accent1"/>
+                </a:solidFill>
+              </a14:hiddenFill>
+            </a:ext>
+            <a:ext uri="{91240B29-F687-4F45-9708-019B960494DF}">
+              <a14:hiddenLine xmlns:a14="http://schemas.microsoft.com/office/drawing/2010/main" w="9525">
+                <a:solidFill>
+                  <a:schemeClr val="tx1"/>
+                </a:solidFill>
+                <a:miter lim="800000"/>
+                <a:headEnd/>
+                <a:tailEnd/>
+              </a14:hiddenLine>
+            </a:ext>
+            <a:ext uri="{AF507438-7753-43E0-B8FC-AC1667EBCBE1}">
+              <a14:hiddenEffects xmlns:a14="http://schemas.microsoft.com/office/drawing/2010/main">
+                <a:effectLst>
+                  <a:outerShdw dist="35921" dir="2700000" algn="ctr" rotWithShape="0">
+                    <a:schemeClr val="bg2"/>
+                  </a:outerShdw>
+                </a:effectLst>
+              </a14:hiddenEffects>
+            </a:ext>
+          </a:extLst>
+        </p:spPr>
+      </p:pic>
+      <p:pic>
+        <p:nvPicPr>
+          <p:cNvPr id="15" name="PptLabsAgenda_&amp;^@VisualAgendaImage_&amp;^@Topic B_3"/>
+          <p:cNvPicPr>
+            <a:picLocks noChangeAspect="1" noChangeArrowheads="1"/>
+          </p:cNvPicPr>
+          <p:nvPr/>
+        </p:nvPicPr>
+        <p:blipFill>
+          <a:blip r:embed="rId4">
+            <a:extLst>
+              <a:ext uri="{28A0092B-C50C-407E-A947-70E740481C1C}">
+                <a14:useLocalDpi xmlns:a14="http://schemas.microsoft.com/office/drawing/2010/main" val="0"/>
+              </a:ext>
+            </a:extLst>
+          </a:blip>
+          <a:srcRect/>
+          <a:stretch>
+            <a:fillRect/>
+          </a:stretch>
+        </p:blipFill>
+        <p:spPr bwMode="auto">
+          <a:xfrm>
+            <a:off x="3327256" y="2637104"/>
+            <a:ext cx="2468880" cy="1851660"/>
+          </a:xfrm>
+          <a:prstGeom prst="rect">
+            <a:avLst/>
+          </a:prstGeom>
+          <a:noFill/>
+          <a:ln>
+            <a:noFill/>
+          </a:ln>
+          <a:effectLst/>
+          <a:extLst>
+            <a:ext uri="{909E8E84-426E-40DD-AFC4-6F175D3DCCD1}">
+              <a14:hiddenFill xmlns:a14="http://schemas.microsoft.com/office/drawing/2010/main">
+                <a:solidFill>
+                  <a:schemeClr val="accent1"/>
+                </a:solidFill>
+              </a14:hiddenFill>
+            </a:ext>
+            <a:ext uri="{91240B29-F687-4F45-9708-019B960494DF}">
+              <a14:hiddenLine xmlns:a14="http://schemas.microsoft.com/office/drawing/2010/main" w="9525">
+                <a:solidFill>
+                  <a:schemeClr val="tx1"/>
+                </a:solidFill>
+                <a:miter lim="800000"/>
+                <a:headEnd/>
+                <a:tailEnd/>
+              </a14:hiddenLine>
+            </a:ext>
+            <a:ext uri="{AF507438-7753-43E0-B8FC-AC1667EBCBE1}">
+              <a14:hiddenEffects xmlns:a14="http://schemas.microsoft.com/office/drawing/2010/main">
+                <a:effectLst>
+                  <a:outerShdw dist="35921" dir="2700000" algn="ctr" rotWithShape="0">
+                    <a:schemeClr val="bg2"/>
+                  </a:outerShdw>
+                </a:effectLst>
+              </a14:hiddenEffects>
+            </a:ext>
+          </a:extLst>
+        </p:spPr>
+      </p:pic>
+      <p:pic>
+        <p:nvPicPr>
+          <p:cNvPr id="16" name="PptLabsAgenda_&amp;^@VisualAgendaImage_&amp;^@Topic C_4"/>
+          <p:cNvPicPr>
+            <a:picLocks noChangeAspect="1" noChangeArrowheads="1"/>
+          </p:cNvPicPr>
+          <p:nvPr/>
+        </p:nvPicPr>
+        <p:blipFill>
+          <a:blip r:embed="rId5">
+            <a:extLst>
+              <a:ext uri="{28A0092B-C50C-407E-A947-70E740481C1C}">
+                <a14:useLocalDpi xmlns:a14="http://schemas.microsoft.com/office/drawing/2010/main" val="0"/>
+              </a:ext>
+            </a:extLst>
+          </a:blip>
+          <a:srcRect/>
+          <a:stretch>
+            <a:fillRect/>
+          </a:stretch>
+        </p:blipFill>
+        <p:spPr bwMode="auto">
+          <a:xfrm>
+            <a:off x="6639624" y="2637104"/>
+            <a:ext cx="2468880" cy="1851660"/>
+          </a:xfrm>
+          <a:prstGeom prst="rect">
+            <a:avLst/>
+          </a:prstGeom>
+          <a:noFill/>
+          <a:ln>
+            <a:noFill/>
+          </a:ln>
+          <a:effectLst/>
+          <a:extLst>
+            <a:ext uri="{909E8E84-426E-40DD-AFC4-6F175D3DCCD1}">
+              <a14:hiddenFill xmlns:a14="http://schemas.microsoft.com/office/drawing/2010/main">
+                <a:solidFill>
+                  <a:schemeClr val="accent1"/>
+                </a:solidFill>
+              </a14:hiddenFill>
+            </a:ext>
+            <a:ext uri="{91240B29-F687-4F45-9708-019B960494DF}">
+              <a14:hiddenLine xmlns:a14="http://schemas.microsoft.com/office/drawing/2010/main" w="9525">
+                <a:solidFill>
+                  <a:schemeClr val="tx1"/>
+                </a:solidFill>
+                <a:miter lim="800000"/>
+                <a:headEnd/>
+                <a:tailEnd/>
+              </a14:hiddenLine>
+            </a:ext>
+            <a:ext uri="{AF507438-7753-43E0-B8FC-AC1667EBCBE1}">
+              <a14:hiddenEffects xmlns:a14="http://schemas.microsoft.com/office/drawing/2010/main">
+                <a:effectLst>
+                  <a:outerShdw dist="35921" dir="2700000" algn="ctr" rotWithShape="0">
+                    <a:schemeClr val="bg2"/>
+                  </a:outerShdw>
+                </a:effectLst>
+              </a14:hiddenEffects>
+            </a:ext>
+          </a:extLst>
+        </p:spPr>
+      </p:pic>
     </p:spTree>
     <p:extLst>
       <p:ext uri="{BB962C8B-B14F-4D97-AF65-F5344CB8AC3E}">
-        <p14:creationId xmlns:p14="http://schemas.microsoft.com/office/powerpoint/2010/main" val="3442712775"/>
+        <p14:creationId xmlns:p14="http://schemas.microsoft.com/office/powerpoint/2010/main" val="1130679897"/>
       </p:ext>
     </p:extLst>
   </p:cSld>
@@ -8794,7 +9784,105 @@
   <p:timing>
     <p:tnLst>
       <p:par>
-        <p:cTn id="1" dur="indefinite" restart="never" nodeType="tmRoot"/>
+        <p:cTn id="1" dur="indefinite" restart="never" nodeType="tmRoot">
+          <p:childTnLst>
+            <p:seq concurrent="1" nextAc="seek">
+              <p:cTn id="2" dur="indefinite" nodeType="mainSeq">
+                <p:childTnLst>
+                  <p:par>
+                    <p:cTn id="3" fill="hold">
+                      <p:stCondLst>
+                        <p:cond delay="indefinite"/>
+                        <p:cond evt="onBegin" delay="0">
+                          <p:tn val="2"/>
+                        </p:cond>
+                      </p:stCondLst>
+                      <p:childTnLst>
+                        <p:par>
+                          <p:cTn id="4" fill="hold">
+                            <p:stCondLst>
+                              <p:cond delay="0"/>
+                            </p:stCondLst>
+                            <p:childTnLst>
+                              <p:par>
+                                <p:cTn id="5" presetID="1" presetClass="entr" presetSubtype="0" fill="hold" nodeType="withEffect">
+                                  <p:stCondLst>
+                                    <p:cond delay="0"/>
+                                  </p:stCondLst>
+                                  <p:childTnLst>
+                                    <p:set>
+                                      <p:cBhvr>
+                                        <p:cTn id="6" dur="1" fill="hold">
+                                          <p:stCondLst>
+                                            <p:cond delay="0"/>
+                                          </p:stCondLst>
+                                        </p:cTn>
+                                        <p:tgtEl>
+                                          <p:spTgt spid="2"/>
+                                        </p:tgtEl>
+                                        <p:attrNameLst>
+                                          <p:attrName>style.visibility</p:attrName>
+                                        </p:attrNameLst>
+                                      </p:cBhvr>
+                                      <p:to>
+                                        <p:strVal val="visible"/>
+                                      </p:to>
+                                    </p:set>
+                                  </p:childTnLst>
+                                </p:cTn>
+                              </p:par>
+                              <p:par>
+                                <p:cTn id="7" presetID="1" presetClass="exit" presetSubtype="0" fill="hold" nodeType="withEffect">
+                                  <p:stCondLst>
+                                    <p:cond delay="0"/>
+                                  </p:stCondLst>
+                                  <p:childTnLst>
+                                    <p:set>
+                                      <p:cBhvr>
+                                        <p:cTn id="8" dur="1" fill="hold">
+                                          <p:stCondLst>
+                                            <p:cond delay="0"/>
+                                          </p:stCondLst>
+                                        </p:cTn>
+                                        <p:tgtEl>
+                                          <p:spTgt spid="2"/>
+                                        </p:tgtEl>
+                                        <p:attrNameLst>
+                                          <p:attrName>style.visibility</p:attrName>
+                                        </p:attrNameLst>
+                                      </p:cBhvr>
+                                      <p:to>
+                                        <p:strVal val="hidden"/>
+                                      </p:to>
+                                    </p:set>
+                                  </p:childTnLst>
+                                </p:cTn>
+                              </p:par>
+                            </p:childTnLst>
+                          </p:cTn>
+                        </p:par>
+                      </p:childTnLst>
+                    </p:cTn>
+                  </p:par>
+                </p:childTnLst>
+              </p:cTn>
+              <p:prevCondLst>
+                <p:cond evt="onPrev" delay="0">
+                  <p:tgtEl>
+                    <p:sldTgt/>
+                  </p:tgtEl>
+                </p:cond>
+              </p:prevCondLst>
+              <p:nextCondLst>
+                <p:cond evt="onNext" delay="0">
+                  <p:tgtEl>
+                    <p:sldTgt/>
+                  </p:tgtEl>
+                </p:cond>
+              </p:nextCondLst>
+            </p:seq>
+          </p:childTnLst>
+        </p:cTn>
       </p:par>
     </p:tnLst>
   </p:timing>
@@ -8803,7 +9891,7 @@
 
 <file path=ppt/slides/slide25.xml><?xml version="1.0" encoding="utf-8"?>
 <p:sld xmlns:a="http://schemas.openxmlformats.org/drawingml/2006/main" xmlns:r="http://schemas.openxmlformats.org/officeDocument/2006/relationships" xmlns:p="http://schemas.openxmlformats.org/presentationml/2006/main" show="0">
-  <p:cSld name="PPAck201505241734585243">
+  <p:cSld name="PPTLabsAcknowledgementSlide">
     <p:spTree>
       <p:nvGrpSpPr>
         <p:cNvPr id="1" name=""/>
@@ -8851,7 +9939,7 @@
     </p:spTree>
     <p:extLst>
       <p:ext uri="{BB962C8B-B14F-4D97-AF65-F5344CB8AC3E}">
-        <p14:creationId xmlns:p14="http://schemas.microsoft.com/office/powerpoint/2010/main" val="516421504"/>
+        <p14:creationId xmlns:p14="http://schemas.microsoft.com/office/powerpoint/2010/main" val="2378079565"/>
       </p:ext>
     </p:extLst>
   </p:cSld>
@@ -8878,7 +9966,7 @@
 
 <file path=ppt/slides/slide3.xml><?xml version="1.0" encoding="utf-8"?>
 <p:sld xmlns:a="http://schemas.openxmlformats.org/drawingml/2006/main" xmlns:r="http://schemas.openxmlformats.org/officeDocument/2006/relationships" xmlns:p="http://schemas.openxmlformats.org/presentationml/2006/main">
-  <p:cSld name="PptLabsVisualAgendaSlide Topic A">
+  <p:cSld name="PptLabsAgenda_&amp;^@Visual_&amp;^@VisualAgendaSection_&amp;^@Topic A_2">
     <p:spTree>
       <p:nvGrpSpPr>
         <p:cNvPr id="1" name=""/>
@@ -8893,248 +9981,39 @@
           <a:chExt cx="0" cy="0"/>
         </a:xfrm>
       </p:grpSpPr>
-      <p:sp>
-        <p:nvSpPr>
-          <p:cNvPr id="2" name="PptLabsAgendaTitle"/>
-          <p:cNvSpPr>
-            <a:spLocks noGrp="1"/>
-          </p:cNvSpPr>
-          <p:nvPr>
-            <p:ph type="title"/>
-          </p:nvPr>
-        </p:nvSpPr>
+      <p:pic>
+        <p:nvPicPr>
+          <p:cNvPr id="2" name="PPTIndicator201506281930094510"/>
+          <p:cNvPicPr>
+            <a:picLocks/>
+          </p:cNvPicPr>
+          <p:nvPr/>
+        </p:nvPicPr>
+        <p:blipFill>
+          <a:blip r:embed="rId2" cstate="print">
+            <a:extLst>
+              <a:ext uri="{28A0092B-C50C-407E-A947-70E740481C1C}">
+                <a14:useLocalDpi xmlns:a14="http://schemas.microsoft.com/office/drawing/2010/main" val="0"/>
+              </a:ext>
+            </a:extLst>
+          </a:blip>
+          <a:stretch>
+            <a:fillRect/>
+          </a:stretch>
+        </p:blipFill>
         <p:spPr>
           <a:xfrm>
-            <a:off x="457200" y="274638"/>
-            <a:ext cx="8229600" cy="1143000"/>
-          </a:xfrm>
-        </p:spPr>
-        <p:txBody>
-          <a:bodyPr vert="horz" lIns="91440" tIns="45720" rIns="91440" bIns="45720" rtlCol="0" anchor="ctr">
-            <a:normAutofit/>
-          </a:bodyPr>
-          <a:lstStyle/>
-          <a:p>
-            <a:r>
-              <a:rPr lang="en-SG">
-                <a:solidFill>
-                  <a:srgbClr val="0070C0"/>
-                </a:solidFill>
-              </a:rPr>
-              <a:t>Strategy Proposal</a:t>
-            </a:r>
-            <a:endParaRPr lang="en-SG" dirty="0">
-              <a:solidFill>
-                <a:srgbClr val="0070C0"/>
-              </a:solidFill>
-            </a:endParaRPr>
-          </a:p>
-        </p:txBody>
-      </p:sp>
-      <p:sp>
-        <p:nvSpPr>
-          <p:cNvPr id="3" name="PptLabsAgendaVisualItemTopic A">
-            <a:hlinkClick r:id="rId2" action="ppaction://hlinksldjump"/>
-          </p:cNvPr>
-          <p:cNvSpPr>
-            <a:spLocks noChangeAspect="1"/>
-          </p:cNvSpPr>
-          <p:nvPr/>
-        </p:nvSpPr>
-        <p:spPr>
-          <a:xfrm>
-            <a:off x="467544" y="2636912"/>
-            <a:ext cx="2468880" cy="1851660"/>
+            <a:off x="7620000" y="0"/>
+            <a:ext cx="1524000" cy="1066800"/>
           </a:xfrm>
           <a:prstGeom prst="rect">
             <a:avLst/>
           </a:prstGeom>
-          <a:blipFill>
-            <a:blip r:embed="rId3"/>
-            <a:stretch>
-              <a:fillRect/>
-            </a:stretch>
-          </a:blipFill>
-          <a:ln w="25400" cap="flat" cmpd="sng" algn="ctr">
-            <a:noFill/>
-            <a:prstDash val="solid"/>
-          </a:ln>
-          <a:effectLst/>
-          <a:extLst>
-            <a:ext uri="{91240B29-F687-4F45-9708-019B960494DF}">
-              <a14:hiddenLine xmlns:a14="http://schemas.microsoft.com/office/drawing/2010/main" w="25400" cap="flat" cmpd="sng" algn="ctr">
-                <a:solidFill>
-                  <a:schemeClr val="accent1">
-                    <a:shade val="50000"/>
-                  </a:schemeClr>
-                </a:solidFill>
-                <a:prstDash val="solid"/>
-              </a14:hiddenLine>
-            </a:ext>
-          </a:extLst>
         </p:spPr>
-        <p:style>
-          <a:lnRef idx="2">
-            <a:schemeClr val="accent1">
-              <a:shade val="50000"/>
-            </a:schemeClr>
-          </a:lnRef>
-          <a:fillRef idx="1">
-            <a:schemeClr val="accent1"/>
-          </a:fillRef>
-          <a:effectRef idx="0">
-            <a:schemeClr val="accent1"/>
-          </a:effectRef>
-          <a:fontRef idx="minor">
-            <a:schemeClr val="lt1"/>
-          </a:fontRef>
-        </p:style>
-        <p:txBody>
-          <a:bodyPr rtlCol="0" anchor="ctr"/>
-          <a:lstStyle/>
-          <a:p>
-            <a:pPr algn="ctr"/>
-            <a:endParaRPr lang="en-SG"/>
-          </a:p>
-        </p:txBody>
-      </p:sp>
+      </p:pic>
       <p:sp>
         <p:nvSpPr>
-          <p:cNvPr id="4" name="PptLabsAgendaVisualItemTopic B">
-            <a:hlinkClick r:id="rId4" action="ppaction://hlinksldjump"/>
-          </p:cNvPr>
-          <p:cNvSpPr>
-            <a:spLocks noChangeAspect="1"/>
-          </p:cNvSpPr>
-          <p:nvPr/>
-        </p:nvSpPr>
-        <p:spPr>
-          <a:xfrm>
-            <a:off x="3337560" y="2636912"/>
-            <a:ext cx="2468880" cy="1851660"/>
-          </a:xfrm>
-          <a:prstGeom prst="rect">
-            <a:avLst/>
-          </a:prstGeom>
-          <a:blipFill>
-            <a:blip r:embed="rId5"/>
-            <a:stretch>
-              <a:fillRect/>
-            </a:stretch>
-          </a:blipFill>
-          <a:ln w="25400" cap="flat" cmpd="sng" algn="ctr">
-            <a:noFill/>
-            <a:prstDash val="solid"/>
-          </a:ln>
-          <a:effectLst/>
-          <a:extLst>
-            <a:ext uri="{91240B29-F687-4F45-9708-019B960494DF}">
-              <a14:hiddenLine xmlns:a14="http://schemas.microsoft.com/office/drawing/2010/main" w="25400" cap="flat" cmpd="sng" algn="ctr">
-                <a:solidFill>
-                  <a:schemeClr val="accent1">
-                    <a:shade val="50000"/>
-                  </a:schemeClr>
-                </a:solidFill>
-                <a:prstDash val="solid"/>
-              </a14:hiddenLine>
-            </a:ext>
-          </a:extLst>
-        </p:spPr>
-        <p:style>
-          <a:lnRef idx="2">
-            <a:schemeClr val="accent1">
-              <a:shade val="50000"/>
-            </a:schemeClr>
-          </a:lnRef>
-          <a:fillRef idx="1">
-            <a:schemeClr val="accent1"/>
-          </a:fillRef>
-          <a:effectRef idx="0">
-            <a:schemeClr val="accent1"/>
-          </a:effectRef>
-          <a:fontRef idx="minor">
-            <a:schemeClr val="lt1"/>
-          </a:fontRef>
-        </p:style>
-        <p:txBody>
-          <a:bodyPr rtlCol="0" anchor="ctr"/>
-          <a:lstStyle/>
-          <a:p>
-            <a:pPr algn="ctr"/>
-            <a:endParaRPr lang="en-SG"/>
-          </a:p>
-        </p:txBody>
-      </p:sp>
-      <p:sp>
-        <p:nvSpPr>
-          <p:cNvPr id="5" name="PptLabsAgendaVisualItemTopic C">
-            <a:hlinkClick r:id="rId6" action="ppaction://hlinksldjump"/>
-          </p:cNvPr>
-          <p:cNvSpPr>
-            <a:spLocks noChangeAspect="1"/>
-          </p:cNvSpPr>
-          <p:nvPr/>
-        </p:nvSpPr>
-        <p:spPr>
-          <a:xfrm>
-            <a:off x="6207577" y="2636912"/>
-            <a:ext cx="2468879" cy="1851660"/>
-          </a:xfrm>
-          <a:prstGeom prst="rect">
-            <a:avLst/>
-          </a:prstGeom>
-          <a:blipFill>
-            <a:blip r:embed="rId7"/>
-            <a:stretch>
-              <a:fillRect/>
-            </a:stretch>
-          </a:blipFill>
-          <a:ln w="25400" cap="flat" cmpd="sng" algn="ctr">
-            <a:noFill/>
-            <a:prstDash val="solid"/>
-          </a:ln>
-          <a:effectLst/>
-          <a:extLst>
-            <a:ext uri="{91240B29-F687-4F45-9708-019B960494DF}">
-              <a14:hiddenLine xmlns:a14="http://schemas.microsoft.com/office/drawing/2010/main" w="25400" cap="flat" cmpd="sng" algn="ctr">
-                <a:solidFill>
-                  <a:schemeClr val="accent1">
-                    <a:shade val="50000"/>
-                  </a:schemeClr>
-                </a:solidFill>
-                <a:prstDash val="solid"/>
-              </a14:hiddenLine>
-            </a:ext>
-          </a:extLst>
-        </p:spPr>
-        <p:style>
-          <a:lnRef idx="2">
-            <a:schemeClr val="accent1">
-              <a:shade val="50000"/>
-            </a:schemeClr>
-          </a:lnRef>
-          <a:fillRef idx="1">
-            <a:schemeClr val="accent1"/>
-          </a:fillRef>
-          <a:effectRef idx="0">
-            <a:schemeClr val="accent1"/>
-          </a:effectRef>
-          <a:fontRef idx="minor">
-            <a:schemeClr val="lt1"/>
-          </a:fontRef>
-        </p:style>
-        <p:txBody>
-          <a:bodyPr rtlCol="0" anchor="ctr"/>
-          <a:lstStyle/>
-          <a:p>
-            <a:pPr algn="ctr"/>
-            <a:endParaRPr lang="en-SG"/>
-          </a:p>
-        </p:txBody>
-      </p:sp>
-      <p:sp>
-        <p:nvSpPr>
-          <p:cNvPr id="6" name="TextBox 5"/>
+          <p:cNvPr id="4" name="Title 1"/>
           <p:cNvSpPr txBox="1">
             <a:spLocks/>
           </p:cNvSpPr>
@@ -9142,8 +10021,55 @@
         </p:nvSpPr>
         <p:spPr>
           <a:xfrm>
-            <a:off x="2861008" y="3068960"/>
-            <a:ext cx="576064" cy="923330"/>
+            <a:off x="457200" y="274638"/>
+            <a:ext cx="8229600" cy="1143000"/>
+          </a:xfrm>
+          <a:prstGeom prst="rect">
+            <a:avLst/>
+          </a:prstGeom>
+        </p:spPr>
+        <p:txBody>
+          <a:bodyPr vert="horz" lIns="91440" tIns="45720" rIns="91440" bIns="45720" rtlCol="0" anchor="ctr">
+            <a:normAutofit/>
+          </a:bodyPr>
+          <a:lstStyle>
+            <a:lvl1pPr algn="ctr">
+              <a:spcBef>
+                <a:spcPct val="0"/>
+              </a:spcBef>
+              <a:buNone/>
+              <a:defRPr sz="4400">
+                <a:latin typeface="+mj-lt"/>
+                <a:ea typeface="+mj-ea"/>
+                <a:cs typeface="+mj-cs"/>
+              </a:defRPr>
+            </a:lvl1pPr>
+          </a:lstStyle>
+          <a:p>
+            <a:r>
+              <a:rPr lang="en-SG">
+                <a:solidFill>
+                  <a:prstClr val="black"/>
+                </a:solidFill>
+              </a:rPr>
+              <a:t>Merger Analysis</a:t>
+            </a:r>
+            <a:endParaRPr lang="en-SG"/>
+          </a:p>
+        </p:txBody>
+      </p:sp>
+      <p:sp>
+        <p:nvSpPr>
+          <p:cNvPr id="15" name="Unnamed Shape 2015062819321657205"/>
+          <p:cNvSpPr txBox="1">
+            <a:spLocks/>
+          </p:cNvSpPr>
+          <p:nvPr/>
+        </p:nvSpPr>
+        <p:spPr>
+          <a:xfrm>
+            <a:off x="2555776" y="2852936"/>
+            <a:ext cx="915496" cy="1323439"/>
           </a:xfrm>
           <a:prstGeom prst="rect">
             <a:avLst/>
@@ -9159,7 +10085,7 @@
               <a:defRPr lang="en-US"/>
             </a:defPPr>
             <a:lvl1pPr>
-              <a:defRPr sz="5400" b="1">
+              <a:defRPr sz="8000" b="1">
                 <a:solidFill>
                   <a:schemeClr val="bg1">
                     <a:lumMod val="65000"/>
@@ -9170,7 +10096,13 @@
           </a:lstStyle>
           <a:p>
             <a:r>
-              <a:rPr lang="en-US"/>
+              <a:rPr lang="en-US">
+                <a:solidFill>
+                  <a:prstClr val="white">
+                    <a:lumMod val="65000"/>
+                  </a:prstClr>
+                </a:solidFill>
+              </a:rPr>
               <a:t>+</a:t>
             </a:r>
             <a:endParaRPr lang="en-SG" dirty="0"/>
@@ -9179,7 +10111,7 @@
       </p:sp>
       <p:sp>
         <p:nvSpPr>
-          <p:cNvPr id="8" name="TextBox 7"/>
+          <p:cNvPr id="16" name="Unnamed Shape 2015062819321657206"/>
           <p:cNvSpPr txBox="1">
             <a:spLocks/>
           </p:cNvSpPr>
@@ -9187,8 +10119,8 @@
         </p:nvSpPr>
         <p:spPr>
           <a:xfrm>
-            <a:off x="5724128" y="2996952"/>
-            <a:ext cx="576064" cy="923330"/>
+            <a:off x="6012160" y="2901214"/>
+            <a:ext cx="915496" cy="1323439"/>
           </a:xfrm>
           <a:prstGeom prst="rect">
             <a:avLst/>
@@ -9204,7 +10136,7 @@
               <a:defRPr lang="en-US"/>
             </a:defPPr>
             <a:lvl1pPr>
-              <a:defRPr sz="5400" b="1">
+              <a:defRPr sz="8000" b="1">
                 <a:solidFill>
                   <a:schemeClr val="bg1">
                     <a:lumMod val="65000"/>
@@ -9215,17 +10147,245 @@
           </a:lstStyle>
           <a:p>
             <a:r>
-              <a:rPr lang="en-US"/>
+              <a:rPr lang="en-US">
+                <a:solidFill>
+                  <a:prstClr val="white">
+                    <a:lumMod val="65000"/>
+                  </a:prstClr>
+                </a:solidFill>
+              </a:rPr>
               <a:t>=</a:t>
             </a:r>
             <a:endParaRPr lang="en-SG" dirty="0"/>
           </a:p>
         </p:txBody>
       </p:sp>
+      <p:sp>
+        <p:nvSpPr>
+          <p:cNvPr id="9" name="TextBox 8"/>
+          <p:cNvSpPr txBox="1"/>
+          <p:nvPr/>
+        </p:nvSpPr>
+        <p:spPr>
+          <a:xfrm>
+            <a:off x="1619672" y="5242778"/>
+            <a:ext cx="6000328" cy="523220"/>
+          </a:xfrm>
+          <a:prstGeom prst="rect">
+            <a:avLst/>
+          </a:prstGeom>
+          <a:noFill/>
+        </p:spPr>
+        <p:txBody>
+          <a:bodyPr wrap="square" rtlCol="0">
+            <a:spAutoFit/>
+          </a:bodyPr>
+          <a:lstStyle/>
+          <a:p>
+            <a:r>
+              <a:rPr lang="en-US" sz="2800" dirty="0" smtClean="0"/>
+              <a:t>What are the outcomes of this merger?</a:t>
+            </a:r>
+            <a:endParaRPr lang="en-SG" sz="2800" dirty="0"/>
+          </a:p>
+        </p:txBody>
+      </p:sp>
+      <p:pic>
+        <p:nvPicPr>
+          <p:cNvPr id="43" name="PptLabsAgenda_&amp;^@VisualAgendaImage_&amp;^@Topic A_2"/>
+          <p:cNvPicPr>
+            <a:picLocks noChangeAspect="1" noChangeArrowheads="1"/>
+          </p:cNvPicPr>
+          <p:nvPr/>
+        </p:nvPicPr>
+        <p:blipFill>
+          <a:blip r:embed="rId3">
+            <a:extLst>
+              <a:ext uri="{28A0092B-C50C-407E-A947-70E740481C1C}">
+                <a14:useLocalDpi xmlns:a14="http://schemas.microsoft.com/office/drawing/2010/main" val="0"/>
+              </a:ext>
+            </a:extLst>
+          </a:blip>
+          <a:srcRect/>
+          <a:stretch>
+            <a:fillRect/>
+          </a:stretch>
+        </p:blipFill>
+        <p:spPr bwMode="auto">
+          <a:xfrm>
+            <a:off x="107504" y="2657460"/>
+            <a:ext cx="2468880" cy="1851660"/>
+          </a:xfrm>
+          <a:prstGeom prst="rect">
+            <a:avLst/>
+          </a:prstGeom>
+          <a:noFill/>
+          <a:ln>
+            <a:noFill/>
+          </a:ln>
+          <a:effectLst/>
+          <a:extLst>
+            <a:ext uri="{909E8E84-426E-40DD-AFC4-6F175D3DCCD1}">
+              <a14:hiddenFill xmlns:a14="http://schemas.microsoft.com/office/drawing/2010/main">
+                <a:solidFill>
+                  <a:schemeClr val="accent1"/>
+                </a:solidFill>
+              </a14:hiddenFill>
+            </a:ext>
+            <a:ext uri="{91240B29-F687-4F45-9708-019B960494DF}">
+              <a14:hiddenLine xmlns:a14="http://schemas.microsoft.com/office/drawing/2010/main" w="9525">
+                <a:solidFill>
+                  <a:schemeClr val="tx1"/>
+                </a:solidFill>
+                <a:miter lim="800000"/>
+                <a:headEnd/>
+                <a:tailEnd/>
+              </a14:hiddenLine>
+            </a:ext>
+            <a:ext uri="{AF507438-7753-43E0-B8FC-AC1667EBCBE1}">
+              <a14:hiddenEffects xmlns:a14="http://schemas.microsoft.com/office/drawing/2010/main">
+                <a:effectLst>
+                  <a:outerShdw dist="35921" dir="2700000" algn="ctr" rotWithShape="0">
+                    <a:schemeClr val="bg2"/>
+                  </a:outerShdw>
+                </a:effectLst>
+              </a14:hiddenEffects>
+            </a:ext>
+          </a:extLst>
+        </p:spPr>
+      </p:pic>
+      <p:pic>
+        <p:nvPicPr>
+          <p:cNvPr id="44" name="PptLabsAgenda_&amp;^@VisualAgendaImage_&amp;^@Topic B_3"/>
+          <p:cNvPicPr>
+            <a:picLocks noChangeAspect="1" noChangeArrowheads="1"/>
+          </p:cNvPicPr>
+          <p:nvPr/>
+        </p:nvPicPr>
+        <p:blipFill>
+          <a:blip r:embed="rId4">
+            <a:extLst>
+              <a:ext uri="{28A0092B-C50C-407E-A947-70E740481C1C}">
+                <a14:useLocalDpi xmlns:a14="http://schemas.microsoft.com/office/drawing/2010/main" val="0"/>
+              </a:ext>
+            </a:extLst>
+          </a:blip>
+          <a:srcRect/>
+          <a:stretch>
+            <a:fillRect/>
+          </a:stretch>
+        </p:blipFill>
+        <p:spPr bwMode="auto">
+          <a:xfrm>
+            <a:off x="3327256" y="2637104"/>
+            <a:ext cx="2468880" cy="1851660"/>
+          </a:xfrm>
+          <a:prstGeom prst="rect">
+            <a:avLst/>
+          </a:prstGeom>
+          <a:noFill/>
+          <a:ln>
+            <a:noFill/>
+          </a:ln>
+          <a:effectLst/>
+          <a:extLst>
+            <a:ext uri="{909E8E84-426E-40DD-AFC4-6F175D3DCCD1}">
+              <a14:hiddenFill xmlns:a14="http://schemas.microsoft.com/office/drawing/2010/main">
+                <a:solidFill>
+                  <a:schemeClr val="accent1"/>
+                </a:solidFill>
+              </a14:hiddenFill>
+            </a:ext>
+            <a:ext uri="{91240B29-F687-4F45-9708-019B960494DF}">
+              <a14:hiddenLine xmlns:a14="http://schemas.microsoft.com/office/drawing/2010/main" w="9525">
+                <a:solidFill>
+                  <a:schemeClr val="tx1"/>
+                </a:solidFill>
+                <a:miter lim="800000"/>
+                <a:headEnd/>
+                <a:tailEnd/>
+              </a14:hiddenLine>
+            </a:ext>
+            <a:ext uri="{AF507438-7753-43E0-B8FC-AC1667EBCBE1}">
+              <a14:hiddenEffects xmlns:a14="http://schemas.microsoft.com/office/drawing/2010/main">
+                <a:effectLst>
+                  <a:outerShdw dist="35921" dir="2700000" algn="ctr" rotWithShape="0">
+                    <a:schemeClr val="bg2"/>
+                  </a:outerShdw>
+                </a:effectLst>
+              </a14:hiddenEffects>
+            </a:ext>
+          </a:extLst>
+        </p:spPr>
+      </p:pic>
+      <p:pic>
+        <p:nvPicPr>
+          <p:cNvPr id="45" name="PptLabsAgenda_&amp;^@VisualAgendaImage_&amp;^@Topic C_4"/>
+          <p:cNvPicPr>
+            <a:picLocks noChangeAspect="1" noChangeArrowheads="1"/>
+          </p:cNvPicPr>
+          <p:nvPr/>
+        </p:nvPicPr>
+        <p:blipFill>
+          <a:blip r:embed="rId5">
+            <a:extLst>
+              <a:ext uri="{28A0092B-C50C-407E-A947-70E740481C1C}">
+                <a14:useLocalDpi xmlns:a14="http://schemas.microsoft.com/office/drawing/2010/main" val="0"/>
+              </a:ext>
+            </a:extLst>
+          </a:blip>
+          <a:srcRect/>
+          <a:stretch>
+            <a:fillRect/>
+          </a:stretch>
+        </p:blipFill>
+        <p:spPr bwMode="auto">
+          <a:xfrm>
+            <a:off x="6639624" y="2637104"/>
+            <a:ext cx="2468880" cy="1851660"/>
+          </a:xfrm>
+          <a:prstGeom prst="rect">
+            <a:avLst/>
+          </a:prstGeom>
+          <a:noFill/>
+          <a:ln>
+            <a:noFill/>
+          </a:ln>
+          <a:effectLst/>
+          <a:extLst>
+            <a:ext uri="{909E8E84-426E-40DD-AFC4-6F175D3DCCD1}">
+              <a14:hiddenFill xmlns:a14="http://schemas.microsoft.com/office/drawing/2010/main">
+                <a:solidFill>
+                  <a:schemeClr val="accent1"/>
+                </a:solidFill>
+              </a14:hiddenFill>
+            </a:ext>
+            <a:ext uri="{91240B29-F687-4F45-9708-019B960494DF}">
+              <a14:hiddenLine xmlns:a14="http://schemas.microsoft.com/office/drawing/2010/main" w="9525">
+                <a:solidFill>
+                  <a:schemeClr val="tx1"/>
+                </a:solidFill>
+                <a:miter lim="800000"/>
+                <a:headEnd/>
+                <a:tailEnd/>
+              </a14:hiddenLine>
+            </a:ext>
+            <a:ext uri="{AF507438-7753-43E0-B8FC-AC1667EBCBE1}">
+              <a14:hiddenEffects xmlns:a14="http://schemas.microsoft.com/office/drawing/2010/main">
+                <a:effectLst>
+                  <a:outerShdw dist="35921" dir="2700000" algn="ctr" rotWithShape="0">
+                    <a:schemeClr val="bg2"/>
+                  </a:outerShdw>
+                </a:effectLst>
+              </a14:hiddenEffects>
+            </a:ext>
+          </a:extLst>
+        </p:spPr>
+      </p:pic>
     </p:spTree>
     <p:extLst>
       <p:ext uri="{BB962C8B-B14F-4D97-AF65-F5344CB8AC3E}">
-        <p14:creationId xmlns:p14="http://schemas.microsoft.com/office/powerpoint/2010/main" val="77284411"/>
+        <p14:creationId xmlns:p14="http://schemas.microsoft.com/office/powerpoint/2010/main" val="3787762344"/>
       </p:ext>
     </p:extLst>
   </p:cSld>
@@ -9238,7 +10398,105 @@
   <p:timing>
     <p:tnLst>
       <p:par>
-        <p:cTn id="1" dur="indefinite" restart="never" nodeType="tmRoot"/>
+        <p:cTn id="1" dur="indefinite" restart="never" nodeType="tmRoot">
+          <p:childTnLst>
+            <p:seq concurrent="1" nextAc="seek">
+              <p:cTn id="2" dur="indefinite" nodeType="mainSeq">
+                <p:childTnLst>
+                  <p:par>
+                    <p:cTn id="3" fill="hold">
+                      <p:stCondLst>
+                        <p:cond delay="indefinite"/>
+                        <p:cond evt="onBegin" delay="0">
+                          <p:tn val="2"/>
+                        </p:cond>
+                      </p:stCondLst>
+                      <p:childTnLst>
+                        <p:par>
+                          <p:cTn id="4" fill="hold">
+                            <p:stCondLst>
+                              <p:cond delay="0"/>
+                            </p:stCondLst>
+                            <p:childTnLst>
+                              <p:par>
+                                <p:cTn id="5" presetID="1" presetClass="entr" presetSubtype="0" fill="hold" nodeType="withEffect">
+                                  <p:stCondLst>
+                                    <p:cond delay="0"/>
+                                  </p:stCondLst>
+                                  <p:childTnLst>
+                                    <p:set>
+                                      <p:cBhvr>
+                                        <p:cTn id="6" dur="1" fill="hold">
+                                          <p:stCondLst>
+                                            <p:cond delay="0"/>
+                                          </p:stCondLst>
+                                        </p:cTn>
+                                        <p:tgtEl>
+                                          <p:spTgt spid="2"/>
+                                        </p:tgtEl>
+                                        <p:attrNameLst>
+                                          <p:attrName>style.visibility</p:attrName>
+                                        </p:attrNameLst>
+                                      </p:cBhvr>
+                                      <p:to>
+                                        <p:strVal val="visible"/>
+                                      </p:to>
+                                    </p:set>
+                                  </p:childTnLst>
+                                </p:cTn>
+                              </p:par>
+                              <p:par>
+                                <p:cTn id="7" presetID="1" presetClass="exit" presetSubtype="0" fill="hold" nodeType="withEffect">
+                                  <p:stCondLst>
+                                    <p:cond delay="0"/>
+                                  </p:stCondLst>
+                                  <p:childTnLst>
+                                    <p:set>
+                                      <p:cBhvr>
+                                        <p:cTn id="8" dur="1" fill="hold">
+                                          <p:stCondLst>
+                                            <p:cond delay="0"/>
+                                          </p:stCondLst>
+                                        </p:cTn>
+                                        <p:tgtEl>
+                                          <p:spTgt spid="2"/>
+                                        </p:tgtEl>
+                                        <p:attrNameLst>
+                                          <p:attrName>style.visibility</p:attrName>
+                                        </p:attrNameLst>
+                                      </p:cBhvr>
+                                      <p:to>
+                                        <p:strVal val="hidden"/>
+                                      </p:to>
+                                    </p:set>
+                                  </p:childTnLst>
+                                </p:cTn>
+                              </p:par>
+                            </p:childTnLst>
+                          </p:cTn>
+                        </p:par>
+                      </p:childTnLst>
+                    </p:cTn>
+                  </p:par>
+                </p:childTnLst>
+              </p:cTn>
+              <p:prevCondLst>
+                <p:cond evt="onPrev" delay="0">
+                  <p:tgtEl>
+                    <p:sldTgt/>
+                  </p:tgtEl>
+                </p:cond>
+              </p:prevCondLst>
+              <p:nextCondLst>
+                <p:cond evt="onNext" delay="0">
+                  <p:tgtEl>
+                    <p:sldTgt/>
+                  </p:tgtEl>
+                </p:cond>
+              </p:nextCondLst>
+            </p:seq>
+          </p:childTnLst>
+        </p:cTn>
       </p:par>
     </p:tnLst>
   </p:timing>
@@ -9247,7 +10505,7 @@
 
 <file path=ppt/slides/slide4.xml><?xml version="1.0" encoding="utf-8"?>
 <p:sld xmlns:a="http://schemas.openxmlformats.org/drawingml/2006/main" xmlns:r="http://schemas.openxmlformats.org/officeDocument/2006/relationships" xmlns:p="http://schemas.openxmlformats.org/presentationml/2006/main">
-  <p:cSld name="PPTLabsZoomIn201505241734590663">
+  <p:cSld name="PptLabsAgenda_&amp;^@Visual_&amp;^@ZoomIn_&amp;^@Topic A_2">
     <p:spTree>
       <p:nvGrpSpPr>
         <p:cNvPr id="1" name=""/>
@@ -9262,28 +10520,9 @@
           <a:chExt cx="0" cy="0"/>
         </a:xfrm>
       </p:grpSpPr>
-      <p:sp>
-        <p:nvSpPr>
-          <p:cNvPr id="7" name="Title 6"/>
-          <p:cNvSpPr>
-            <a:spLocks noGrp="1"/>
-          </p:cNvSpPr>
-          <p:nvPr>
-            <p:ph type="title"/>
-          </p:nvPr>
-        </p:nvSpPr>
-        <p:spPr/>
-        <p:txBody>
-          <a:bodyPr/>
-          <a:lstStyle/>
-          <a:p>
-            <a:endParaRPr lang="en-SG"/>
-          </a:p>
-        </p:txBody>
-      </p:sp>
       <p:pic>
         <p:nvPicPr>
-          <p:cNvPr id="90114" name="PPTZoomInShape201505241734591134"/>
+          <p:cNvPr id="43010" name="PPTZoomInShape201506291833320979"/>
           <p:cNvPicPr>
             <a:picLocks noChangeArrowheads="1"/>
           </p:cNvPicPr>
@@ -9310,15 +10549,9 @@
           <a:prstGeom prst="rect">
             <a:avLst/>
           </a:prstGeom>
-          <a:blipFill>
-            <a:blip r:embed="rId3"/>
-            <a:stretch>
-              <a:fillRect/>
-            </a:stretch>
-          </a:blipFill>
-          <a:ln w="25400" cap="flat" cmpd="sng" algn="ctr">
+          <a:noFill/>
+          <a:ln>
             <a:noFill/>
-            <a:prstDash val="solid"/>
           </a:ln>
           <a:effectLst/>
           <a:extLst>
@@ -9353,14 +10586,14 @@
       </p:pic>
       <p:pic>
         <p:nvPicPr>
-          <p:cNvPr id="10" name="PPTZoomInShape201505241734590643"/>
+          <p:cNvPr id="12" name="PPTZoomInShape201506291833320659"/>
           <p:cNvPicPr>
             <a:picLocks noChangeArrowheads="1"/>
           </p:cNvPicPr>
           <p:nvPr/>
         </p:nvPicPr>
         <p:blipFill>
-          <a:blip r:embed="rId4">
+          <a:blip r:embed="rId3">
             <a:extLst>
               <a:ext uri="{28A0092B-C50C-407E-A947-70E740481C1C}">
                 <a14:useLocalDpi xmlns:a14="http://schemas.microsoft.com/office/drawing/2010/main" val="0"/>
@@ -9380,15 +10613,9 @@
           <a:prstGeom prst="rect">
             <a:avLst/>
           </a:prstGeom>
-          <a:blipFill>
-            <a:blip r:embed="rId3"/>
-            <a:stretch>
-              <a:fillRect/>
-            </a:stretch>
-          </a:blipFill>
-          <a:ln w="25400" cap="flat" cmpd="sng" algn="ctr">
+          <a:noFill/>
+          <a:ln>
             <a:noFill/>
-            <a:prstDash val="solid"/>
           </a:ln>
           <a:effectLst/>
           <a:extLst>
@@ -9423,7 +10650,7 @@
       </p:pic>
       <p:pic>
         <p:nvPicPr>
-          <p:cNvPr id="13" name="PPTZoomInShape201505241734591134"/>
+          <p:cNvPr id="17" name="PPTZoomInShape201506291833320979"/>
           <p:cNvPicPr>
             <a:picLocks noChangeArrowheads="1"/>
           </p:cNvPicPr>
@@ -9450,15 +10677,9 @@
           <a:prstGeom prst="rect">
             <a:avLst/>
           </a:prstGeom>
-          <a:blipFill>
-            <a:blip r:embed="rId3"/>
-            <a:stretch>
-              <a:fillRect/>
-            </a:stretch>
-          </a:blipFill>
-          <a:ln w="25400" cap="flat" cmpd="sng" algn="ctr">
+          <a:noFill/>
+          <a:ln>
             <a:noFill/>
-            <a:prstDash val="solid"/>
           </a:ln>
           <a:effectLst/>
           <a:extLst>
@@ -9493,14 +10714,14 @@
       </p:pic>
       <p:pic>
         <p:nvPicPr>
-          <p:cNvPr id="9" name="PPIndicator201505241734591264"/>
+          <p:cNvPr id="3" name="PPTIndicator201506291833321119"/>
           <p:cNvPicPr>
             <a:picLocks/>
           </p:cNvPicPr>
           <p:nvPr/>
         </p:nvPicPr>
         <p:blipFill>
-          <a:blip r:embed="rId5" cstate="print">
+          <a:blip r:embed="rId4" cstate="print">
             <a:extLst>
               <a:ext uri="{28A0092B-C50C-407E-A947-70E740481C1C}">
                 <a14:useLocalDpi xmlns:a14="http://schemas.microsoft.com/office/drawing/2010/main" val="0"/>
@@ -9524,7 +10745,7 @@
     </p:spTree>
     <p:extLst>
       <p:ext uri="{BB962C8B-B14F-4D97-AF65-F5344CB8AC3E}">
-        <p14:creationId xmlns:p14="http://schemas.microsoft.com/office/powerpoint/2010/main" val="154575879"/>
+        <p14:creationId xmlns:p14="http://schemas.microsoft.com/office/powerpoint/2010/main" val="739857229"/>
       </p:ext>
     </p:extLst>
   </p:cSld>
@@ -9565,7 +10786,7 @@
                                       <p:cBhvr>
                                         <p:cTn id="6" dur="10"/>
                                         <p:tgtEl>
-                                          <p:spTgt spid="13"/>
+                                          <p:spTgt spid="17"/>
                                         </p:tgtEl>
                                       </p:cBhvr>
                                     </p:animEffect>
@@ -9577,7 +10798,7 @@
                                           </p:stCondLst>
                                         </p:cTn>
                                         <p:tgtEl>
-                                          <p:spTgt spid="13"/>
+                                          <p:spTgt spid="17"/>
                                         </p:tgtEl>
                                         <p:attrNameLst>
                                           <p:attrName>style.visibility</p:attrName>
@@ -9604,7 +10825,7 @@
                                           </p:stCondLst>
                                         </p:cTn>
                                         <p:tgtEl>
-                                          <p:spTgt spid="9"/>
+                                          <p:spTgt spid="3"/>
                                         </p:tgtEl>
                                         <p:attrNameLst>
                                           <p:attrName>style.visibility</p:attrName>
@@ -9631,7 +10852,7 @@
                                           </p:stCondLst>
                                         </p:cTn>
                                         <p:tgtEl>
-                                          <p:spTgt spid="9"/>
+                                          <p:spTgt spid="3"/>
                                         </p:tgtEl>
                                         <p:attrNameLst>
                                           <p:attrName>style.visibility</p:attrName>
@@ -9650,11 +10871,11 @@
                                     <p:cond delay="0"/>
                                   </p:stCondLst>
                                   <p:childTnLst>
-                                    <p:animMotion origin="layout" path="M 0 0 C 0.5812385 -0.03611405 0.5812385 -0.03611405 1.162477 -0.0722281 E" pathEditMode="relative" ptsTypes="">
+                                    <p:animMotion origin="layout" path="M 0 0 C 0.6541541 -0.0416626 0.6541541 -0.0416626 1.308308 -0.08332519 E" pathEditMode="relative" ptsTypes="">
                                       <p:cBhvr>
                                         <p:cTn id="13" dur="500" fill="hold"/>
                                         <p:tgtEl>
-                                          <p:spTgt spid="90114"/>
+                                          <p:spTgt spid="43010"/>
                                         </p:tgtEl>
                                         <p:attrNameLst>
                                           <p:attrName>ppt_x</p:attrName>
@@ -9675,7 +10896,7 @@
                                       <p:cBhvr>
                                         <p:cTn id="15" dur="500" fill="hold"/>
                                         <p:tgtEl>
-                                          <p:spTgt spid="90114"/>
+                                          <p:spTgt spid="43010"/>
                                         </p:tgtEl>
                                       </p:cBhvr>
                                       <p:by x="370370" y="370370"/>
@@ -9689,11 +10910,11 @@
                                     <p:cond delay="0"/>
                                   </p:stCondLst>
                                   <p:childTnLst>
-                                    <p:animMotion origin="layout" path="M 0 0 C -0.1569344 0.009750797 -0.1569344 0.009750797 -0.3138687 0.01950159 E" pathEditMode="relative" ptsTypes="">
+                                    <p:animMotion origin="layout" path="M 0 0 C -0.1766216 0.01124891 -0.1766216 0.01124891 -0.3532432 0.02249783 E" pathEditMode="relative" ptsTypes="">
                                       <p:cBhvr>
                                         <p:cTn id="17" dur="1" fill="hold"/>
                                         <p:tgtEl>
-                                          <p:spTgt spid="10"/>
+                                          <p:spTgt spid="12"/>
                                         </p:tgtEl>
                                         <p:attrNameLst>
                                           <p:attrName>ppt_x</p:attrName>
@@ -9714,7 +10935,7 @@
                                       <p:cBhvr>
                                         <p:cTn id="19" dur="1" fill="hold"/>
                                         <p:tgtEl>
-                                          <p:spTgt spid="10"/>
+                                          <p:spTgt spid="12"/>
                                         </p:tgtEl>
                                       </p:cBhvr>
                                       <p:by x="27000" y="27000"/>
@@ -9728,11 +10949,11 @@
                                     <p:cond delay="0"/>
                                   </p:stCondLst>
                                   <p:childTnLst>
-                                    <p:animMotion origin="layout" path="M -0.3138687 0.01950159 C -0.1569343 0.009750805 -0.1569343 0.009750805 5.960464E-08 1.490116E-08 E" pathEditMode="relative" ptsTypes="">
+                                    <p:animMotion origin="layout" path="M -0.3532432 0.02249783 C -0.1766216 0.01124891 -0.1766216 0.01124891 2.980232E-08 -1.303852E-08 E" pathEditMode="relative" ptsTypes="">
                                       <p:cBhvr>
                                         <p:cTn id="21" dur="500" fill="hold"/>
                                         <p:tgtEl>
-                                          <p:spTgt spid="10"/>
+                                          <p:spTgt spid="12"/>
                                         </p:tgtEl>
                                         <p:attrNameLst>
                                           <p:attrName>ppt_x</p:attrName>
@@ -9753,7 +10974,7 @@
                                       <p:cBhvr>
                                         <p:cTn id="23" dur="500" fill="hold"/>
                                         <p:tgtEl>
-                                          <p:spTgt spid="10"/>
+                                          <p:spTgt spid="12"/>
                                         </p:tgtEl>
                                       </p:cBhvr>
                                       <p:by x="370370" y="370370"/>
@@ -9869,6 +11090,42 @@
           </a:p>
         </p:txBody>
       </p:sp>
+      <p:sp>
+        <p:nvSpPr>
+          <p:cNvPr id="2" name="Rectangle 1"/>
+          <p:cNvSpPr/>
+          <p:nvPr/>
+        </p:nvSpPr>
+        <p:spPr>
+          <a:xfrm>
+            <a:off x="2584549" y="1816948"/>
+            <a:ext cx="4363715" cy="3772292"/>
+          </a:xfrm>
+          <a:prstGeom prst="rect">
+            <a:avLst/>
+          </a:prstGeom>
+        </p:spPr>
+        <p:txBody>
+          <a:bodyPr wrap="square">
+            <a:prstTxWarp prst="textArchUp">
+              <a:avLst/>
+            </a:prstTxWarp>
+            <a:spAutoFit/>
+          </a:bodyPr>
+          <a:lstStyle/>
+          <a:p>
+            <a:pPr lvl="0" algn="ctr"/>
+            <a:r>
+              <a:rPr lang="en-US" sz="6600" dirty="0">
+                <a:solidFill>
+                  <a:srgbClr val="C00000"/>
+                </a:solidFill>
+              </a:rPr>
+              <a:t>Product</a:t>
+            </a:r>
+          </a:p>
+        </p:txBody>
+      </p:sp>
     </p:spTree>
     <p:extLst>
       <p:ext uri="{BB962C8B-B14F-4D97-AF65-F5344CB8AC3E}">
@@ -9948,7 +11205,17 @@
                   </a:schemeClr>
                 </a:solidFill>
               </a:rPr>
-              <a:t>Discussion about point </a:t>
+              <a:t>Discussion about </a:t>
+            </a:r>
+            <a:r>
+              <a:rPr lang="en-US" sz="6000" dirty="0" smtClean="0">
+                <a:solidFill>
+                  <a:schemeClr val="bg1">
+                    <a:lumMod val="65000"/>
+                  </a:schemeClr>
+                </a:solidFill>
+              </a:rPr>
+              <a:t>feature </a:t>
             </a:r>
             <a:r>
               <a:rPr lang="en-US" sz="6000" dirty="0" smtClean="0">
@@ -9982,13 +11249,13 @@
   <p:clrMapOvr>
     <a:masterClrMapping/>
   </p:clrMapOvr>
-  <mc:AlternateContent xmlns:mc="http://schemas.openxmlformats.org/markup-compatibility/2006">
-    <mc:Choice xmlns:p14="http://schemas.microsoft.com/office/powerpoint/2010/main" Requires="p14">
+  <mc:AlternateContent xmlns:mc="http://schemas.openxmlformats.org/markup-compatibility/2006" xmlns:p14="http://schemas.microsoft.com/office/powerpoint/2010/main">
+    <mc:Choice Requires="p14">
       <p:transition spd="med">
         <p14:window dir="vert"/>
       </p:transition>
     </mc:Choice>
-    <mc:Fallback>
+    <mc:Fallback xmlns="">
       <p:transition spd="med">
         <p:fade/>
       </p:transition>
@@ -10051,7 +11318,17 @@
                   </a:schemeClr>
                 </a:solidFill>
               </a:rPr>
-              <a:t>Discussion about point </a:t>
+              <a:t>Discussion about </a:t>
+            </a:r>
+            <a:r>
+              <a:rPr lang="en-US" sz="6000" dirty="0" smtClean="0">
+                <a:solidFill>
+                  <a:schemeClr val="bg1">
+                    <a:lumMod val="65000"/>
+                  </a:schemeClr>
+                </a:solidFill>
+              </a:rPr>
+              <a:t>feature </a:t>
             </a:r>
             <a:r>
               <a:rPr lang="en-US" sz="6000" dirty="0" smtClean="0">
@@ -10084,13 +11361,13 @@
   <p:clrMapOvr>
     <a:masterClrMapping/>
   </p:clrMapOvr>
-  <mc:AlternateContent xmlns:mc="http://schemas.openxmlformats.org/markup-compatibility/2006">
-    <mc:Choice xmlns:p14="http://schemas.microsoft.com/office/powerpoint/2010/main" Requires="p14">
+  <mc:AlternateContent xmlns:mc="http://schemas.openxmlformats.org/markup-compatibility/2006" xmlns:p14="http://schemas.microsoft.com/office/powerpoint/2010/main">
+    <mc:Choice Requires="p14">
       <p:transition spd="med" p14:dur="700">
         <p:fade/>
       </p:transition>
     </mc:Choice>
-    <mc:Fallback>
+    <mc:Fallback xmlns="">
       <p:transition spd="med">
         <p:fade/>
       </p:transition>
@@ -10153,7 +11430,17 @@
                   </a:schemeClr>
                 </a:solidFill>
               </a:rPr>
-              <a:t>Discussion about point </a:t>
+              <a:t>Discussion about </a:t>
+            </a:r>
+            <a:r>
+              <a:rPr lang="en-US" sz="6000" dirty="0" smtClean="0">
+                <a:solidFill>
+                  <a:schemeClr val="bg1">
+                    <a:lumMod val="65000"/>
+                  </a:schemeClr>
+                </a:solidFill>
+              </a:rPr>
+              <a:t>feature </a:t>
             </a:r>
             <a:r>
               <a:rPr lang="en-US" sz="6000" dirty="0" smtClean="0">
@@ -10186,13 +11473,13 @@
   <p:clrMapOvr>
     <a:masterClrMapping/>
   </p:clrMapOvr>
-  <mc:AlternateContent xmlns:mc="http://schemas.openxmlformats.org/markup-compatibility/2006">
-    <mc:Choice xmlns:p14="http://schemas.microsoft.com/office/powerpoint/2010/main" Requires="p14">
+  <mc:AlternateContent xmlns:mc="http://schemas.openxmlformats.org/markup-compatibility/2006" xmlns:p14="http://schemas.microsoft.com/office/powerpoint/2010/main">
+    <mc:Choice Requires="p14">
       <p:transition spd="med" p14:dur="700">
         <p:fade/>
       </p:transition>
     </mc:Choice>
-    <mc:Fallback>
+    <mc:Fallback xmlns="">
       <p:transition spd="med">
         <p:fade/>
       </p:transition>
@@ -10269,6 +11556,9 @@
           <a:lstStyle/>
           <a:p>
             <a:pPr marL="628650" indent="-628650">
+              <a:lnSpc>
+                <a:spcPct val="150000"/>
+              </a:lnSpc>
               <a:buClr>
                 <a:schemeClr val="bg1">
                   <a:lumMod val="65000"/>
@@ -10278,16 +11568,24 @@
               <a:buChar char="ü"/>
             </a:pPr>
             <a:r>
-              <a:rPr lang="en-US" sz="6000" dirty="0" smtClean="0">
+              <a:rPr lang="en-US" sz="4800" dirty="0" smtClean="0">
                 <a:solidFill>
                   <a:srgbClr val="C00000"/>
                 </a:solidFill>
               </a:rPr>
-              <a:t>Point A1</a:t>
-            </a:r>
+              <a:t>Feature A1</a:t>
+            </a:r>
+            <a:endParaRPr lang="en-US" sz="4800" dirty="0" smtClean="0">
+              <a:solidFill>
+                <a:srgbClr val="C00000"/>
+              </a:solidFill>
+            </a:endParaRPr>
           </a:p>
           <a:p>
             <a:pPr marL="628650" indent="-628650">
+              <a:lnSpc>
+                <a:spcPct val="150000"/>
+              </a:lnSpc>
               <a:buClr>
                 <a:schemeClr val="bg1">
                   <a:lumMod val="65000"/>
@@ -10297,16 +11595,24 @@
               <a:buChar char="ü"/>
             </a:pPr>
             <a:r>
-              <a:rPr lang="en-US" sz="6000" dirty="0" smtClean="0">
+              <a:rPr lang="en-US" sz="4800" dirty="0" smtClean="0">
                 <a:solidFill>
                   <a:srgbClr val="C00000"/>
                 </a:solidFill>
               </a:rPr>
-              <a:t>Point A2</a:t>
-            </a:r>
+              <a:t>Feature A2</a:t>
+            </a:r>
+            <a:endParaRPr lang="en-US" sz="4800" dirty="0" smtClean="0">
+              <a:solidFill>
+                <a:srgbClr val="C00000"/>
+              </a:solidFill>
+            </a:endParaRPr>
           </a:p>
           <a:p>
             <a:pPr marL="628650" indent="-628650">
+              <a:lnSpc>
+                <a:spcPct val="150000"/>
+              </a:lnSpc>
               <a:buClr>
                 <a:schemeClr val="bg1">
                   <a:lumMod val="65000"/>
@@ -10316,14 +11622,14 @@
               <a:buChar char="ü"/>
             </a:pPr>
             <a:r>
-              <a:rPr lang="en-US" sz="6000" dirty="0" smtClean="0">
+              <a:rPr lang="en-US" sz="4800" dirty="0" smtClean="0">
                 <a:solidFill>
                   <a:srgbClr val="C00000"/>
                 </a:solidFill>
               </a:rPr>
-              <a:t>Point A3</a:t>
-            </a:r>
-            <a:endParaRPr lang="en-SG" sz="6000" dirty="0">
+              <a:t>FeatureA3</a:t>
+            </a:r>
+            <a:endParaRPr lang="en-SG" sz="4800" dirty="0">
               <a:solidFill>
                 <a:srgbClr val="C00000"/>
               </a:solidFill>
@@ -10379,13 +11685,13 @@
   <p:clrMapOvr>
     <a:masterClrMapping/>
   </p:clrMapOvr>
-  <mc:AlternateContent xmlns:mc="http://schemas.openxmlformats.org/markup-compatibility/2006">
-    <mc:Choice xmlns:p14="http://schemas.microsoft.com/office/powerpoint/2010/main" Requires="p14">
+  <mc:AlternateContent xmlns:mc="http://schemas.openxmlformats.org/markup-compatibility/2006" xmlns:p14="http://schemas.microsoft.com/office/powerpoint/2010/main">
+    <mc:Choice Requires="p14">
       <p:transition spd="med">
         <p14:shred/>
       </p:transition>
     </mc:Choice>
-    <mc:Fallback>
+    <mc:Fallback xmlns="">
       <p:transition spd="med">
         <p:fade/>
       </p:transition>
@@ -10684,4 +11990,289 @@
   <a:objectDefaults/>
   <a:extraClrSchemeLst/>
 </a:theme>
+</file>
+
+<file path=ppt/theme/theme2.xml><?xml version="1.0" encoding="utf-8"?>
+<a:theme xmlns:a="http://schemas.openxmlformats.org/drawingml/2006/main" name="Office Theme">
+  <a:themeElements>
+    <a:clrScheme name="Office">
+      <a:dk1>
+        <a:sysClr val="windowText" lastClr="000000"/>
+      </a:dk1>
+      <a:lt1>
+        <a:sysClr val="window" lastClr="FFFFFF"/>
+      </a:lt1>
+      <a:dk2>
+        <a:srgbClr val="1F497D"/>
+      </a:dk2>
+      <a:lt2>
+        <a:srgbClr val="EEECE1"/>
+      </a:lt2>
+      <a:accent1>
+        <a:srgbClr val="4F81BD"/>
+      </a:accent1>
+      <a:accent2>
+        <a:srgbClr val="C0504D"/>
+      </a:accent2>
+      <a:accent3>
+        <a:srgbClr val="9BBB59"/>
+      </a:accent3>
+      <a:accent4>
+        <a:srgbClr val="8064A2"/>
+      </a:accent4>
+      <a:accent5>
+        <a:srgbClr val="4BACC6"/>
+      </a:accent5>
+      <a:accent6>
+        <a:srgbClr val="F79646"/>
+      </a:accent6>
+      <a:hlink>
+        <a:srgbClr val="0000FF"/>
+      </a:hlink>
+      <a:folHlink>
+        <a:srgbClr val="800080"/>
+      </a:folHlink>
+    </a:clrScheme>
+    <a:fontScheme name="Office">
+      <a:majorFont>
+        <a:latin typeface="Calibri"/>
+        <a:ea typeface=""/>
+        <a:cs typeface=""/>
+        <a:font script="Jpan" typeface="ＭＳ Ｐゴシック"/>
+        <a:font script="Hang" typeface="맑은 고딕"/>
+        <a:font script="Hans" typeface="宋体"/>
+        <a:font script="Hant" typeface="新細明體"/>
+        <a:font script="Arab" typeface="Times New Roman"/>
+        <a:font script="Hebr" typeface="Times New Roman"/>
+        <a:font script="Thai" typeface="Angsana New"/>
+        <a:font script="Ethi" typeface="Nyala"/>
+        <a:font script="Beng" typeface="Vrinda"/>
+        <a:font script="Gujr" typeface="Shruti"/>
+        <a:font script="Khmr" typeface="MoolBoran"/>
+        <a:font script="Knda" typeface="Tunga"/>
+        <a:font script="Guru" typeface="Raavi"/>
+        <a:font script="Cans" typeface="Euphemia"/>
+        <a:font script="Cher" typeface="Plantagenet Cherokee"/>
+        <a:font script="Yiii" typeface="Microsoft Yi Baiti"/>
+        <a:font script="Tibt" typeface="Microsoft Himalaya"/>
+        <a:font script="Thaa" typeface="MV Boli"/>
+        <a:font script="Deva" typeface="Mangal"/>
+        <a:font script="Telu" typeface="Gautami"/>
+        <a:font script="Taml" typeface="Latha"/>
+        <a:font script="Syrc" typeface="Estrangelo Edessa"/>
+        <a:font script="Orya" typeface="Kalinga"/>
+        <a:font script="Mlym" typeface="Kartika"/>
+        <a:font script="Laoo" typeface="DokChampa"/>
+        <a:font script="Sinh" typeface="Iskoola Pota"/>
+        <a:font script="Mong" typeface="Mongolian Baiti"/>
+        <a:font script="Viet" typeface="Times New Roman"/>
+        <a:font script="Uigh" typeface="Microsoft Uighur"/>
+        <a:font script="Geor" typeface="Sylfaen"/>
+      </a:majorFont>
+      <a:minorFont>
+        <a:latin typeface="Calibri"/>
+        <a:ea typeface=""/>
+        <a:cs typeface=""/>
+        <a:font script="Jpan" typeface="ＭＳ Ｐゴシック"/>
+        <a:font script="Hang" typeface="맑은 고딕"/>
+        <a:font script="Hans" typeface="宋体"/>
+        <a:font script="Hant" typeface="新細明體"/>
+        <a:font script="Arab" typeface="Arial"/>
+        <a:font script="Hebr" typeface="Arial"/>
+        <a:font script="Thai" typeface="Cordia New"/>
+        <a:font script="Ethi" typeface="Nyala"/>
+        <a:font script="Beng" typeface="Vrinda"/>
+        <a:font script="Gujr" typeface="Shruti"/>
+        <a:font script="Khmr" typeface="DaunPenh"/>
+        <a:font script="Knda" typeface="Tunga"/>
+        <a:font script="Guru" typeface="Raavi"/>
+        <a:font script="Cans" typeface="Euphemia"/>
+        <a:font script="Cher" typeface="Plantagenet Cherokee"/>
+        <a:font script="Yiii" typeface="Microsoft Yi Baiti"/>
+        <a:font script="Tibt" typeface="Microsoft Himalaya"/>
+        <a:font script="Thaa" typeface="MV Boli"/>
+        <a:font script="Deva" typeface="Mangal"/>
+        <a:font script="Telu" typeface="Gautami"/>
+        <a:font script="Taml" typeface="Latha"/>
+        <a:font script="Syrc" typeface="Estrangelo Edessa"/>
+        <a:font script="Orya" typeface="Kalinga"/>
+        <a:font script="Mlym" typeface="Kartika"/>
+        <a:font script="Laoo" typeface="DokChampa"/>
+        <a:font script="Sinh" typeface="Iskoola Pota"/>
+        <a:font script="Mong" typeface="Mongolian Baiti"/>
+        <a:font script="Viet" typeface="Arial"/>
+        <a:font script="Uigh" typeface="Microsoft Uighur"/>
+        <a:font script="Geor" typeface="Sylfaen"/>
+      </a:minorFont>
+    </a:fontScheme>
+    <a:fmtScheme name="Office">
+      <a:fillStyleLst>
+        <a:solidFill>
+          <a:schemeClr val="phClr"/>
+        </a:solidFill>
+        <a:gradFill rotWithShape="1">
+          <a:gsLst>
+            <a:gs pos="0">
+              <a:schemeClr val="phClr">
+                <a:tint val="50000"/>
+                <a:satMod val="300000"/>
+              </a:schemeClr>
+            </a:gs>
+            <a:gs pos="35000">
+              <a:schemeClr val="phClr">
+                <a:tint val="37000"/>
+                <a:satMod val="300000"/>
+              </a:schemeClr>
+            </a:gs>
+            <a:gs pos="100000">
+              <a:schemeClr val="phClr">
+                <a:tint val="15000"/>
+                <a:satMod val="350000"/>
+              </a:schemeClr>
+            </a:gs>
+          </a:gsLst>
+          <a:lin ang="16200000" scaled="1"/>
+        </a:gradFill>
+        <a:gradFill rotWithShape="1">
+          <a:gsLst>
+            <a:gs pos="0">
+              <a:schemeClr val="phClr">
+                <a:shade val="51000"/>
+                <a:satMod val="130000"/>
+              </a:schemeClr>
+            </a:gs>
+            <a:gs pos="80000">
+              <a:schemeClr val="phClr">
+                <a:shade val="93000"/>
+                <a:satMod val="130000"/>
+              </a:schemeClr>
+            </a:gs>
+            <a:gs pos="100000">
+              <a:schemeClr val="phClr">
+                <a:shade val="94000"/>
+                <a:satMod val="135000"/>
+              </a:schemeClr>
+            </a:gs>
+          </a:gsLst>
+          <a:lin ang="16200000" scaled="0"/>
+        </a:gradFill>
+      </a:fillStyleLst>
+      <a:lnStyleLst>
+        <a:ln w="9525" cap="flat" cmpd="sng" algn="ctr">
+          <a:solidFill>
+            <a:schemeClr val="phClr">
+              <a:shade val="95000"/>
+              <a:satMod val="105000"/>
+            </a:schemeClr>
+          </a:solidFill>
+          <a:prstDash val="solid"/>
+        </a:ln>
+        <a:ln w="25400" cap="flat" cmpd="sng" algn="ctr">
+          <a:solidFill>
+            <a:schemeClr val="phClr"/>
+          </a:solidFill>
+          <a:prstDash val="solid"/>
+        </a:ln>
+        <a:ln w="38100" cap="flat" cmpd="sng" algn="ctr">
+          <a:solidFill>
+            <a:schemeClr val="phClr"/>
+          </a:solidFill>
+          <a:prstDash val="solid"/>
+        </a:ln>
+      </a:lnStyleLst>
+      <a:effectStyleLst>
+        <a:effectStyle>
+          <a:effectLst>
+            <a:outerShdw blurRad="40000" dist="20000" dir="5400000" rotWithShape="0">
+              <a:srgbClr val="000000">
+                <a:alpha val="38000"/>
+              </a:srgbClr>
+            </a:outerShdw>
+          </a:effectLst>
+        </a:effectStyle>
+        <a:effectStyle>
+          <a:effectLst>
+            <a:outerShdw blurRad="40000" dist="23000" dir="5400000" rotWithShape="0">
+              <a:srgbClr val="000000">
+                <a:alpha val="35000"/>
+              </a:srgbClr>
+            </a:outerShdw>
+          </a:effectLst>
+        </a:effectStyle>
+        <a:effectStyle>
+          <a:effectLst>
+            <a:outerShdw blurRad="40000" dist="23000" dir="5400000" rotWithShape="0">
+              <a:srgbClr val="000000">
+                <a:alpha val="35000"/>
+              </a:srgbClr>
+            </a:outerShdw>
+          </a:effectLst>
+          <a:scene3d>
+            <a:camera prst="orthographicFront">
+              <a:rot lat="0" lon="0" rev="0"/>
+            </a:camera>
+            <a:lightRig rig="threePt" dir="t">
+              <a:rot lat="0" lon="0" rev="1200000"/>
+            </a:lightRig>
+          </a:scene3d>
+          <a:sp3d>
+            <a:bevelT w="63500" h="25400"/>
+          </a:sp3d>
+        </a:effectStyle>
+      </a:effectStyleLst>
+      <a:bgFillStyleLst>
+        <a:solidFill>
+          <a:schemeClr val="phClr"/>
+        </a:solidFill>
+        <a:gradFill rotWithShape="1">
+          <a:gsLst>
+            <a:gs pos="0">
+              <a:schemeClr val="phClr">
+                <a:tint val="40000"/>
+                <a:satMod val="350000"/>
+              </a:schemeClr>
+            </a:gs>
+            <a:gs pos="40000">
+              <a:schemeClr val="phClr">
+                <a:tint val="45000"/>
+                <a:shade val="99000"/>
+                <a:satMod val="350000"/>
+              </a:schemeClr>
+            </a:gs>
+            <a:gs pos="100000">
+              <a:schemeClr val="phClr">
+                <a:shade val="20000"/>
+                <a:satMod val="255000"/>
+              </a:schemeClr>
+            </a:gs>
+          </a:gsLst>
+          <a:path path="circle">
+            <a:fillToRect l="50000" t="-80000" r="50000" b="180000"/>
+          </a:path>
+        </a:gradFill>
+        <a:gradFill rotWithShape="1">
+          <a:gsLst>
+            <a:gs pos="0">
+              <a:schemeClr val="phClr">
+                <a:tint val="80000"/>
+                <a:satMod val="300000"/>
+              </a:schemeClr>
+            </a:gs>
+            <a:gs pos="100000">
+              <a:schemeClr val="phClr">
+                <a:shade val="30000"/>
+                <a:satMod val="200000"/>
+              </a:schemeClr>
+            </a:gs>
+          </a:gsLst>
+          <a:path path="circle">
+            <a:fillToRect l="50000" t="50000" r="50000" b="50000"/>
+          </a:path>
+        </a:gradFill>
+      </a:bgFillStyleLst>
+    </a:fmtScheme>
+  </a:themeElements>
+  <a:objectDefaults/>
+  <a:extraClrSchemeLst/>
+</a:theme>
 </file>